--- a/Tetrimination Pitch.pptx
+++ b/Tetrimination Pitch.pptx
@@ -116,6 +116,11 @@
       </a:defRPr>
     </a:lvl9pPr>
   </p:defaultTextStyle>
+  <p:extLst>
+    <p:ext uri="{EFAFB233-063F-42B5-8137-9DF3F51BA10A}">
+      <p15:sldGuideLst xmlns:p15="http://schemas.microsoft.com/office/powerpoint/2012/main"/>
+    </p:ext>
+  </p:extLst>
 </p:presentation>
 </file>
 
@@ -4207,7 +4212,7 @@
           <a:p>
             <a:r>
               <a:rPr lang="en-US" dirty="0" err="1"/>
-              <a:t>Lefèbre</a:t>
+              <a:t>Lefebre</a:t>
             </a:r>
             <a:r>
               <a:rPr lang="en-US" dirty="0"/>

--- a/Tetrimination Pitch.pptx
+++ b/Tetrimination Pitch.pptx
@@ -2,7 +2,7 @@
 <file path=ppt/presentation.xml><?xml version="1.0" encoding="utf-8"?>
 <p:presentation xmlns:a="http://schemas.openxmlformats.org/drawingml/2006/main" xmlns:r="http://schemas.openxmlformats.org/officeDocument/2006/relationships" xmlns:p="http://schemas.openxmlformats.org/presentationml/2006/main" saveSubsetFonts="1">
   <p:sldMasterIdLst>
-    <p:sldMasterId id="2147483648" r:id="rId1"/>
+    <p:sldMasterId id="2147483694" r:id="rId1"/>
   </p:sldMasterIdLst>
   <p:notesMasterIdLst>
     <p:notesMasterId r:id="rId12"/>
@@ -23,9 +23,9 @@
   <p:notesSz cx="6858000" cy="9144000"/>
   <p:defaultTextStyle>
     <a:defPPr>
-      <a:defRPr lang="nl-BE"/>
+      <a:defRPr lang="en-US"/>
     </a:defPPr>
-    <a:lvl1pPr marL="0" algn="l" defTabSz="914400" rtl="0" eaLnBrk="1" latinLnBrk="0" hangingPunct="1">
+    <a:lvl1pPr marL="0" algn="l" defTabSz="457200" rtl="0" eaLnBrk="1" latinLnBrk="0" hangingPunct="1">
       <a:defRPr sz="1800" kern="1200">
         <a:solidFill>
           <a:schemeClr val="tx1"/>
@@ -35,7 +35,7 @@
         <a:cs typeface="+mn-cs"/>
       </a:defRPr>
     </a:lvl1pPr>
-    <a:lvl2pPr marL="457200" algn="l" defTabSz="914400" rtl="0" eaLnBrk="1" latinLnBrk="0" hangingPunct="1">
+    <a:lvl2pPr marL="457200" algn="l" defTabSz="457200" rtl="0" eaLnBrk="1" latinLnBrk="0" hangingPunct="1">
       <a:defRPr sz="1800" kern="1200">
         <a:solidFill>
           <a:schemeClr val="tx1"/>
@@ -45,7 +45,7 @@
         <a:cs typeface="+mn-cs"/>
       </a:defRPr>
     </a:lvl2pPr>
-    <a:lvl3pPr marL="914400" algn="l" defTabSz="914400" rtl="0" eaLnBrk="1" latinLnBrk="0" hangingPunct="1">
+    <a:lvl3pPr marL="914400" algn="l" defTabSz="457200" rtl="0" eaLnBrk="1" latinLnBrk="0" hangingPunct="1">
       <a:defRPr sz="1800" kern="1200">
         <a:solidFill>
           <a:schemeClr val="tx1"/>
@@ -55,7 +55,7 @@
         <a:cs typeface="+mn-cs"/>
       </a:defRPr>
     </a:lvl3pPr>
-    <a:lvl4pPr marL="1371600" algn="l" defTabSz="914400" rtl="0" eaLnBrk="1" latinLnBrk="0" hangingPunct="1">
+    <a:lvl4pPr marL="1371600" algn="l" defTabSz="457200" rtl="0" eaLnBrk="1" latinLnBrk="0" hangingPunct="1">
       <a:defRPr sz="1800" kern="1200">
         <a:solidFill>
           <a:schemeClr val="tx1"/>
@@ -65,7 +65,7 @@
         <a:cs typeface="+mn-cs"/>
       </a:defRPr>
     </a:lvl4pPr>
-    <a:lvl5pPr marL="1828800" algn="l" defTabSz="914400" rtl="0" eaLnBrk="1" latinLnBrk="0" hangingPunct="1">
+    <a:lvl5pPr marL="1828800" algn="l" defTabSz="457200" rtl="0" eaLnBrk="1" latinLnBrk="0" hangingPunct="1">
       <a:defRPr sz="1800" kern="1200">
         <a:solidFill>
           <a:schemeClr val="tx1"/>
@@ -75,7 +75,7 @@
         <a:cs typeface="+mn-cs"/>
       </a:defRPr>
     </a:lvl5pPr>
-    <a:lvl6pPr marL="2286000" algn="l" defTabSz="914400" rtl="0" eaLnBrk="1" latinLnBrk="0" hangingPunct="1">
+    <a:lvl6pPr marL="2286000" algn="l" defTabSz="457200" rtl="0" eaLnBrk="1" latinLnBrk="0" hangingPunct="1">
       <a:defRPr sz="1800" kern="1200">
         <a:solidFill>
           <a:schemeClr val="tx1"/>
@@ -85,7 +85,7 @@
         <a:cs typeface="+mn-cs"/>
       </a:defRPr>
     </a:lvl6pPr>
-    <a:lvl7pPr marL="2743200" algn="l" defTabSz="914400" rtl="0" eaLnBrk="1" latinLnBrk="0" hangingPunct="1">
+    <a:lvl7pPr marL="2743200" algn="l" defTabSz="457200" rtl="0" eaLnBrk="1" latinLnBrk="0" hangingPunct="1">
       <a:defRPr sz="1800" kern="1200">
         <a:solidFill>
           <a:schemeClr val="tx1"/>
@@ -95,7 +95,7 @@
         <a:cs typeface="+mn-cs"/>
       </a:defRPr>
     </a:lvl7pPr>
-    <a:lvl8pPr marL="3200400" algn="l" defTabSz="914400" rtl="0" eaLnBrk="1" latinLnBrk="0" hangingPunct="1">
+    <a:lvl8pPr marL="3200400" algn="l" defTabSz="457200" rtl="0" eaLnBrk="1" latinLnBrk="0" hangingPunct="1">
       <a:defRPr sz="1800" kern="1200">
         <a:solidFill>
           <a:schemeClr val="tx1"/>
@@ -105,7 +105,7 @@
         <a:cs typeface="+mn-cs"/>
       </a:defRPr>
     </a:lvl8pPr>
-    <a:lvl9pPr marL="3657600" algn="l" defTabSz="914400" rtl="0" eaLnBrk="1" latinLnBrk="0" hangingPunct="1">
+    <a:lvl9pPr marL="3657600" algn="l" defTabSz="457200" rtl="0" eaLnBrk="1" latinLnBrk="0" hangingPunct="1">
       <a:defRPr sz="1800" kern="1200">
         <a:solidFill>
           <a:schemeClr val="tx1"/>
@@ -742,7 +742,7 @@
 </file>
 
 <file path=ppt/slideLayouts/slideLayout1.xml><?xml version="1.0" encoding="utf-8"?>
-<p:sldLayout xmlns:a="http://schemas.openxmlformats.org/drawingml/2006/main" xmlns:r="http://schemas.openxmlformats.org/officeDocument/2006/relationships" xmlns:p="http://schemas.openxmlformats.org/presentationml/2006/main" type="title" preserve="1">
+<p:sldLayout xmlns:a="http://schemas.openxmlformats.org/drawingml/2006/main" xmlns:r="http://schemas.openxmlformats.org/officeDocument/2006/relationships" xmlns:p="http://schemas.openxmlformats.org/presentationml/2006/main" showMasterSp="0" type="title" preserve="1">
   <p:cSld name="Title Slide">
     <p:spTree>
       <p:nvGrpSpPr>
@@ -758,15 +758,541 @@
           <a:chExt cx="0" cy="0"/>
         </a:xfrm>
       </p:grpSpPr>
-      <p:sp>
-        <p:nvSpPr>
-          <p:cNvPr id="2" name="Title 1">
-            <a:extLst>
-              <a:ext uri="{FF2B5EF4-FFF2-40B4-BE49-F238E27FC236}">
-                <a16:creationId xmlns:a16="http://schemas.microsoft.com/office/drawing/2014/main" id="{E85F4BDF-6EC9-4917-9A1D-A36D9A4D85F9}"/>
-              </a:ext>
-            </a:extLst>
-          </p:cNvPr>
+      <p:grpSp>
+        <p:nvGrpSpPr>
+          <p:cNvPr id="8" name="Group 7"/>
+          <p:cNvGrpSpPr/>
+          <p:nvPr/>
+        </p:nvGrpSpPr>
+        <p:grpSpPr>
+          <a:xfrm>
+            <a:off x="0" y="-8467"/>
+            <a:ext cx="12192000" cy="6866467"/>
+            <a:chOff x="0" y="-8467"/>
+            <a:chExt cx="12192000" cy="6866467"/>
+          </a:xfrm>
+        </p:grpSpPr>
+        <p:cxnSp>
+          <p:nvCxnSpPr>
+            <p:cNvPr id="32" name="Straight Connector 31"/>
+            <p:cNvCxnSpPr/>
+            <p:nvPr/>
+          </p:nvCxnSpPr>
+          <p:spPr>
+            <a:xfrm>
+              <a:off x="9371012" y="0"/>
+              <a:ext cx="1219200" cy="6858000"/>
+            </a:xfrm>
+            <a:prstGeom prst="line">
+              <a:avLst/>
+            </a:prstGeom>
+            <a:ln w="9525">
+              <a:solidFill>
+                <a:schemeClr val="bg1">
+                  <a:lumMod val="85000"/>
+                  <a:lumOff val="15000"/>
+                </a:schemeClr>
+              </a:solidFill>
+            </a:ln>
+          </p:spPr>
+          <p:style>
+            <a:lnRef idx="2">
+              <a:schemeClr val="accent1"/>
+            </a:lnRef>
+            <a:fillRef idx="0">
+              <a:schemeClr val="accent1"/>
+            </a:fillRef>
+            <a:effectRef idx="1">
+              <a:schemeClr val="accent1"/>
+            </a:effectRef>
+            <a:fontRef idx="minor">
+              <a:schemeClr val="tx1"/>
+            </a:fontRef>
+          </p:style>
+        </p:cxnSp>
+        <p:cxnSp>
+          <p:nvCxnSpPr>
+            <p:cNvPr id="21" name="Straight Connector 20"/>
+            <p:cNvCxnSpPr/>
+            <p:nvPr/>
+          </p:nvCxnSpPr>
+          <p:spPr>
+            <a:xfrm flipH="1">
+              <a:off x="7425267" y="3681413"/>
+              <a:ext cx="4763558" cy="3176587"/>
+            </a:xfrm>
+            <a:prstGeom prst="line">
+              <a:avLst/>
+            </a:prstGeom>
+            <a:ln w="9525">
+              <a:solidFill>
+                <a:schemeClr val="bg1">
+                  <a:lumMod val="85000"/>
+                  <a:lumOff val="15000"/>
+                </a:schemeClr>
+              </a:solidFill>
+            </a:ln>
+          </p:spPr>
+          <p:style>
+            <a:lnRef idx="2">
+              <a:schemeClr val="accent1"/>
+            </a:lnRef>
+            <a:fillRef idx="0">
+              <a:schemeClr val="accent1"/>
+            </a:fillRef>
+            <a:effectRef idx="1">
+              <a:schemeClr val="accent1"/>
+            </a:effectRef>
+            <a:fontRef idx="minor">
+              <a:schemeClr val="tx1"/>
+            </a:fontRef>
+          </p:style>
+        </p:cxnSp>
+        <p:sp>
+          <p:nvSpPr>
+            <p:cNvPr id="24" name="Rectangle 23"/>
+            <p:cNvSpPr/>
+            <p:nvPr/>
+          </p:nvSpPr>
+          <p:spPr>
+            <a:xfrm>
+              <a:off x="9181476" y="-8467"/>
+              <a:ext cx="3007349" cy="6866467"/>
+            </a:xfrm>
+            <a:custGeom>
+              <a:avLst/>
+              <a:gdLst/>
+              <a:ahLst/>
+              <a:cxnLst/>
+              <a:rect l="l" t="t" r="r" b="b"/>
+              <a:pathLst>
+                <a:path w="3007349" h="6866467">
+                  <a:moveTo>
+                    <a:pt x="2045532" y="0"/>
+                  </a:moveTo>
+                  <a:lnTo>
+                    <a:pt x="3007349" y="0"/>
+                  </a:lnTo>
+                  <a:lnTo>
+                    <a:pt x="3007349" y="6866467"/>
+                  </a:lnTo>
+                  <a:lnTo>
+                    <a:pt x="0" y="6866467"/>
+                  </a:lnTo>
+                  <a:lnTo>
+                    <a:pt x="2045532" y="0"/>
+                  </a:lnTo>
+                  <a:close/>
+                </a:path>
+              </a:pathLst>
+            </a:custGeom>
+            <a:solidFill>
+              <a:schemeClr val="accent1">
+                <a:alpha val="30000"/>
+              </a:schemeClr>
+            </a:solidFill>
+            <a:ln>
+              <a:noFill/>
+            </a:ln>
+            <a:effectLst/>
+          </p:spPr>
+          <p:style>
+            <a:lnRef idx="1">
+              <a:schemeClr val="accent1"/>
+            </a:lnRef>
+            <a:fillRef idx="3">
+              <a:schemeClr val="accent1"/>
+            </a:fillRef>
+            <a:effectRef idx="2">
+              <a:schemeClr val="accent1"/>
+            </a:effectRef>
+            <a:fontRef idx="minor">
+              <a:schemeClr val="lt1"/>
+            </a:fontRef>
+          </p:style>
+        </p:sp>
+        <p:sp>
+          <p:nvSpPr>
+            <p:cNvPr id="26" name="Rectangle 25"/>
+            <p:cNvSpPr/>
+            <p:nvPr/>
+          </p:nvSpPr>
+          <p:spPr>
+            <a:xfrm>
+              <a:off x="9603442" y="-8467"/>
+              <a:ext cx="2588558" cy="6866467"/>
+            </a:xfrm>
+            <a:custGeom>
+              <a:avLst/>
+              <a:gdLst/>
+              <a:ahLst/>
+              <a:cxnLst/>
+              <a:rect l="l" t="t" r="r" b="b"/>
+              <a:pathLst>
+                <a:path w="2573311" h="6866467">
+                  <a:moveTo>
+                    <a:pt x="0" y="0"/>
+                  </a:moveTo>
+                  <a:lnTo>
+                    <a:pt x="2573311" y="0"/>
+                  </a:lnTo>
+                  <a:lnTo>
+                    <a:pt x="2573311" y="6866467"/>
+                  </a:lnTo>
+                  <a:lnTo>
+                    <a:pt x="1202336" y="6866467"/>
+                  </a:lnTo>
+                  <a:lnTo>
+                    <a:pt x="0" y="0"/>
+                  </a:lnTo>
+                  <a:close/>
+                </a:path>
+              </a:pathLst>
+            </a:custGeom>
+            <a:solidFill>
+              <a:schemeClr val="accent1">
+                <a:alpha val="20000"/>
+              </a:schemeClr>
+            </a:solidFill>
+            <a:ln>
+              <a:noFill/>
+            </a:ln>
+            <a:effectLst/>
+          </p:spPr>
+          <p:style>
+            <a:lnRef idx="1">
+              <a:schemeClr val="accent1"/>
+            </a:lnRef>
+            <a:fillRef idx="3">
+              <a:schemeClr val="accent1"/>
+            </a:fillRef>
+            <a:effectRef idx="2">
+              <a:schemeClr val="accent1"/>
+            </a:effectRef>
+            <a:fontRef idx="minor">
+              <a:schemeClr val="lt1"/>
+            </a:fontRef>
+          </p:style>
+        </p:sp>
+        <p:sp>
+          <p:nvSpPr>
+            <p:cNvPr id="27" name="Isosceles Triangle 26"/>
+            <p:cNvSpPr/>
+            <p:nvPr/>
+          </p:nvSpPr>
+          <p:spPr>
+            <a:xfrm>
+              <a:off x="8932333" y="3048000"/>
+              <a:ext cx="3259667" cy="3810000"/>
+            </a:xfrm>
+            <a:prstGeom prst="triangle">
+              <a:avLst>
+                <a:gd name="adj" fmla="val 100000"/>
+              </a:avLst>
+            </a:prstGeom>
+            <a:solidFill>
+              <a:schemeClr val="accent2">
+                <a:alpha val="72000"/>
+              </a:schemeClr>
+            </a:solidFill>
+            <a:ln>
+              <a:noFill/>
+            </a:ln>
+            <a:effectLst/>
+          </p:spPr>
+          <p:style>
+            <a:lnRef idx="1">
+              <a:schemeClr val="accent1"/>
+            </a:lnRef>
+            <a:fillRef idx="3">
+              <a:schemeClr val="accent1"/>
+            </a:fillRef>
+            <a:effectRef idx="2">
+              <a:schemeClr val="accent1"/>
+            </a:effectRef>
+            <a:fontRef idx="minor">
+              <a:schemeClr val="lt1"/>
+            </a:fontRef>
+          </p:style>
+        </p:sp>
+        <p:sp>
+          <p:nvSpPr>
+            <p:cNvPr id="28" name="Rectangle 27"/>
+            <p:cNvSpPr/>
+            <p:nvPr/>
+          </p:nvSpPr>
+          <p:spPr>
+            <a:xfrm>
+              <a:off x="9334500" y="-8467"/>
+              <a:ext cx="2854326" cy="6866467"/>
+            </a:xfrm>
+            <a:custGeom>
+              <a:avLst/>
+              <a:gdLst/>
+              <a:ahLst/>
+              <a:cxnLst/>
+              <a:rect l="l" t="t" r="r" b="b"/>
+              <a:pathLst>
+                <a:path w="2858013" h="6866467">
+                  <a:moveTo>
+                    <a:pt x="0" y="0"/>
+                  </a:moveTo>
+                  <a:lnTo>
+                    <a:pt x="2858013" y="0"/>
+                  </a:lnTo>
+                  <a:lnTo>
+                    <a:pt x="2858013" y="6866467"/>
+                  </a:lnTo>
+                  <a:lnTo>
+                    <a:pt x="2473942" y="6866467"/>
+                  </a:lnTo>
+                  <a:lnTo>
+                    <a:pt x="0" y="0"/>
+                  </a:lnTo>
+                  <a:close/>
+                </a:path>
+              </a:pathLst>
+            </a:custGeom>
+            <a:solidFill>
+              <a:schemeClr val="accent2">
+                <a:lumMod val="75000"/>
+                <a:alpha val="70000"/>
+              </a:schemeClr>
+            </a:solidFill>
+            <a:ln>
+              <a:noFill/>
+            </a:ln>
+            <a:effectLst/>
+          </p:spPr>
+          <p:style>
+            <a:lnRef idx="1">
+              <a:schemeClr val="accent1"/>
+            </a:lnRef>
+            <a:fillRef idx="3">
+              <a:schemeClr val="accent1"/>
+            </a:fillRef>
+            <a:effectRef idx="2">
+              <a:schemeClr val="accent1"/>
+            </a:effectRef>
+            <a:fontRef idx="minor">
+              <a:schemeClr val="lt1"/>
+            </a:fontRef>
+          </p:style>
+        </p:sp>
+        <p:sp>
+          <p:nvSpPr>
+            <p:cNvPr id="29" name="Rectangle 28"/>
+            <p:cNvSpPr/>
+            <p:nvPr/>
+          </p:nvSpPr>
+          <p:spPr>
+            <a:xfrm>
+              <a:off x="10898730" y="-8467"/>
+              <a:ext cx="1290094" cy="6866467"/>
+            </a:xfrm>
+            <a:custGeom>
+              <a:avLst/>
+              <a:gdLst/>
+              <a:ahLst/>
+              <a:cxnLst/>
+              <a:rect l="l" t="t" r="r" b="b"/>
+              <a:pathLst>
+                <a:path w="1290094" h="6858000">
+                  <a:moveTo>
+                    <a:pt x="1019735" y="0"/>
+                  </a:moveTo>
+                  <a:lnTo>
+                    <a:pt x="1290094" y="0"/>
+                  </a:lnTo>
+                  <a:lnTo>
+                    <a:pt x="1290094" y="6858000"/>
+                  </a:lnTo>
+                  <a:lnTo>
+                    <a:pt x="0" y="6858000"/>
+                  </a:lnTo>
+                  <a:lnTo>
+                    <a:pt x="1019735" y="0"/>
+                  </a:lnTo>
+                  <a:close/>
+                </a:path>
+              </a:pathLst>
+            </a:custGeom>
+            <a:solidFill>
+              <a:schemeClr val="accent1">
+                <a:lumMod val="60000"/>
+                <a:lumOff val="40000"/>
+                <a:alpha val="70000"/>
+              </a:schemeClr>
+            </a:solidFill>
+            <a:ln>
+              <a:noFill/>
+            </a:ln>
+            <a:effectLst/>
+          </p:spPr>
+          <p:style>
+            <a:lnRef idx="1">
+              <a:schemeClr val="accent1"/>
+            </a:lnRef>
+            <a:fillRef idx="3">
+              <a:schemeClr val="accent1"/>
+            </a:fillRef>
+            <a:effectRef idx="2">
+              <a:schemeClr val="accent1"/>
+            </a:effectRef>
+            <a:fontRef idx="minor">
+              <a:schemeClr val="lt1"/>
+            </a:fontRef>
+          </p:style>
+        </p:sp>
+        <p:sp>
+          <p:nvSpPr>
+            <p:cNvPr id="30" name="Rectangle 29"/>
+            <p:cNvSpPr/>
+            <p:nvPr/>
+          </p:nvSpPr>
+          <p:spPr>
+            <a:xfrm>
+              <a:off x="10938999" y="-8467"/>
+              <a:ext cx="1249825" cy="6866467"/>
+            </a:xfrm>
+            <a:custGeom>
+              <a:avLst/>
+              <a:gdLst/>
+              <a:ahLst/>
+              <a:cxnLst/>
+              <a:rect l="l" t="t" r="r" b="b"/>
+              <a:pathLst>
+                <a:path w="1249825" h="6858000">
+                  <a:moveTo>
+                    <a:pt x="0" y="0"/>
+                  </a:moveTo>
+                  <a:lnTo>
+                    <a:pt x="1249825" y="0"/>
+                  </a:lnTo>
+                  <a:lnTo>
+                    <a:pt x="1249825" y="6858000"/>
+                  </a:lnTo>
+                  <a:lnTo>
+                    <a:pt x="1109382" y="6858000"/>
+                  </a:lnTo>
+                  <a:lnTo>
+                    <a:pt x="0" y="0"/>
+                  </a:lnTo>
+                  <a:close/>
+                </a:path>
+              </a:pathLst>
+            </a:custGeom>
+            <a:solidFill>
+              <a:schemeClr val="accent1">
+                <a:alpha val="65000"/>
+              </a:schemeClr>
+            </a:solidFill>
+            <a:ln>
+              <a:noFill/>
+            </a:ln>
+            <a:effectLst/>
+          </p:spPr>
+          <p:style>
+            <a:lnRef idx="1">
+              <a:schemeClr val="accent1"/>
+            </a:lnRef>
+            <a:fillRef idx="3">
+              <a:schemeClr val="accent1"/>
+            </a:fillRef>
+            <a:effectRef idx="2">
+              <a:schemeClr val="accent1"/>
+            </a:effectRef>
+            <a:fontRef idx="minor">
+              <a:schemeClr val="lt1"/>
+            </a:fontRef>
+          </p:style>
+        </p:sp>
+        <p:sp>
+          <p:nvSpPr>
+            <p:cNvPr id="31" name="Isosceles Triangle 30"/>
+            <p:cNvSpPr/>
+            <p:nvPr/>
+          </p:nvSpPr>
+          <p:spPr>
+            <a:xfrm>
+              <a:off x="10371666" y="3589867"/>
+              <a:ext cx="1817159" cy="3268133"/>
+            </a:xfrm>
+            <a:prstGeom prst="triangle">
+              <a:avLst>
+                <a:gd name="adj" fmla="val 100000"/>
+              </a:avLst>
+            </a:prstGeom>
+            <a:solidFill>
+              <a:schemeClr val="accent1">
+                <a:alpha val="80000"/>
+              </a:schemeClr>
+            </a:solidFill>
+            <a:ln>
+              <a:noFill/>
+            </a:ln>
+            <a:effectLst/>
+          </p:spPr>
+          <p:style>
+            <a:lnRef idx="1">
+              <a:schemeClr val="accent1"/>
+            </a:lnRef>
+            <a:fillRef idx="3">
+              <a:schemeClr val="accent1"/>
+            </a:fillRef>
+            <a:effectRef idx="2">
+              <a:schemeClr val="accent1"/>
+            </a:effectRef>
+            <a:fontRef idx="minor">
+              <a:schemeClr val="lt1"/>
+            </a:fontRef>
+          </p:style>
+        </p:sp>
+        <p:sp>
+          <p:nvSpPr>
+            <p:cNvPr id="19" name="Isosceles Triangle 18"/>
+            <p:cNvSpPr/>
+            <p:nvPr/>
+          </p:nvSpPr>
+          <p:spPr>
+            <a:xfrm rot="10800000">
+              <a:off x="0" y="0"/>
+              <a:ext cx="842596" cy="5666154"/>
+            </a:xfrm>
+            <a:prstGeom prst="triangle">
+              <a:avLst>
+                <a:gd name="adj" fmla="val 100000"/>
+              </a:avLst>
+            </a:prstGeom>
+            <a:solidFill>
+              <a:schemeClr val="accent1">
+                <a:alpha val="85000"/>
+              </a:schemeClr>
+            </a:solidFill>
+            <a:ln>
+              <a:noFill/>
+            </a:ln>
+            <a:effectLst/>
+          </p:spPr>
+          <p:style>
+            <a:lnRef idx="1">
+              <a:schemeClr val="accent1"/>
+            </a:lnRef>
+            <a:fillRef idx="3">
+              <a:schemeClr val="accent1"/>
+            </a:fillRef>
+            <a:effectRef idx="2">
+              <a:schemeClr val="accent1"/>
+            </a:effectRef>
+            <a:fontRef idx="minor">
+              <a:schemeClr val="lt1"/>
+            </a:fontRef>
+          </p:style>
+        </p:sp>
+      </p:grpSp>
+      <p:sp>
+        <p:nvSpPr>
+          <p:cNvPr id="2" name="Title 1"/>
           <p:cNvSpPr>
             <a:spLocks noGrp="1"/>
           </p:cNvSpPr>
@@ -776,15 +1302,21 @@
         </p:nvSpPr>
         <p:spPr>
           <a:xfrm>
-            <a:off x="1524000" y="1122363"/>
-            <a:ext cx="9144000" cy="2387600"/>
+            <a:off x="1507067" y="2404534"/>
+            <a:ext cx="7766936" cy="1646302"/>
           </a:xfrm>
         </p:spPr>
         <p:txBody>
-          <a:bodyPr anchor="b"/>
+          <a:bodyPr anchor="b">
+            <a:noAutofit/>
+          </a:bodyPr>
           <a:lstStyle>
-            <a:lvl1pPr algn="ctr">
-              <a:defRPr sz="6000"/>
+            <a:lvl1pPr algn="r">
+              <a:defRPr sz="5400">
+                <a:solidFill>
+                  <a:schemeClr val="accent1"/>
+                </a:solidFill>
+              </a:defRPr>
             </a:lvl1pPr>
           </a:lstStyle>
           <a:p>
@@ -792,19 +1324,13 @@
               <a:rPr lang="en-US"/>
               <a:t>Click to edit Master title style</a:t>
             </a:r>
-            <a:endParaRPr lang="nl-BE"/>
-          </a:p>
-        </p:txBody>
-      </p:sp>
-      <p:sp>
-        <p:nvSpPr>
-          <p:cNvPr id="3" name="Subtitle 2">
-            <a:extLst>
-              <a:ext uri="{FF2B5EF4-FFF2-40B4-BE49-F238E27FC236}">
-                <a16:creationId xmlns:a16="http://schemas.microsoft.com/office/drawing/2014/main" id="{2A8198BA-7739-4D46-8424-F3B354E5D2F4}"/>
-              </a:ext>
-            </a:extLst>
-          </p:cNvPr>
+            <a:endParaRPr lang="en-US" dirty="0"/>
+          </a:p>
+        </p:txBody>
+      </p:sp>
+      <p:sp>
+        <p:nvSpPr>
+          <p:cNvPr id="3" name="Subtitle 2"/>
           <p:cNvSpPr>
             <a:spLocks noGrp="1"/>
           </p:cNvSpPr>
@@ -814,48 +1340,103 @@
         </p:nvSpPr>
         <p:spPr>
           <a:xfrm>
-            <a:off x="1524000" y="3602038"/>
-            <a:ext cx="9144000" cy="1655762"/>
+            <a:off x="1507067" y="4050833"/>
+            <a:ext cx="7766936" cy="1096899"/>
           </a:xfrm>
         </p:spPr>
         <p:txBody>
-          <a:bodyPr/>
+          <a:bodyPr anchor="t"/>
           <a:lstStyle>
-            <a:lvl1pPr marL="0" indent="0" algn="ctr">
-              <a:buNone/>
-              <a:defRPr sz="2400"/>
+            <a:lvl1pPr marL="0" indent="0" algn="r">
+              <a:buNone/>
+              <a:defRPr>
+                <a:solidFill>
+                  <a:schemeClr val="tx1">
+                    <a:lumMod val="50000"/>
+                    <a:lumOff val="50000"/>
+                  </a:schemeClr>
+                </a:solidFill>
+              </a:defRPr>
             </a:lvl1pPr>
             <a:lvl2pPr marL="457200" indent="0" algn="ctr">
               <a:buNone/>
-              <a:defRPr sz="2000"/>
+              <a:defRPr>
+                <a:solidFill>
+                  <a:schemeClr val="tx1">
+                    <a:tint val="75000"/>
+                  </a:schemeClr>
+                </a:solidFill>
+              </a:defRPr>
             </a:lvl2pPr>
             <a:lvl3pPr marL="914400" indent="0" algn="ctr">
               <a:buNone/>
-              <a:defRPr sz="1800"/>
+              <a:defRPr>
+                <a:solidFill>
+                  <a:schemeClr val="tx1">
+                    <a:tint val="75000"/>
+                  </a:schemeClr>
+                </a:solidFill>
+              </a:defRPr>
             </a:lvl3pPr>
             <a:lvl4pPr marL="1371600" indent="0" algn="ctr">
               <a:buNone/>
-              <a:defRPr sz="1600"/>
+              <a:defRPr>
+                <a:solidFill>
+                  <a:schemeClr val="tx1">
+                    <a:tint val="75000"/>
+                  </a:schemeClr>
+                </a:solidFill>
+              </a:defRPr>
             </a:lvl4pPr>
             <a:lvl5pPr marL="1828800" indent="0" algn="ctr">
               <a:buNone/>
-              <a:defRPr sz="1600"/>
+              <a:defRPr>
+                <a:solidFill>
+                  <a:schemeClr val="tx1">
+                    <a:tint val="75000"/>
+                  </a:schemeClr>
+                </a:solidFill>
+              </a:defRPr>
             </a:lvl5pPr>
             <a:lvl6pPr marL="2286000" indent="0" algn="ctr">
               <a:buNone/>
-              <a:defRPr sz="1600"/>
+              <a:defRPr>
+                <a:solidFill>
+                  <a:schemeClr val="tx1">
+                    <a:tint val="75000"/>
+                  </a:schemeClr>
+                </a:solidFill>
+              </a:defRPr>
             </a:lvl6pPr>
             <a:lvl7pPr marL="2743200" indent="0" algn="ctr">
               <a:buNone/>
-              <a:defRPr sz="1600"/>
+              <a:defRPr>
+                <a:solidFill>
+                  <a:schemeClr val="tx1">
+                    <a:tint val="75000"/>
+                  </a:schemeClr>
+                </a:solidFill>
+              </a:defRPr>
             </a:lvl7pPr>
             <a:lvl8pPr marL="3200400" indent="0" algn="ctr">
               <a:buNone/>
-              <a:defRPr sz="1600"/>
+              <a:defRPr>
+                <a:solidFill>
+                  <a:schemeClr val="tx1">
+                    <a:tint val="75000"/>
+                  </a:schemeClr>
+                </a:solidFill>
+              </a:defRPr>
             </a:lvl8pPr>
             <a:lvl9pPr marL="3657600" indent="0" algn="ctr">
               <a:buNone/>
-              <a:defRPr sz="1600"/>
+              <a:defRPr>
+                <a:solidFill>
+                  <a:schemeClr val="tx1">
+                    <a:tint val="75000"/>
+                  </a:schemeClr>
+                </a:solidFill>
+              </a:defRPr>
             </a:lvl9pPr>
           </a:lstStyle>
           <a:p>
@@ -863,19 +1444,13 @@
               <a:rPr lang="en-US"/>
               <a:t>Click to edit Master subtitle style</a:t>
             </a:r>
-            <a:endParaRPr lang="nl-BE"/>
-          </a:p>
-        </p:txBody>
-      </p:sp>
-      <p:sp>
-        <p:nvSpPr>
-          <p:cNvPr id="4" name="Date Placeholder 3">
-            <a:extLst>
-              <a:ext uri="{FF2B5EF4-FFF2-40B4-BE49-F238E27FC236}">
-                <a16:creationId xmlns:a16="http://schemas.microsoft.com/office/drawing/2014/main" id="{86AEE227-83F4-4B30-B8E3-92413B92CE1C}"/>
-              </a:ext>
-            </a:extLst>
-          </p:cNvPr>
+            <a:endParaRPr lang="en-US" dirty="0"/>
+          </a:p>
+        </p:txBody>
+      </p:sp>
+      <p:sp>
+        <p:nvSpPr>
+          <p:cNvPr id="4" name="Date Placeholder 3"/>
           <p:cNvSpPr>
             <a:spLocks noGrp="1"/>
           </p:cNvSpPr>
@@ -898,13 +1473,7 @@
       </p:sp>
       <p:sp>
         <p:nvSpPr>
-          <p:cNvPr id="5" name="Footer Placeholder 4">
-            <a:extLst>
-              <a:ext uri="{FF2B5EF4-FFF2-40B4-BE49-F238E27FC236}">
-                <a16:creationId xmlns:a16="http://schemas.microsoft.com/office/drawing/2014/main" id="{4AE7EBF4-79A0-4966-88C9-4EA36089315F}"/>
-              </a:ext>
-            </a:extLst>
-          </p:cNvPr>
+          <p:cNvPr id="5" name="Footer Placeholder 4"/>
           <p:cNvSpPr>
             <a:spLocks noGrp="1"/>
           </p:cNvSpPr>
@@ -923,13 +1492,7 @@
       </p:sp>
       <p:sp>
         <p:nvSpPr>
-          <p:cNvPr id="6" name="Slide Number Placeholder 5">
-            <a:extLst>
-              <a:ext uri="{FF2B5EF4-FFF2-40B4-BE49-F238E27FC236}">
-                <a16:creationId xmlns:a16="http://schemas.microsoft.com/office/drawing/2014/main" id="{4B4CCA5D-7FA8-41BF-9438-D10FD48F168D}"/>
-              </a:ext>
-            </a:extLst>
-          </p:cNvPr>
+          <p:cNvPr id="6" name="Slide Number Placeholder 5"/>
           <p:cNvSpPr>
             <a:spLocks noGrp="1"/>
           </p:cNvSpPr>
@@ -953,7 +1516,7 @@
     </p:spTree>
     <p:extLst>
       <p:ext uri="{BB962C8B-B14F-4D97-AF65-F5344CB8AC3E}">
-        <p14:creationId xmlns:p14="http://schemas.microsoft.com/office/powerpoint/2010/main" val="4107316137"/>
+        <p14:creationId xmlns:p14="http://schemas.microsoft.com/office/powerpoint/2010/main" val="187199880"/>
       </p:ext>
     </p:extLst>
   </p:cSld>
@@ -964,6 +1527,1599 @@
 </file>
 
 <file path=ppt/slideLayouts/slideLayout10.xml><?xml version="1.0" encoding="utf-8"?>
+<p:sldLayout xmlns:a="http://schemas.openxmlformats.org/drawingml/2006/main" xmlns:r="http://schemas.openxmlformats.org/officeDocument/2006/relationships" xmlns:p="http://schemas.openxmlformats.org/presentationml/2006/main" preserve="1">
+  <p:cSld name="Title and Caption">
+    <p:spTree>
+      <p:nvGrpSpPr>
+        <p:cNvPr id="1" name=""/>
+        <p:cNvGrpSpPr/>
+        <p:nvPr/>
+      </p:nvGrpSpPr>
+      <p:grpSpPr>
+        <a:xfrm>
+          <a:off x="0" y="0"/>
+          <a:ext cx="0" cy="0"/>
+          <a:chOff x="0" y="0"/>
+          <a:chExt cx="0" cy="0"/>
+        </a:xfrm>
+      </p:grpSpPr>
+      <p:sp>
+        <p:nvSpPr>
+          <p:cNvPr id="2" name="Title 1"/>
+          <p:cNvSpPr>
+            <a:spLocks noGrp="1"/>
+          </p:cNvSpPr>
+          <p:nvPr>
+            <p:ph type="title"/>
+          </p:nvPr>
+        </p:nvSpPr>
+        <p:spPr>
+          <a:xfrm>
+            <a:off x="677335" y="609600"/>
+            <a:ext cx="8596668" cy="3403600"/>
+          </a:xfrm>
+        </p:spPr>
+        <p:txBody>
+          <a:bodyPr anchor="ctr">
+            <a:normAutofit/>
+          </a:bodyPr>
+          <a:lstStyle>
+            <a:lvl1pPr algn="l">
+              <a:defRPr sz="4400" b="0" cap="none"/>
+            </a:lvl1pPr>
+          </a:lstStyle>
+          <a:p>
+            <a:r>
+              <a:rPr lang="en-US"/>
+              <a:t>Click to edit Master title style</a:t>
+            </a:r>
+            <a:endParaRPr lang="en-US" dirty="0"/>
+          </a:p>
+        </p:txBody>
+      </p:sp>
+      <p:sp>
+        <p:nvSpPr>
+          <p:cNvPr id="3" name="Text Placeholder 2"/>
+          <p:cNvSpPr>
+            <a:spLocks noGrp="1"/>
+          </p:cNvSpPr>
+          <p:nvPr>
+            <p:ph type="body" idx="1"/>
+          </p:nvPr>
+        </p:nvSpPr>
+        <p:spPr>
+          <a:xfrm>
+            <a:off x="677335" y="4470400"/>
+            <a:ext cx="8596668" cy="1570962"/>
+          </a:xfrm>
+        </p:spPr>
+        <p:txBody>
+          <a:bodyPr anchor="ctr">
+            <a:normAutofit/>
+          </a:bodyPr>
+          <a:lstStyle>
+            <a:lvl1pPr marL="0" indent="0" algn="l">
+              <a:buNone/>
+              <a:defRPr sz="1800">
+                <a:solidFill>
+                  <a:schemeClr val="tx1">
+                    <a:lumMod val="75000"/>
+                    <a:lumOff val="25000"/>
+                  </a:schemeClr>
+                </a:solidFill>
+              </a:defRPr>
+            </a:lvl1pPr>
+            <a:lvl2pPr marL="457200" indent="0">
+              <a:buNone/>
+              <a:defRPr sz="1800">
+                <a:solidFill>
+                  <a:schemeClr val="tx1">
+                    <a:tint val="75000"/>
+                  </a:schemeClr>
+                </a:solidFill>
+              </a:defRPr>
+            </a:lvl2pPr>
+            <a:lvl3pPr marL="914400" indent="0">
+              <a:buNone/>
+              <a:defRPr sz="1600">
+                <a:solidFill>
+                  <a:schemeClr val="tx1">
+                    <a:tint val="75000"/>
+                  </a:schemeClr>
+                </a:solidFill>
+              </a:defRPr>
+            </a:lvl3pPr>
+            <a:lvl4pPr marL="1371600" indent="0">
+              <a:buNone/>
+              <a:defRPr sz="1400">
+                <a:solidFill>
+                  <a:schemeClr val="tx1">
+                    <a:tint val="75000"/>
+                  </a:schemeClr>
+                </a:solidFill>
+              </a:defRPr>
+            </a:lvl4pPr>
+            <a:lvl5pPr marL="1828800" indent="0">
+              <a:buNone/>
+              <a:defRPr sz="1400">
+                <a:solidFill>
+                  <a:schemeClr val="tx1">
+                    <a:tint val="75000"/>
+                  </a:schemeClr>
+                </a:solidFill>
+              </a:defRPr>
+            </a:lvl5pPr>
+            <a:lvl6pPr marL="2286000" indent="0">
+              <a:buNone/>
+              <a:defRPr sz="1400">
+                <a:solidFill>
+                  <a:schemeClr val="tx1">
+                    <a:tint val="75000"/>
+                  </a:schemeClr>
+                </a:solidFill>
+              </a:defRPr>
+            </a:lvl6pPr>
+            <a:lvl7pPr marL="2743200" indent="0">
+              <a:buNone/>
+              <a:defRPr sz="1400">
+                <a:solidFill>
+                  <a:schemeClr val="tx1">
+                    <a:tint val="75000"/>
+                  </a:schemeClr>
+                </a:solidFill>
+              </a:defRPr>
+            </a:lvl7pPr>
+            <a:lvl8pPr marL="3200400" indent="0">
+              <a:buNone/>
+              <a:defRPr sz="1400">
+                <a:solidFill>
+                  <a:schemeClr val="tx1">
+                    <a:tint val="75000"/>
+                  </a:schemeClr>
+                </a:solidFill>
+              </a:defRPr>
+            </a:lvl8pPr>
+            <a:lvl9pPr marL="3657600" indent="0">
+              <a:buNone/>
+              <a:defRPr sz="1400">
+                <a:solidFill>
+                  <a:schemeClr val="tx1">
+                    <a:tint val="75000"/>
+                  </a:schemeClr>
+                </a:solidFill>
+              </a:defRPr>
+            </a:lvl9pPr>
+          </a:lstStyle>
+          <a:p>
+            <a:pPr lvl="0"/>
+            <a:r>
+              <a:rPr lang="en-US"/>
+              <a:t>Click to edit Master text styles</a:t>
+            </a:r>
+          </a:p>
+        </p:txBody>
+      </p:sp>
+      <p:sp>
+        <p:nvSpPr>
+          <p:cNvPr id="4" name="Date Placeholder 3"/>
+          <p:cNvSpPr>
+            <a:spLocks noGrp="1"/>
+          </p:cNvSpPr>
+          <p:nvPr>
+            <p:ph type="dt" sz="half" idx="10"/>
+          </p:nvPr>
+        </p:nvSpPr>
+        <p:spPr/>
+        <p:txBody>
+          <a:bodyPr/>
+          <a:lstStyle/>
+          <a:p>
+            <a:fld id="{B33FD3E7-86D2-433E-96AB-C4B633B7F9B4}" type="datetimeFigureOut">
+              <a:rPr lang="nl-BE" smtClean="0"/>
+              <a:t>6/01/2021</a:t>
+            </a:fld>
+            <a:endParaRPr lang="nl-BE"/>
+          </a:p>
+        </p:txBody>
+      </p:sp>
+      <p:sp>
+        <p:nvSpPr>
+          <p:cNvPr id="5" name="Footer Placeholder 4"/>
+          <p:cNvSpPr>
+            <a:spLocks noGrp="1"/>
+          </p:cNvSpPr>
+          <p:nvPr>
+            <p:ph type="ftr" sz="quarter" idx="11"/>
+          </p:nvPr>
+        </p:nvSpPr>
+        <p:spPr/>
+        <p:txBody>
+          <a:bodyPr/>
+          <a:lstStyle/>
+          <a:p>
+            <a:endParaRPr lang="nl-BE"/>
+          </a:p>
+        </p:txBody>
+      </p:sp>
+      <p:sp>
+        <p:nvSpPr>
+          <p:cNvPr id="6" name="Slide Number Placeholder 5"/>
+          <p:cNvSpPr>
+            <a:spLocks noGrp="1"/>
+          </p:cNvSpPr>
+          <p:nvPr>
+            <p:ph type="sldNum" sz="quarter" idx="12"/>
+          </p:nvPr>
+        </p:nvSpPr>
+        <p:spPr/>
+        <p:txBody>
+          <a:bodyPr/>
+          <a:lstStyle/>
+          <a:p>
+            <a:fld id="{3BDDE2E4-81B2-48BE-BAD8-49004AF40858}" type="slidenum">
+              <a:rPr lang="nl-BE" smtClean="0"/>
+              <a:t>‹#›</a:t>
+            </a:fld>
+            <a:endParaRPr lang="nl-BE"/>
+          </a:p>
+        </p:txBody>
+      </p:sp>
+    </p:spTree>
+    <p:extLst>
+      <p:ext uri="{BB962C8B-B14F-4D97-AF65-F5344CB8AC3E}">
+        <p14:creationId xmlns:p14="http://schemas.microsoft.com/office/powerpoint/2010/main" val="3217779794"/>
+      </p:ext>
+    </p:extLst>
+  </p:cSld>
+  <p:clrMapOvr>
+    <a:masterClrMapping/>
+  </p:clrMapOvr>
+</p:sldLayout>
+</file>
+
+<file path=ppt/slideLayouts/slideLayout11.xml><?xml version="1.0" encoding="utf-8"?>
+<p:sldLayout xmlns:a="http://schemas.openxmlformats.org/drawingml/2006/main" xmlns:r="http://schemas.openxmlformats.org/officeDocument/2006/relationships" xmlns:p="http://schemas.openxmlformats.org/presentationml/2006/main" preserve="1">
+  <p:cSld name="Quote with Caption">
+    <p:spTree>
+      <p:nvGrpSpPr>
+        <p:cNvPr id="1" name=""/>
+        <p:cNvGrpSpPr/>
+        <p:nvPr/>
+      </p:nvGrpSpPr>
+      <p:grpSpPr>
+        <a:xfrm>
+          <a:off x="0" y="0"/>
+          <a:ext cx="0" cy="0"/>
+          <a:chOff x="0" y="0"/>
+          <a:chExt cx="0" cy="0"/>
+        </a:xfrm>
+      </p:grpSpPr>
+      <p:sp>
+        <p:nvSpPr>
+          <p:cNvPr id="2" name="Title 1"/>
+          <p:cNvSpPr>
+            <a:spLocks noGrp="1"/>
+          </p:cNvSpPr>
+          <p:nvPr>
+            <p:ph type="title"/>
+          </p:nvPr>
+        </p:nvSpPr>
+        <p:spPr>
+          <a:xfrm>
+            <a:off x="931334" y="609600"/>
+            <a:ext cx="8094134" cy="3022600"/>
+          </a:xfrm>
+        </p:spPr>
+        <p:txBody>
+          <a:bodyPr anchor="ctr">
+            <a:normAutofit/>
+          </a:bodyPr>
+          <a:lstStyle>
+            <a:lvl1pPr algn="l">
+              <a:defRPr sz="4400" b="0" cap="none"/>
+            </a:lvl1pPr>
+          </a:lstStyle>
+          <a:p>
+            <a:r>
+              <a:rPr lang="en-US"/>
+              <a:t>Click to edit Master title style</a:t>
+            </a:r>
+            <a:endParaRPr lang="en-US" dirty="0"/>
+          </a:p>
+        </p:txBody>
+      </p:sp>
+      <p:sp>
+        <p:nvSpPr>
+          <p:cNvPr id="23" name="Text Placeholder 9"/>
+          <p:cNvSpPr>
+            <a:spLocks noGrp="1"/>
+          </p:cNvSpPr>
+          <p:nvPr>
+            <p:ph type="body" sz="quarter" idx="13"/>
+          </p:nvPr>
+        </p:nvSpPr>
+        <p:spPr>
+          <a:xfrm>
+            <a:off x="1366139" y="3632200"/>
+            <a:ext cx="7224524" cy="381000"/>
+          </a:xfrm>
+        </p:spPr>
+        <p:txBody>
+          <a:bodyPr anchor="ctr">
+            <a:noAutofit/>
+          </a:bodyPr>
+          <a:lstStyle>
+            <a:lvl1pPr marL="0" indent="0">
+              <a:buFontTx/>
+              <a:buNone/>
+              <a:defRPr sz="1600">
+                <a:solidFill>
+                  <a:schemeClr val="tx1">
+                    <a:lumMod val="50000"/>
+                    <a:lumOff val="50000"/>
+                  </a:schemeClr>
+                </a:solidFill>
+              </a:defRPr>
+            </a:lvl1pPr>
+            <a:lvl2pPr marL="457200" indent="0">
+              <a:buFontTx/>
+              <a:buNone/>
+              <a:defRPr/>
+            </a:lvl2pPr>
+            <a:lvl3pPr marL="914400" indent="0">
+              <a:buFontTx/>
+              <a:buNone/>
+              <a:defRPr/>
+            </a:lvl3pPr>
+            <a:lvl4pPr marL="1371600" indent="0">
+              <a:buFontTx/>
+              <a:buNone/>
+              <a:defRPr/>
+            </a:lvl4pPr>
+            <a:lvl5pPr marL="1828800" indent="0">
+              <a:buFontTx/>
+              <a:buNone/>
+              <a:defRPr/>
+            </a:lvl5pPr>
+          </a:lstStyle>
+          <a:p>
+            <a:pPr lvl="0"/>
+            <a:r>
+              <a:rPr lang="en-US"/>
+              <a:t>Click to edit Master text styles</a:t>
+            </a:r>
+          </a:p>
+        </p:txBody>
+      </p:sp>
+      <p:sp>
+        <p:nvSpPr>
+          <p:cNvPr id="3" name="Text Placeholder 2"/>
+          <p:cNvSpPr>
+            <a:spLocks noGrp="1"/>
+          </p:cNvSpPr>
+          <p:nvPr>
+            <p:ph type="body" idx="1"/>
+          </p:nvPr>
+        </p:nvSpPr>
+        <p:spPr>
+          <a:xfrm>
+            <a:off x="677335" y="4470400"/>
+            <a:ext cx="8596668" cy="1570962"/>
+          </a:xfrm>
+        </p:spPr>
+        <p:txBody>
+          <a:bodyPr anchor="ctr">
+            <a:normAutofit/>
+          </a:bodyPr>
+          <a:lstStyle>
+            <a:lvl1pPr marL="0" indent="0" algn="l">
+              <a:buNone/>
+              <a:defRPr sz="1800">
+                <a:solidFill>
+                  <a:schemeClr val="tx1">
+                    <a:lumMod val="75000"/>
+                    <a:lumOff val="25000"/>
+                  </a:schemeClr>
+                </a:solidFill>
+              </a:defRPr>
+            </a:lvl1pPr>
+            <a:lvl2pPr marL="457200" indent="0">
+              <a:buNone/>
+              <a:defRPr sz="1800">
+                <a:solidFill>
+                  <a:schemeClr val="tx1">
+                    <a:tint val="75000"/>
+                  </a:schemeClr>
+                </a:solidFill>
+              </a:defRPr>
+            </a:lvl2pPr>
+            <a:lvl3pPr marL="914400" indent="0">
+              <a:buNone/>
+              <a:defRPr sz="1600">
+                <a:solidFill>
+                  <a:schemeClr val="tx1">
+                    <a:tint val="75000"/>
+                  </a:schemeClr>
+                </a:solidFill>
+              </a:defRPr>
+            </a:lvl3pPr>
+            <a:lvl4pPr marL="1371600" indent="0">
+              <a:buNone/>
+              <a:defRPr sz="1400">
+                <a:solidFill>
+                  <a:schemeClr val="tx1">
+                    <a:tint val="75000"/>
+                  </a:schemeClr>
+                </a:solidFill>
+              </a:defRPr>
+            </a:lvl4pPr>
+            <a:lvl5pPr marL="1828800" indent="0">
+              <a:buNone/>
+              <a:defRPr sz="1400">
+                <a:solidFill>
+                  <a:schemeClr val="tx1">
+                    <a:tint val="75000"/>
+                  </a:schemeClr>
+                </a:solidFill>
+              </a:defRPr>
+            </a:lvl5pPr>
+            <a:lvl6pPr marL="2286000" indent="0">
+              <a:buNone/>
+              <a:defRPr sz="1400">
+                <a:solidFill>
+                  <a:schemeClr val="tx1">
+                    <a:tint val="75000"/>
+                  </a:schemeClr>
+                </a:solidFill>
+              </a:defRPr>
+            </a:lvl6pPr>
+            <a:lvl7pPr marL="2743200" indent="0">
+              <a:buNone/>
+              <a:defRPr sz="1400">
+                <a:solidFill>
+                  <a:schemeClr val="tx1">
+                    <a:tint val="75000"/>
+                  </a:schemeClr>
+                </a:solidFill>
+              </a:defRPr>
+            </a:lvl7pPr>
+            <a:lvl8pPr marL="3200400" indent="0">
+              <a:buNone/>
+              <a:defRPr sz="1400">
+                <a:solidFill>
+                  <a:schemeClr val="tx1">
+                    <a:tint val="75000"/>
+                  </a:schemeClr>
+                </a:solidFill>
+              </a:defRPr>
+            </a:lvl8pPr>
+            <a:lvl9pPr marL="3657600" indent="0">
+              <a:buNone/>
+              <a:defRPr sz="1400">
+                <a:solidFill>
+                  <a:schemeClr val="tx1">
+                    <a:tint val="75000"/>
+                  </a:schemeClr>
+                </a:solidFill>
+              </a:defRPr>
+            </a:lvl9pPr>
+          </a:lstStyle>
+          <a:p>
+            <a:pPr lvl="0"/>
+            <a:r>
+              <a:rPr lang="en-US"/>
+              <a:t>Click to edit Master text styles</a:t>
+            </a:r>
+          </a:p>
+        </p:txBody>
+      </p:sp>
+      <p:sp>
+        <p:nvSpPr>
+          <p:cNvPr id="4" name="Date Placeholder 3"/>
+          <p:cNvSpPr>
+            <a:spLocks noGrp="1"/>
+          </p:cNvSpPr>
+          <p:nvPr>
+            <p:ph type="dt" sz="half" idx="10"/>
+          </p:nvPr>
+        </p:nvSpPr>
+        <p:spPr/>
+        <p:txBody>
+          <a:bodyPr/>
+          <a:lstStyle/>
+          <a:p>
+            <a:fld id="{B33FD3E7-86D2-433E-96AB-C4B633B7F9B4}" type="datetimeFigureOut">
+              <a:rPr lang="nl-BE" smtClean="0"/>
+              <a:t>6/01/2021</a:t>
+            </a:fld>
+            <a:endParaRPr lang="nl-BE"/>
+          </a:p>
+        </p:txBody>
+      </p:sp>
+      <p:sp>
+        <p:nvSpPr>
+          <p:cNvPr id="5" name="Footer Placeholder 4"/>
+          <p:cNvSpPr>
+            <a:spLocks noGrp="1"/>
+          </p:cNvSpPr>
+          <p:nvPr>
+            <p:ph type="ftr" sz="quarter" idx="11"/>
+          </p:nvPr>
+        </p:nvSpPr>
+        <p:spPr/>
+        <p:txBody>
+          <a:bodyPr/>
+          <a:lstStyle/>
+          <a:p>
+            <a:endParaRPr lang="nl-BE"/>
+          </a:p>
+        </p:txBody>
+      </p:sp>
+      <p:sp>
+        <p:nvSpPr>
+          <p:cNvPr id="6" name="Slide Number Placeholder 5"/>
+          <p:cNvSpPr>
+            <a:spLocks noGrp="1"/>
+          </p:cNvSpPr>
+          <p:nvPr>
+            <p:ph type="sldNum" sz="quarter" idx="12"/>
+          </p:nvPr>
+        </p:nvSpPr>
+        <p:spPr/>
+        <p:txBody>
+          <a:bodyPr/>
+          <a:lstStyle/>
+          <a:p>
+            <a:fld id="{3BDDE2E4-81B2-48BE-BAD8-49004AF40858}" type="slidenum">
+              <a:rPr lang="nl-BE" smtClean="0"/>
+              <a:t>‹#›</a:t>
+            </a:fld>
+            <a:endParaRPr lang="nl-BE"/>
+          </a:p>
+        </p:txBody>
+      </p:sp>
+      <p:sp>
+        <p:nvSpPr>
+          <p:cNvPr id="20" name="TextBox 19"/>
+          <p:cNvSpPr txBox="1"/>
+          <p:nvPr/>
+        </p:nvSpPr>
+        <p:spPr>
+          <a:xfrm>
+            <a:off x="541870" y="790378"/>
+            <a:ext cx="609600" cy="584776"/>
+          </a:xfrm>
+          <a:prstGeom prst="rect">
+            <a:avLst/>
+          </a:prstGeom>
+        </p:spPr>
+        <p:txBody>
+          <a:bodyPr vert="horz" lIns="91440" tIns="45720" rIns="91440" bIns="45720" rtlCol="0" anchor="ctr">
+            <a:noAutofit/>
+          </a:bodyPr>
+          <a:lstStyle/>
+          <a:p>
+            <a:pPr lvl="0"/>
+            <a:r>
+              <a:rPr lang="en-US" sz="8000" baseline="0" dirty="0">
+                <a:ln w="3175" cmpd="sng">
+                  <a:noFill/>
+                </a:ln>
+                <a:solidFill>
+                  <a:schemeClr val="accent1"/>
+                </a:solidFill>
+                <a:effectLst/>
+                <a:latin typeface="Arial"/>
+              </a:rPr>
+              <a:t>“</a:t>
+            </a:r>
+          </a:p>
+        </p:txBody>
+      </p:sp>
+      <p:sp>
+        <p:nvSpPr>
+          <p:cNvPr id="22" name="TextBox 21"/>
+          <p:cNvSpPr txBox="1"/>
+          <p:nvPr/>
+        </p:nvSpPr>
+        <p:spPr>
+          <a:xfrm>
+            <a:off x="8893011" y="2886556"/>
+            <a:ext cx="609600" cy="584776"/>
+          </a:xfrm>
+          <a:prstGeom prst="rect">
+            <a:avLst/>
+          </a:prstGeom>
+        </p:spPr>
+        <p:txBody>
+          <a:bodyPr vert="horz" lIns="91440" tIns="45720" rIns="91440" bIns="45720" rtlCol="0" anchor="ctr">
+            <a:noAutofit/>
+          </a:bodyPr>
+          <a:lstStyle/>
+          <a:p>
+            <a:pPr lvl="0"/>
+            <a:r>
+              <a:rPr lang="en-US" sz="8000" baseline="0" dirty="0">
+                <a:ln w="3175" cmpd="sng">
+                  <a:noFill/>
+                </a:ln>
+                <a:solidFill>
+                  <a:schemeClr val="accent1"/>
+                </a:solidFill>
+                <a:effectLst/>
+                <a:latin typeface="Arial"/>
+              </a:rPr>
+              <a:t>”</a:t>
+            </a:r>
+          </a:p>
+        </p:txBody>
+      </p:sp>
+    </p:spTree>
+    <p:extLst>
+      <p:ext uri="{BB962C8B-B14F-4D97-AF65-F5344CB8AC3E}">
+        <p14:creationId xmlns:p14="http://schemas.microsoft.com/office/powerpoint/2010/main" val="2737180287"/>
+      </p:ext>
+    </p:extLst>
+  </p:cSld>
+  <p:clrMapOvr>
+    <a:masterClrMapping/>
+  </p:clrMapOvr>
+</p:sldLayout>
+</file>
+
+<file path=ppt/slideLayouts/slideLayout12.xml><?xml version="1.0" encoding="utf-8"?>
+<p:sldLayout xmlns:a="http://schemas.openxmlformats.org/drawingml/2006/main" xmlns:r="http://schemas.openxmlformats.org/officeDocument/2006/relationships" xmlns:p="http://schemas.openxmlformats.org/presentationml/2006/main" preserve="1">
+  <p:cSld name="Name Card">
+    <p:spTree>
+      <p:nvGrpSpPr>
+        <p:cNvPr id="1" name=""/>
+        <p:cNvGrpSpPr/>
+        <p:nvPr/>
+      </p:nvGrpSpPr>
+      <p:grpSpPr>
+        <a:xfrm>
+          <a:off x="0" y="0"/>
+          <a:ext cx="0" cy="0"/>
+          <a:chOff x="0" y="0"/>
+          <a:chExt cx="0" cy="0"/>
+        </a:xfrm>
+      </p:grpSpPr>
+      <p:sp>
+        <p:nvSpPr>
+          <p:cNvPr id="2" name="Title 1"/>
+          <p:cNvSpPr>
+            <a:spLocks noGrp="1"/>
+          </p:cNvSpPr>
+          <p:nvPr>
+            <p:ph type="title"/>
+          </p:nvPr>
+        </p:nvSpPr>
+        <p:spPr>
+          <a:xfrm>
+            <a:off x="677335" y="1931988"/>
+            <a:ext cx="8596668" cy="2595460"/>
+          </a:xfrm>
+        </p:spPr>
+        <p:txBody>
+          <a:bodyPr anchor="b">
+            <a:normAutofit/>
+          </a:bodyPr>
+          <a:lstStyle>
+            <a:lvl1pPr algn="l">
+              <a:defRPr sz="4400" b="0" cap="none"/>
+            </a:lvl1pPr>
+          </a:lstStyle>
+          <a:p>
+            <a:r>
+              <a:rPr lang="en-US"/>
+              <a:t>Click to edit Master title style</a:t>
+            </a:r>
+            <a:endParaRPr lang="en-US" dirty="0"/>
+          </a:p>
+        </p:txBody>
+      </p:sp>
+      <p:sp>
+        <p:nvSpPr>
+          <p:cNvPr id="3" name="Text Placeholder 2"/>
+          <p:cNvSpPr>
+            <a:spLocks noGrp="1"/>
+          </p:cNvSpPr>
+          <p:nvPr>
+            <p:ph type="body" idx="1"/>
+          </p:nvPr>
+        </p:nvSpPr>
+        <p:spPr>
+          <a:xfrm>
+            <a:off x="677335" y="4527448"/>
+            <a:ext cx="8596668" cy="1513914"/>
+          </a:xfrm>
+        </p:spPr>
+        <p:txBody>
+          <a:bodyPr anchor="t">
+            <a:normAutofit/>
+          </a:bodyPr>
+          <a:lstStyle>
+            <a:lvl1pPr marL="0" indent="0" algn="l">
+              <a:buNone/>
+              <a:defRPr sz="1800">
+                <a:solidFill>
+                  <a:schemeClr val="tx1">
+                    <a:lumMod val="75000"/>
+                    <a:lumOff val="25000"/>
+                  </a:schemeClr>
+                </a:solidFill>
+              </a:defRPr>
+            </a:lvl1pPr>
+            <a:lvl2pPr marL="457200" indent="0">
+              <a:buNone/>
+              <a:defRPr sz="1800">
+                <a:solidFill>
+                  <a:schemeClr val="tx1">
+                    <a:tint val="75000"/>
+                  </a:schemeClr>
+                </a:solidFill>
+              </a:defRPr>
+            </a:lvl2pPr>
+            <a:lvl3pPr marL="914400" indent="0">
+              <a:buNone/>
+              <a:defRPr sz="1600">
+                <a:solidFill>
+                  <a:schemeClr val="tx1">
+                    <a:tint val="75000"/>
+                  </a:schemeClr>
+                </a:solidFill>
+              </a:defRPr>
+            </a:lvl3pPr>
+            <a:lvl4pPr marL="1371600" indent="0">
+              <a:buNone/>
+              <a:defRPr sz="1400">
+                <a:solidFill>
+                  <a:schemeClr val="tx1">
+                    <a:tint val="75000"/>
+                  </a:schemeClr>
+                </a:solidFill>
+              </a:defRPr>
+            </a:lvl4pPr>
+            <a:lvl5pPr marL="1828800" indent="0">
+              <a:buNone/>
+              <a:defRPr sz="1400">
+                <a:solidFill>
+                  <a:schemeClr val="tx1">
+                    <a:tint val="75000"/>
+                  </a:schemeClr>
+                </a:solidFill>
+              </a:defRPr>
+            </a:lvl5pPr>
+            <a:lvl6pPr marL="2286000" indent="0">
+              <a:buNone/>
+              <a:defRPr sz="1400">
+                <a:solidFill>
+                  <a:schemeClr val="tx1">
+                    <a:tint val="75000"/>
+                  </a:schemeClr>
+                </a:solidFill>
+              </a:defRPr>
+            </a:lvl6pPr>
+            <a:lvl7pPr marL="2743200" indent="0">
+              <a:buNone/>
+              <a:defRPr sz="1400">
+                <a:solidFill>
+                  <a:schemeClr val="tx1">
+                    <a:tint val="75000"/>
+                  </a:schemeClr>
+                </a:solidFill>
+              </a:defRPr>
+            </a:lvl7pPr>
+            <a:lvl8pPr marL="3200400" indent="0">
+              <a:buNone/>
+              <a:defRPr sz="1400">
+                <a:solidFill>
+                  <a:schemeClr val="tx1">
+                    <a:tint val="75000"/>
+                  </a:schemeClr>
+                </a:solidFill>
+              </a:defRPr>
+            </a:lvl8pPr>
+            <a:lvl9pPr marL="3657600" indent="0">
+              <a:buNone/>
+              <a:defRPr sz="1400">
+                <a:solidFill>
+                  <a:schemeClr val="tx1">
+                    <a:tint val="75000"/>
+                  </a:schemeClr>
+                </a:solidFill>
+              </a:defRPr>
+            </a:lvl9pPr>
+          </a:lstStyle>
+          <a:p>
+            <a:pPr lvl="0"/>
+            <a:r>
+              <a:rPr lang="en-US"/>
+              <a:t>Click to edit Master text styles</a:t>
+            </a:r>
+          </a:p>
+        </p:txBody>
+      </p:sp>
+      <p:sp>
+        <p:nvSpPr>
+          <p:cNvPr id="4" name="Date Placeholder 3"/>
+          <p:cNvSpPr>
+            <a:spLocks noGrp="1"/>
+          </p:cNvSpPr>
+          <p:nvPr>
+            <p:ph type="dt" sz="half" idx="10"/>
+          </p:nvPr>
+        </p:nvSpPr>
+        <p:spPr/>
+        <p:txBody>
+          <a:bodyPr/>
+          <a:lstStyle/>
+          <a:p>
+            <a:fld id="{B33FD3E7-86D2-433E-96AB-C4B633B7F9B4}" type="datetimeFigureOut">
+              <a:rPr lang="nl-BE" smtClean="0"/>
+              <a:t>6/01/2021</a:t>
+            </a:fld>
+            <a:endParaRPr lang="nl-BE"/>
+          </a:p>
+        </p:txBody>
+      </p:sp>
+      <p:sp>
+        <p:nvSpPr>
+          <p:cNvPr id="5" name="Footer Placeholder 4"/>
+          <p:cNvSpPr>
+            <a:spLocks noGrp="1"/>
+          </p:cNvSpPr>
+          <p:nvPr>
+            <p:ph type="ftr" sz="quarter" idx="11"/>
+          </p:nvPr>
+        </p:nvSpPr>
+        <p:spPr/>
+        <p:txBody>
+          <a:bodyPr/>
+          <a:lstStyle/>
+          <a:p>
+            <a:endParaRPr lang="nl-BE"/>
+          </a:p>
+        </p:txBody>
+      </p:sp>
+      <p:sp>
+        <p:nvSpPr>
+          <p:cNvPr id="6" name="Slide Number Placeholder 5"/>
+          <p:cNvSpPr>
+            <a:spLocks noGrp="1"/>
+          </p:cNvSpPr>
+          <p:nvPr>
+            <p:ph type="sldNum" sz="quarter" idx="12"/>
+          </p:nvPr>
+        </p:nvSpPr>
+        <p:spPr/>
+        <p:txBody>
+          <a:bodyPr/>
+          <a:lstStyle/>
+          <a:p>
+            <a:fld id="{3BDDE2E4-81B2-48BE-BAD8-49004AF40858}" type="slidenum">
+              <a:rPr lang="nl-BE" smtClean="0"/>
+              <a:t>‹#›</a:t>
+            </a:fld>
+            <a:endParaRPr lang="nl-BE"/>
+          </a:p>
+        </p:txBody>
+      </p:sp>
+    </p:spTree>
+    <p:extLst>
+      <p:ext uri="{BB962C8B-B14F-4D97-AF65-F5344CB8AC3E}">
+        <p14:creationId xmlns:p14="http://schemas.microsoft.com/office/powerpoint/2010/main" val="2805595079"/>
+      </p:ext>
+    </p:extLst>
+  </p:cSld>
+  <p:clrMapOvr>
+    <a:masterClrMapping/>
+  </p:clrMapOvr>
+</p:sldLayout>
+</file>
+
+<file path=ppt/slideLayouts/slideLayout13.xml><?xml version="1.0" encoding="utf-8"?>
+<p:sldLayout xmlns:a="http://schemas.openxmlformats.org/drawingml/2006/main" xmlns:r="http://schemas.openxmlformats.org/officeDocument/2006/relationships" xmlns:p="http://schemas.openxmlformats.org/presentationml/2006/main" preserve="1">
+  <p:cSld name="Quote Name Card">
+    <p:spTree>
+      <p:nvGrpSpPr>
+        <p:cNvPr id="1" name=""/>
+        <p:cNvGrpSpPr/>
+        <p:nvPr/>
+      </p:nvGrpSpPr>
+      <p:grpSpPr>
+        <a:xfrm>
+          <a:off x="0" y="0"/>
+          <a:ext cx="0" cy="0"/>
+          <a:chOff x="0" y="0"/>
+          <a:chExt cx="0" cy="0"/>
+        </a:xfrm>
+      </p:grpSpPr>
+      <p:sp>
+        <p:nvSpPr>
+          <p:cNvPr id="2" name="Title 1"/>
+          <p:cNvSpPr>
+            <a:spLocks noGrp="1"/>
+          </p:cNvSpPr>
+          <p:nvPr>
+            <p:ph type="title"/>
+          </p:nvPr>
+        </p:nvSpPr>
+        <p:spPr>
+          <a:xfrm>
+            <a:off x="931334" y="609600"/>
+            <a:ext cx="8094134" cy="3022600"/>
+          </a:xfrm>
+        </p:spPr>
+        <p:txBody>
+          <a:bodyPr anchor="ctr">
+            <a:normAutofit/>
+          </a:bodyPr>
+          <a:lstStyle>
+            <a:lvl1pPr algn="l">
+              <a:defRPr sz="4400" b="0" cap="none"/>
+            </a:lvl1pPr>
+          </a:lstStyle>
+          <a:p>
+            <a:r>
+              <a:rPr lang="en-US"/>
+              <a:t>Click to edit Master title style</a:t>
+            </a:r>
+            <a:endParaRPr lang="en-US" dirty="0"/>
+          </a:p>
+        </p:txBody>
+      </p:sp>
+      <p:sp>
+        <p:nvSpPr>
+          <p:cNvPr id="23" name="Text Placeholder 9"/>
+          <p:cNvSpPr>
+            <a:spLocks noGrp="1"/>
+          </p:cNvSpPr>
+          <p:nvPr>
+            <p:ph type="body" sz="quarter" idx="13"/>
+          </p:nvPr>
+        </p:nvSpPr>
+        <p:spPr>
+          <a:xfrm>
+            <a:off x="677332" y="4013200"/>
+            <a:ext cx="8596669" cy="514248"/>
+          </a:xfrm>
+        </p:spPr>
+        <p:txBody>
+          <a:bodyPr anchor="b">
+            <a:noAutofit/>
+          </a:bodyPr>
+          <a:lstStyle>
+            <a:lvl1pPr marL="0" indent="0">
+              <a:buFontTx/>
+              <a:buNone/>
+              <a:defRPr sz="2400">
+                <a:solidFill>
+                  <a:schemeClr val="tx1">
+                    <a:lumMod val="75000"/>
+                    <a:lumOff val="25000"/>
+                  </a:schemeClr>
+                </a:solidFill>
+              </a:defRPr>
+            </a:lvl1pPr>
+            <a:lvl2pPr marL="457200" indent="0">
+              <a:buFontTx/>
+              <a:buNone/>
+              <a:defRPr/>
+            </a:lvl2pPr>
+            <a:lvl3pPr marL="914400" indent="0">
+              <a:buFontTx/>
+              <a:buNone/>
+              <a:defRPr/>
+            </a:lvl3pPr>
+            <a:lvl4pPr marL="1371600" indent="0">
+              <a:buFontTx/>
+              <a:buNone/>
+              <a:defRPr/>
+            </a:lvl4pPr>
+            <a:lvl5pPr marL="1828800" indent="0">
+              <a:buFontTx/>
+              <a:buNone/>
+              <a:defRPr/>
+            </a:lvl5pPr>
+          </a:lstStyle>
+          <a:p>
+            <a:pPr lvl="0"/>
+            <a:r>
+              <a:rPr lang="en-US"/>
+              <a:t>Click to edit Master text styles</a:t>
+            </a:r>
+          </a:p>
+        </p:txBody>
+      </p:sp>
+      <p:sp>
+        <p:nvSpPr>
+          <p:cNvPr id="3" name="Text Placeholder 2"/>
+          <p:cNvSpPr>
+            <a:spLocks noGrp="1"/>
+          </p:cNvSpPr>
+          <p:nvPr>
+            <p:ph type="body" idx="1"/>
+          </p:nvPr>
+        </p:nvSpPr>
+        <p:spPr>
+          <a:xfrm>
+            <a:off x="677335" y="4527448"/>
+            <a:ext cx="8596668" cy="1513914"/>
+          </a:xfrm>
+        </p:spPr>
+        <p:txBody>
+          <a:bodyPr anchor="t">
+            <a:normAutofit/>
+          </a:bodyPr>
+          <a:lstStyle>
+            <a:lvl1pPr marL="0" indent="0" algn="l">
+              <a:buNone/>
+              <a:defRPr sz="1800">
+                <a:solidFill>
+                  <a:schemeClr val="tx1">
+                    <a:lumMod val="50000"/>
+                    <a:lumOff val="50000"/>
+                  </a:schemeClr>
+                </a:solidFill>
+              </a:defRPr>
+            </a:lvl1pPr>
+            <a:lvl2pPr marL="457200" indent="0">
+              <a:buNone/>
+              <a:defRPr sz="1800">
+                <a:solidFill>
+                  <a:schemeClr val="tx1">
+                    <a:tint val="75000"/>
+                  </a:schemeClr>
+                </a:solidFill>
+              </a:defRPr>
+            </a:lvl2pPr>
+            <a:lvl3pPr marL="914400" indent="0">
+              <a:buNone/>
+              <a:defRPr sz="1600">
+                <a:solidFill>
+                  <a:schemeClr val="tx1">
+                    <a:tint val="75000"/>
+                  </a:schemeClr>
+                </a:solidFill>
+              </a:defRPr>
+            </a:lvl3pPr>
+            <a:lvl4pPr marL="1371600" indent="0">
+              <a:buNone/>
+              <a:defRPr sz="1400">
+                <a:solidFill>
+                  <a:schemeClr val="tx1">
+                    <a:tint val="75000"/>
+                  </a:schemeClr>
+                </a:solidFill>
+              </a:defRPr>
+            </a:lvl4pPr>
+            <a:lvl5pPr marL="1828800" indent="0">
+              <a:buNone/>
+              <a:defRPr sz="1400">
+                <a:solidFill>
+                  <a:schemeClr val="tx1">
+                    <a:tint val="75000"/>
+                  </a:schemeClr>
+                </a:solidFill>
+              </a:defRPr>
+            </a:lvl5pPr>
+            <a:lvl6pPr marL="2286000" indent="0">
+              <a:buNone/>
+              <a:defRPr sz="1400">
+                <a:solidFill>
+                  <a:schemeClr val="tx1">
+                    <a:tint val="75000"/>
+                  </a:schemeClr>
+                </a:solidFill>
+              </a:defRPr>
+            </a:lvl6pPr>
+            <a:lvl7pPr marL="2743200" indent="0">
+              <a:buNone/>
+              <a:defRPr sz="1400">
+                <a:solidFill>
+                  <a:schemeClr val="tx1">
+                    <a:tint val="75000"/>
+                  </a:schemeClr>
+                </a:solidFill>
+              </a:defRPr>
+            </a:lvl7pPr>
+            <a:lvl8pPr marL="3200400" indent="0">
+              <a:buNone/>
+              <a:defRPr sz="1400">
+                <a:solidFill>
+                  <a:schemeClr val="tx1">
+                    <a:tint val="75000"/>
+                  </a:schemeClr>
+                </a:solidFill>
+              </a:defRPr>
+            </a:lvl8pPr>
+            <a:lvl9pPr marL="3657600" indent="0">
+              <a:buNone/>
+              <a:defRPr sz="1400">
+                <a:solidFill>
+                  <a:schemeClr val="tx1">
+                    <a:tint val="75000"/>
+                  </a:schemeClr>
+                </a:solidFill>
+              </a:defRPr>
+            </a:lvl9pPr>
+          </a:lstStyle>
+          <a:p>
+            <a:pPr lvl="0"/>
+            <a:r>
+              <a:rPr lang="en-US"/>
+              <a:t>Click to edit Master text styles</a:t>
+            </a:r>
+          </a:p>
+        </p:txBody>
+      </p:sp>
+      <p:sp>
+        <p:nvSpPr>
+          <p:cNvPr id="4" name="Date Placeholder 3"/>
+          <p:cNvSpPr>
+            <a:spLocks noGrp="1"/>
+          </p:cNvSpPr>
+          <p:nvPr>
+            <p:ph type="dt" sz="half" idx="10"/>
+          </p:nvPr>
+        </p:nvSpPr>
+        <p:spPr/>
+        <p:txBody>
+          <a:bodyPr/>
+          <a:lstStyle/>
+          <a:p>
+            <a:fld id="{B33FD3E7-86D2-433E-96AB-C4B633B7F9B4}" type="datetimeFigureOut">
+              <a:rPr lang="nl-BE" smtClean="0"/>
+              <a:t>6/01/2021</a:t>
+            </a:fld>
+            <a:endParaRPr lang="nl-BE"/>
+          </a:p>
+        </p:txBody>
+      </p:sp>
+      <p:sp>
+        <p:nvSpPr>
+          <p:cNvPr id="5" name="Footer Placeholder 4"/>
+          <p:cNvSpPr>
+            <a:spLocks noGrp="1"/>
+          </p:cNvSpPr>
+          <p:nvPr>
+            <p:ph type="ftr" sz="quarter" idx="11"/>
+          </p:nvPr>
+        </p:nvSpPr>
+        <p:spPr/>
+        <p:txBody>
+          <a:bodyPr/>
+          <a:lstStyle/>
+          <a:p>
+            <a:endParaRPr lang="nl-BE"/>
+          </a:p>
+        </p:txBody>
+      </p:sp>
+      <p:sp>
+        <p:nvSpPr>
+          <p:cNvPr id="6" name="Slide Number Placeholder 5"/>
+          <p:cNvSpPr>
+            <a:spLocks noGrp="1"/>
+          </p:cNvSpPr>
+          <p:nvPr>
+            <p:ph type="sldNum" sz="quarter" idx="12"/>
+          </p:nvPr>
+        </p:nvSpPr>
+        <p:spPr/>
+        <p:txBody>
+          <a:bodyPr/>
+          <a:lstStyle/>
+          <a:p>
+            <a:fld id="{3BDDE2E4-81B2-48BE-BAD8-49004AF40858}" type="slidenum">
+              <a:rPr lang="nl-BE" smtClean="0"/>
+              <a:t>‹#›</a:t>
+            </a:fld>
+            <a:endParaRPr lang="nl-BE"/>
+          </a:p>
+        </p:txBody>
+      </p:sp>
+      <p:sp>
+        <p:nvSpPr>
+          <p:cNvPr id="24" name="TextBox 23"/>
+          <p:cNvSpPr txBox="1"/>
+          <p:nvPr/>
+        </p:nvSpPr>
+        <p:spPr>
+          <a:xfrm>
+            <a:off x="541870" y="790378"/>
+            <a:ext cx="609600" cy="584776"/>
+          </a:xfrm>
+          <a:prstGeom prst="rect">
+            <a:avLst/>
+          </a:prstGeom>
+        </p:spPr>
+        <p:txBody>
+          <a:bodyPr vert="horz" lIns="91440" tIns="45720" rIns="91440" bIns="45720" rtlCol="0" anchor="ctr">
+            <a:noAutofit/>
+          </a:bodyPr>
+          <a:lstStyle/>
+          <a:p>
+            <a:pPr lvl="0"/>
+            <a:r>
+              <a:rPr lang="en-US" sz="8000" baseline="0" dirty="0">
+                <a:ln w="3175" cmpd="sng">
+                  <a:noFill/>
+                </a:ln>
+                <a:solidFill>
+                  <a:schemeClr val="accent1"/>
+                </a:solidFill>
+                <a:effectLst/>
+                <a:latin typeface="Arial"/>
+              </a:rPr>
+              <a:t>“</a:t>
+            </a:r>
+          </a:p>
+        </p:txBody>
+      </p:sp>
+      <p:sp>
+        <p:nvSpPr>
+          <p:cNvPr id="25" name="TextBox 24"/>
+          <p:cNvSpPr txBox="1"/>
+          <p:nvPr/>
+        </p:nvSpPr>
+        <p:spPr>
+          <a:xfrm>
+            <a:off x="8893011" y="2886556"/>
+            <a:ext cx="609600" cy="584776"/>
+          </a:xfrm>
+          <a:prstGeom prst="rect">
+            <a:avLst/>
+          </a:prstGeom>
+        </p:spPr>
+        <p:txBody>
+          <a:bodyPr vert="horz" lIns="91440" tIns="45720" rIns="91440" bIns="45720" rtlCol="0" anchor="ctr">
+            <a:noAutofit/>
+          </a:bodyPr>
+          <a:lstStyle/>
+          <a:p>
+            <a:pPr lvl="0"/>
+            <a:r>
+              <a:rPr lang="en-US" sz="8000" baseline="0" dirty="0">
+                <a:ln w="3175" cmpd="sng">
+                  <a:noFill/>
+                </a:ln>
+                <a:solidFill>
+                  <a:schemeClr val="accent1"/>
+                </a:solidFill>
+                <a:effectLst/>
+                <a:latin typeface="Arial"/>
+              </a:rPr>
+              <a:t>”</a:t>
+            </a:r>
+          </a:p>
+        </p:txBody>
+      </p:sp>
+    </p:spTree>
+    <p:extLst>
+      <p:ext uri="{BB962C8B-B14F-4D97-AF65-F5344CB8AC3E}">
+        <p14:creationId xmlns:p14="http://schemas.microsoft.com/office/powerpoint/2010/main" val="4252411691"/>
+      </p:ext>
+    </p:extLst>
+  </p:cSld>
+  <p:clrMapOvr>
+    <a:masterClrMapping/>
+  </p:clrMapOvr>
+</p:sldLayout>
+</file>
+
+<file path=ppt/slideLayouts/slideLayout14.xml><?xml version="1.0" encoding="utf-8"?>
+<p:sldLayout xmlns:a="http://schemas.openxmlformats.org/drawingml/2006/main" xmlns:r="http://schemas.openxmlformats.org/officeDocument/2006/relationships" xmlns:p="http://schemas.openxmlformats.org/presentationml/2006/main" preserve="1">
+  <p:cSld name="True or False">
+    <p:spTree>
+      <p:nvGrpSpPr>
+        <p:cNvPr id="1" name=""/>
+        <p:cNvGrpSpPr/>
+        <p:nvPr/>
+      </p:nvGrpSpPr>
+      <p:grpSpPr>
+        <a:xfrm>
+          <a:off x="0" y="0"/>
+          <a:ext cx="0" cy="0"/>
+          <a:chOff x="0" y="0"/>
+          <a:chExt cx="0" cy="0"/>
+        </a:xfrm>
+      </p:grpSpPr>
+      <p:sp>
+        <p:nvSpPr>
+          <p:cNvPr id="2" name="Title 1"/>
+          <p:cNvSpPr>
+            <a:spLocks noGrp="1"/>
+          </p:cNvSpPr>
+          <p:nvPr>
+            <p:ph type="title"/>
+          </p:nvPr>
+        </p:nvSpPr>
+        <p:spPr>
+          <a:xfrm>
+            <a:off x="685799" y="609600"/>
+            <a:ext cx="8588203" cy="3022600"/>
+          </a:xfrm>
+        </p:spPr>
+        <p:txBody>
+          <a:bodyPr anchor="ctr">
+            <a:normAutofit/>
+          </a:bodyPr>
+          <a:lstStyle>
+            <a:lvl1pPr algn="l">
+              <a:defRPr sz="4400" b="0" cap="none"/>
+            </a:lvl1pPr>
+          </a:lstStyle>
+          <a:p>
+            <a:r>
+              <a:rPr lang="en-US"/>
+              <a:t>Click to edit Master title style</a:t>
+            </a:r>
+            <a:endParaRPr lang="en-US" dirty="0"/>
+          </a:p>
+        </p:txBody>
+      </p:sp>
+      <p:sp>
+        <p:nvSpPr>
+          <p:cNvPr id="23" name="Text Placeholder 9"/>
+          <p:cNvSpPr>
+            <a:spLocks noGrp="1"/>
+          </p:cNvSpPr>
+          <p:nvPr>
+            <p:ph type="body" sz="quarter" idx="13"/>
+          </p:nvPr>
+        </p:nvSpPr>
+        <p:spPr>
+          <a:xfrm>
+            <a:off x="677332" y="4013200"/>
+            <a:ext cx="8596669" cy="514248"/>
+          </a:xfrm>
+        </p:spPr>
+        <p:txBody>
+          <a:bodyPr anchor="b">
+            <a:noAutofit/>
+          </a:bodyPr>
+          <a:lstStyle>
+            <a:lvl1pPr marL="0" indent="0">
+              <a:buFontTx/>
+              <a:buNone/>
+              <a:defRPr sz="2400">
+                <a:solidFill>
+                  <a:schemeClr val="accent1"/>
+                </a:solidFill>
+              </a:defRPr>
+            </a:lvl1pPr>
+            <a:lvl2pPr marL="457200" indent="0">
+              <a:buFontTx/>
+              <a:buNone/>
+              <a:defRPr/>
+            </a:lvl2pPr>
+            <a:lvl3pPr marL="914400" indent="0">
+              <a:buFontTx/>
+              <a:buNone/>
+              <a:defRPr/>
+            </a:lvl3pPr>
+            <a:lvl4pPr marL="1371600" indent="0">
+              <a:buFontTx/>
+              <a:buNone/>
+              <a:defRPr/>
+            </a:lvl4pPr>
+            <a:lvl5pPr marL="1828800" indent="0">
+              <a:buFontTx/>
+              <a:buNone/>
+              <a:defRPr/>
+            </a:lvl5pPr>
+          </a:lstStyle>
+          <a:p>
+            <a:pPr lvl="0"/>
+            <a:r>
+              <a:rPr lang="en-US"/>
+              <a:t>Click to edit Master text styles</a:t>
+            </a:r>
+          </a:p>
+        </p:txBody>
+      </p:sp>
+      <p:sp>
+        <p:nvSpPr>
+          <p:cNvPr id="3" name="Text Placeholder 2"/>
+          <p:cNvSpPr>
+            <a:spLocks noGrp="1"/>
+          </p:cNvSpPr>
+          <p:nvPr>
+            <p:ph type="body" idx="1"/>
+          </p:nvPr>
+        </p:nvSpPr>
+        <p:spPr>
+          <a:xfrm>
+            <a:off x="677335" y="4527448"/>
+            <a:ext cx="8596668" cy="1513914"/>
+          </a:xfrm>
+        </p:spPr>
+        <p:txBody>
+          <a:bodyPr anchor="t">
+            <a:normAutofit/>
+          </a:bodyPr>
+          <a:lstStyle>
+            <a:lvl1pPr marL="0" indent="0" algn="l">
+              <a:buNone/>
+              <a:defRPr sz="1800">
+                <a:solidFill>
+                  <a:schemeClr val="tx1">
+                    <a:lumMod val="50000"/>
+                    <a:lumOff val="50000"/>
+                  </a:schemeClr>
+                </a:solidFill>
+              </a:defRPr>
+            </a:lvl1pPr>
+            <a:lvl2pPr marL="457200" indent="0">
+              <a:buNone/>
+              <a:defRPr sz="1800">
+                <a:solidFill>
+                  <a:schemeClr val="tx1">
+                    <a:tint val="75000"/>
+                  </a:schemeClr>
+                </a:solidFill>
+              </a:defRPr>
+            </a:lvl2pPr>
+            <a:lvl3pPr marL="914400" indent="0">
+              <a:buNone/>
+              <a:defRPr sz="1600">
+                <a:solidFill>
+                  <a:schemeClr val="tx1">
+                    <a:tint val="75000"/>
+                  </a:schemeClr>
+                </a:solidFill>
+              </a:defRPr>
+            </a:lvl3pPr>
+            <a:lvl4pPr marL="1371600" indent="0">
+              <a:buNone/>
+              <a:defRPr sz="1400">
+                <a:solidFill>
+                  <a:schemeClr val="tx1">
+                    <a:tint val="75000"/>
+                  </a:schemeClr>
+                </a:solidFill>
+              </a:defRPr>
+            </a:lvl4pPr>
+            <a:lvl5pPr marL="1828800" indent="0">
+              <a:buNone/>
+              <a:defRPr sz="1400">
+                <a:solidFill>
+                  <a:schemeClr val="tx1">
+                    <a:tint val="75000"/>
+                  </a:schemeClr>
+                </a:solidFill>
+              </a:defRPr>
+            </a:lvl5pPr>
+            <a:lvl6pPr marL="2286000" indent="0">
+              <a:buNone/>
+              <a:defRPr sz="1400">
+                <a:solidFill>
+                  <a:schemeClr val="tx1">
+                    <a:tint val="75000"/>
+                  </a:schemeClr>
+                </a:solidFill>
+              </a:defRPr>
+            </a:lvl6pPr>
+            <a:lvl7pPr marL="2743200" indent="0">
+              <a:buNone/>
+              <a:defRPr sz="1400">
+                <a:solidFill>
+                  <a:schemeClr val="tx1">
+                    <a:tint val="75000"/>
+                  </a:schemeClr>
+                </a:solidFill>
+              </a:defRPr>
+            </a:lvl7pPr>
+            <a:lvl8pPr marL="3200400" indent="0">
+              <a:buNone/>
+              <a:defRPr sz="1400">
+                <a:solidFill>
+                  <a:schemeClr val="tx1">
+                    <a:tint val="75000"/>
+                  </a:schemeClr>
+                </a:solidFill>
+              </a:defRPr>
+            </a:lvl8pPr>
+            <a:lvl9pPr marL="3657600" indent="0">
+              <a:buNone/>
+              <a:defRPr sz="1400">
+                <a:solidFill>
+                  <a:schemeClr val="tx1">
+                    <a:tint val="75000"/>
+                  </a:schemeClr>
+                </a:solidFill>
+              </a:defRPr>
+            </a:lvl9pPr>
+          </a:lstStyle>
+          <a:p>
+            <a:pPr lvl="0"/>
+            <a:r>
+              <a:rPr lang="en-US"/>
+              <a:t>Click to edit Master text styles</a:t>
+            </a:r>
+          </a:p>
+        </p:txBody>
+      </p:sp>
+      <p:sp>
+        <p:nvSpPr>
+          <p:cNvPr id="4" name="Date Placeholder 3"/>
+          <p:cNvSpPr>
+            <a:spLocks noGrp="1"/>
+          </p:cNvSpPr>
+          <p:nvPr>
+            <p:ph type="dt" sz="half" idx="10"/>
+          </p:nvPr>
+        </p:nvSpPr>
+        <p:spPr/>
+        <p:txBody>
+          <a:bodyPr/>
+          <a:lstStyle/>
+          <a:p>
+            <a:fld id="{B33FD3E7-86D2-433E-96AB-C4B633B7F9B4}" type="datetimeFigureOut">
+              <a:rPr lang="nl-BE" smtClean="0"/>
+              <a:t>6/01/2021</a:t>
+            </a:fld>
+            <a:endParaRPr lang="nl-BE"/>
+          </a:p>
+        </p:txBody>
+      </p:sp>
+      <p:sp>
+        <p:nvSpPr>
+          <p:cNvPr id="5" name="Footer Placeholder 4"/>
+          <p:cNvSpPr>
+            <a:spLocks noGrp="1"/>
+          </p:cNvSpPr>
+          <p:nvPr>
+            <p:ph type="ftr" sz="quarter" idx="11"/>
+          </p:nvPr>
+        </p:nvSpPr>
+        <p:spPr/>
+        <p:txBody>
+          <a:bodyPr/>
+          <a:lstStyle/>
+          <a:p>
+            <a:endParaRPr lang="nl-BE"/>
+          </a:p>
+        </p:txBody>
+      </p:sp>
+      <p:sp>
+        <p:nvSpPr>
+          <p:cNvPr id="6" name="Slide Number Placeholder 5"/>
+          <p:cNvSpPr>
+            <a:spLocks noGrp="1"/>
+          </p:cNvSpPr>
+          <p:nvPr>
+            <p:ph type="sldNum" sz="quarter" idx="12"/>
+          </p:nvPr>
+        </p:nvSpPr>
+        <p:spPr/>
+        <p:txBody>
+          <a:bodyPr/>
+          <a:lstStyle/>
+          <a:p>
+            <a:fld id="{3BDDE2E4-81B2-48BE-BAD8-49004AF40858}" type="slidenum">
+              <a:rPr lang="nl-BE" smtClean="0"/>
+              <a:t>‹#›</a:t>
+            </a:fld>
+            <a:endParaRPr lang="nl-BE"/>
+          </a:p>
+        </p:txBody>
+      </p:sp>
+    </p:spTree>
+    <p:extLst>
+      <p:ext uri="{BB962C8B-B14F-4D97-AF65-F5344CB8AC3E}">
+        <p14:creationId xmlns:p14="http://schemas.microsoft.com/office/powerpoint/2010/main" val="992572545"/>
+      </p:ext>
+    </p:extLst>
+  </p:cSld>
+  <p:clrMapOvr>
+    <a:masterClrMapping/>
+  </p:clrMapOvr>
+</p:sldLayout>
+</file>
+
+<file path=ppt/slideLayouts/slideLayout15.xml><?xml version="1.0" encoding="utf-8"?>
 <p:sldLayout xmlns:a="http://schemas.openxmlformats.org/drawingml/2006/main" xmlns:r="http://schemas.openxmlformats.org/officeDocument/2006/relationships" xmlns:p="http://schemas.openxmlformats.org/presentationml/2006/main" type="vertTx" preserve="1">
   <p:cSld name="Title and Vertical Text">
     <p:spTree>
@@ -982,13 +3138,7 @@
       </p:grpSpPr>
       <p:sp>
         <p:nvSpPr>
-          <p:cNvPr id="2" name="Title 1">
-            <a:extLst>
-              <a:ext uri="{FF2B5EF4-FFF2-40B4-BE49-F238E27FC236}">
-                <a16:creationId xmlns:a16="http://schemas.microsoft.com/office/drawing/2014/main" id="{2A618278-8A2D-40A2-8CDF-77955E775EF0}"/>
-              </a:ext>
-            </a:extLst>
-          </p:cNvPr>
+          <p:cNvPr id="2" name="Title 1"/>
           <p:cNvSpPr>
             <a:spLocks noGrp="1"/>
           </p:cNvSpPr>
@@ -1005,19 +3155,13 @@
               <a:rPr lang="en-US"/>
               <a:t>Click to edit Master title style</a:t>
             </a:r>
-            <a:endParaRPr lang="nl-BE"/>
-          </a:p>
-        </p:txBody>
-      </p:sp>
-      <p:sp>
-        <p:nvSpPr>
-          <p:cNvPr id="3" name="Vertical Text Placeholder 2">
-            <a:extLst>
-              <a:ext uri="{FF2B5EF4-FFF2-40B4-BE49-F238E27FC236}">
-                <a16:creationId xmlns:a16="http://schemas.microsoft.com/office/drawing/2014/main" id="{16473546-509F-4ABC-8089-969AFFD405D2}"/>
-              </a:ext>
-            </a:extLst>
-          </p:cNvPr>
+            <a:endParaRPr lang="en-US" dirty="0"/>
+          </a:p>
+        </p:txBody>
+      </p:sp>
+      <p:sp>
+        <p:nvSpPr>
+          <p:cNvPr id="3" name="Vertical Text Placeholder 2"/>
           <p:cNvSpPr>
             <a:spLocks noGrp="1"/>
           </p:cNvSpPr>
@@ -1063,19 +3207,13 @@
               <a:rPr lang="en-US"/>
               <a:t>Fifth level</a:t>
             </a:r>
-            <a:endParaRPr lang="nl-BE"/>
-          </a:p>
-        </p:txBody>
-      </p:sp>
-      <p:sp>
-        <p:nvSpPr>
-          <p:cNvPr id="4" name="Date Placeholder 3">
-            <a:extLst>
-              <a:ext uri="{FF2B5EF4-FFF2-40B4-BE49-F238E27FC236}">
-                <a16:creationId xmlns:a16="http://schemas.microsoft.com/office/drawing/2014/main" id="{CF4DBFE5-F5DB-41D1-B26B-EBD14D088BCF}"/>
-              </a:ext>
-            </a:extLst>
-          </p:cNvPr>
+            <a:endParaRPr lang="en-US" dirty="0"/>
+          </a:p>
+        </p:txBody>
+      </p:sp>
+      <p:sp>
+        <p:nvSpPr>
+          <p:cNvPr id="4" name="Date Placeholder 3"/>
           <p:cNvSpPr>
             <a:spLocks noGrp="1"/>
           </p:cNvSpPr>
@@ -1098,13 +3236,7 @@
       </p:sp>
       <p:sp>
         <p:nvSpPr>
-          <p:cNvPr id="5" name="Footer Placeholder 4">
-            <a:extLst>
-              <a:ext uri="{FF2B5EF4-FFF2-40B4-BE49-F238E27FC236}">
-                <a16:creationId xmlns:a16="http://schemas.microsoft.com/office/drawing/2014/main" id="{49222D01-C57C-4E29-96D4-075A6506A88E}"/>
-              </a:ext>
-            </a:extLst>
-          </p:cNvPr>
+          <p:cNvPr id="5" name="Footer Placeholder 4"/>
           <p:cNvSpPr>
             <a:spLocks noGrp="1"/>
           </p:cNvSpPr>
@@ -1123,13 +3255,7 @@
       </p:sp>
       <p:sp>
         <p:nvSpPr>
-          <p:cNvPr id="6" name="Slide Number Placeholder 5">
-            <a:extLst>
-              <a:ext uri="{FF2B5EF4-FFF2-40B4-BE49-F238E27FC236}">
-                <a16:creationId xmlns:a16="http://schemas.microsoft.com/office/drawing/2014/main" id="{7896F880-9284-4721-B6A7-5D8E0A33CAAF}"/>
-              </a:ext>
-            </a:extLst>
-          </p:cNvPr>
+          <p:cNvPr id="6" name="Slide Number Placeholder 5"/>
           <p:cNvSpPr>
             <a:spLocks noGrp="1"/>
           </p:cNvSpPr>
@@ -1153,7 +3279,7 @@
     </p:spTree>
     <p:extLst>
       <p:ext uri="{BB962C8B-B14F-4D97-AF65-F5344CB8AC3E}">
-        <p14:creationId xmlns:p14="http://schemas.microsoft.com/office/powerpoint/2010/main" val="3631764395"/>
+        <p14:creationId xmlns:p14="http://schemas.microsoft.com/office/powerpoint/2010/main" val="3973885382"/>
       </p:ext>
     </p:extLst>
   </p:cSld>
@@ -1163,7 +3289,7 @@
 </p:sldLayout>
 </file>
 
-<file path=ppt/slideLayouts/slideLayout11.xml><?xml version="1.0" encoding="utf-8"?>
+<file path=ppt/slideLayouts/slideLayout16.xml><?xml version="1.0" encoding="utf-8"?>
 <p:sldLayout xmlns:a="http://schemas.openxmlformats.org/drawingml/2006/main" xmlns:r="http://schemas.openxmlformats.org/officeDocument/2006/relationships" xmlns:p="http://schemas.openxmlformats.org/presentationml/2006/main" type="vertTitleAndTx" preserve="1">
   <p:cSld name="Vertical Title and Text">
     <p:spTree>
@@ -1182,13 +3308,7 @@
       </p:grpSpPr>
       <p:sp>
         <p:nvSpPr>
-          <p:cNvPr id="2" name="Vertical Title 1">
-            <a:extLst>
-              <a:ext uri="{FF2B5EF4-FFF2-40B4-BE49-F238E27FC236}">
-                <a16:creationId xmlns:a16="http://schemas.microsoft.com/office/drawing/2014/main" id="{98225C4A-3BCB-4E81-A4FC-6685B0C3FED7}"/>
-              </a:ext>
-            </a:extLst>
-          </p:cNvPr>
+          <p:cNvPr id="2" name="Vertical Title 1"/>
           <p:cNvSpPr>
             <a:spLocks noGrp="1"/>
           </p:cNvSpPr>
@@ -1198,31 +3318,25 @@
         </p:nvSpPr>
         <p:spPr>
           <a:xfrm>
-            <a:off x="8724900" y="365125"/>
-            <a:ext cx="2628900" cy="5811838"/>
+            <a:off x="7967673" y="609599"/>
+            <a:ext cx="1304743" cy="5251451"/>
           </a:xfrm>
         </p:spPr>
         <p:txBody>
-          <a:bodyPr vert="eaVert"/>
+          <a:bodyPr vert="eaVert" anchor="ctr"/>
           <a:lstStyle/>
           <a:p>
             <a:r>
               <a:rPr lang="en-US"/>
               <a:t>Click to edit Master title style</a:t>
             </a:r>
-            <a:endParaRPr lang="nl-BE"/>
-          </a:p>
-        </p:txBody>
-      </p:sp>
-      <p:sp>
-        <p:nvSpPr>
-          <p:cNvPr id="3" name="Vertical Text Placeholder 2">
-            <a:extLst>
-              <a:ext uri="{FF2B5EF4-FFF2-40B4-BE49-F238E27FC236}">
-                <a16:creationId xmlns:a16="http://schemas.microsoft.com/office/drawing/2014/main" id="{535937D1-2276-4561-8BEC-5BDA602581EF}"/>
-              </a:ext>
-            </a:extLst>
-          </p:cNvPr>
+            <a:endParaRPr lang="en-US" dirty="0"/>
+          </a:p>
+        </p:txBody>
+      </p:sp>
+      <p:sp>
+        <p:nvSpPr>
+          <p:cNvPr id="3" name="Vertical Text Placeholder 2"/>
           <p:cNvSpPr>
             <a:spLocks noGrp="1"/>
           </p:cNvSpPr>
@@ -1232,8 +3346,8 @@
         </p:nvSpPr>
         <p:spPr>
           <a:xfrm>
-            <a:off x="838200" y="365125"/>
-            <a:ext cx="7734300" cy="5811838"/>
+            <a:off x="677335" y="609600"/>
+            <a:ext cx="7060150" cy="5251450"/>
           </a:xfrm>
         </p:spPr>
         <p:txBody>
@@ -1273,19 +3387,13 @@
               <a:rPr lang="en-US"/>
               <a:t>Fifth level</a:t>
             </a:r>
-            <a:endParaRPr lang="nl-BE"/>
-          </a:p>
-        </p:txBody>
-      </p:sp>
-      <p:sp>
-        <p:nvSpPr>
-          <p:cNvPr id="4" name="Date Placeholder 3">
-            <a:extLst>
-              <a:ext uri="{FF2B5EF4-FFF2-40B4-BE49-F238E27FC236}">
-                <a16:creationId xmlns:a16="http://schemas.microsoft.com/office/drawing/2014/main" id="{F1B82AE1-047E-460A-AB81-8FA39D8CDE4A}"/>
-              </a:ext>
-            </a:extLst>
-          </p:cNvPr>
+            <a:endParaRPr lang="en-US" dirty="0"/>
+          </a:p>
+        </p:txBody>
+      </p:sp>
+      <p:sp>
+        <p:nvSpPr>
+          <p:cNvPr id="4" name="Date Placeholder 3"/>
           <p:cNvSpPr>
             <a:spLocks noGrp="1"/>
           </p:cNvSpPr>
@@ -1308,13 +3416,7 @@
       </p:sp>
       <p:sp>
         <p:nvSpPr>
-          <p:cNvPr id="5" name="Footer Placeholder 4">
-            <a:extLst>
-              <a:ext uri="{FF2B5EF4-FFF2-40B4-BE49-F238E27FC236}">
-                <a16:creationId xmlns:a16="http://schemas.microsoft.com/office/drawing/2014/main" id="{C2F79083-CF1E-4AB4-86BF-B3BAE0F2CDD3}"/>
-              </a:ext>
-            </a:extLst>
-          </p:cNvPr>
+          <p:cNvPr id="5" name="Footer Placeholder 4"/>
           <p:cNvSpPr>
             <a:spLocks noGrp="1"/>
           </p:cNvSpPr>
@@ -1333,13 +3435,7 @@
       </p:sp>
       <p:sp>
         <p:nvSpPr>
-          <p:cNvPr id="6" name="Slide Number Placeholder 5">
-            <a:extLst>
-              <a:ext uri="{FF2B5EF4-FFF2-40B4-BE49-F238E27FC236}">
-                <a16:creationId xmlns:a16="http://schemas.microsoft.com/office/drawing/2014/main" id="{A1056426-149A-4889-B923-1EB7B8C22B4E}"/>
-              </a:ext>
-            </a:extLst>
-          </p:cNvPr>
+          <p:cNvPr id="6" name="Slide Number Placeholder 5"/>
           <p:cNvSpPr>
             <a:spLocks noGrp="1"/>
           </p:cNvSpPr>
@@ -1363,7 +3459,7 @@
     </p:spTree>
     <p:extLst>
       <p:ext uri="{BB962C8B-B14F-4D97-AF65-F5344CB8AC3E}">
-        <p14:creationId xmlns:p14="http://schemas.microsoft.com/office/powerpoint/2010/main" val="211720756"/>
+        <p14:creationId xmlns:p14="http://schemas.microsoft.com/office/powerpoint/2010/main" val="4030663238"/>
       </p:ext>
     </p:extLst>
   </p:cSld>
@@ -1392,13 +3488,7 @@
       </p:grpSpPr>
       <p:sp>
         <p:nvSpPr>
-          <p:cNvPr id="2" name="Title 1">
-            <a:extLst>
-              <a:ext uri="{FF2B5EF4-FFF2-40B4-BE49-F238E27FC236}">
-                <a16:creationId xmlns:a16="http://schemas.microsoft.com/office/drawing/2014/main" id="{47A26177-19A1-4055-957F-57343D0B22BE}"/>
-              </a:ext>
-            </a:extLst>
-          </p:cNvPr>
+          <p:cNvPr id="2" name="Title 1"/>
           <p:cNvSpPr>
             <a:spLocks noGrp="1"/>
           </p:cNvSpPr>
@@ -1408,26 +3498,26 @@
         </p:nvSpPr>
         <p:spPr/>
         <p:txBody>
-          <a:bodyPr/>
-          <a:lstStyle/>
+          <a:bodyPr>
+            <a:normAutofit/>
+          </a:bodyPr>
+          <a:lstStyle>
+            <a:lvl1pPr>
+              <a:defRPr sz="3600"/>
+            </a:lvl1pPr>
+          </a:lstStyle>
           <a:p>
             <a:r>
               <a:rPr lang="en-US"/>
               <a:t>Click to edit Master title style</a:t>
             </a:r>
-            <a:endParaRPr lang="nl-BE"/>
-          </a:p>
-        </p:txBody>
-      </p:sp>
-      <p:sp>
-        <p:nvSpPr>
-          <p:cNvPr id="3" name="Content Placeholder 2">
-            <a:extLst>
-              <a:ext uri="{FF2B5EF4-FFF2-40B4-BE49-F238E27FC236}">
-                <a16:creationId xmlns:a16="http://schemas.microsoft.com/office/drawing/2014/main" id="{DBBE1C82-E006-4BCF-93D0-B1F9F9F683D8}"/>
-              </a:ext>
-            </a:extLst>
-          </p:cNvPr>
+            <a:endParaRPr lang="en-US" dirty="0"/>
+          </a:p>
+        </p:txBody>
+      </p:sp>
+      <p:sp>
+        <p:nvSpPr>
+          <p:cNvPr id="3" name="Content Placeholder 2"/>
           <p:cNvSpPr>
             <a:spLocks noGrp="1"/>
           </p:cNvSpPr>
@@ -1473,19 +3563,13 @@
               <a:rPr lang="en-US"/>
               <a:t>Fifth level</a:t>
             </a:r>
-            <a:endParaRPr lang="nl-BE"/>
-          </a:p>
-        </p:txBody>
-      </p:sp>
-      <p:sp>
-        <p:nvSpPr>
-          <p:cNvPr id="4" name="Date Placeholder 3">
-            <a:extLst>
-              <a:ext uri="{FF2B5EF4-FFF2-40B4-BE49-F238E27FC236}">
-                <a16:creationId xmlns:a16="http://schemas.microsoft.com/office/drawing/2014/main" id="{67F25262-9449-4F93-85CE-9434BAB0AB47}"/>
-              </a:ext>
-            </a:extLst>
-          </p:cNvPr>
+            <a:endParaRPr lang="en-US" dirty="0"/>
+          </a:p>
+        </p:txBody>
+      </p:sp>
+      <p:sp>
+        <p:nvSpPr>
+          <p:cNvPr id="4" name="Date Placeholder 3"/>
           <p:cNvSpPr>
             <a:spLocks noGrp="1"/>
           </p:cNvSpPr>
@@ -1508,13 +3592,7 @@
       </p:sp>
       <p:sp>
         <p:nvSpPr>
-          <p:cNvPr id="5" name="Footer Placeholder 4">
-            <a:extLst>
-              <a:ext uri="{FF2B5EF4-FFF2-40B4-BE49-F238E27FC236}">
-                <a16:creationId xmlns:a16="http://schemas.microsoft.com/office/drawing/2014/main" id="{4F1BD930-B7C0-4C24-BD68-2ACFC79F1FD5}"/>
-              </a:ext>
-            </a:extLst>
-          </p:cNvPr>
+          <p:cNvPr id="5" name="Footer Placeholder 4"/>
           <p:cNvSpPr>
             <a:spLocks noGrp="1"/>
           </p:cNvSpPr>
@@ -1533,13 +3611,7 @@
       </p:sp>
       <p:sp>
         <p:nvSpPr>
-          <p:cNvPr id="6" name="Slide Number Placeholder 5">
-            <a:extLst>
-              <a:ext uri="{FF2B5EF4-FFF2-40B4-BE49-F238E27FC236}">
-                <a16:creationId xmlns:a16="http://schemas.microsoft.com/office/drawing/2014/main" id="{A39BD703-212B-49A3-86D0-666FC662C0C4}"/>
-              </a:ext>
-            </a:extLst>
-          </p:cNvPr>
+          <p:cNvPr id="6" name="Slide Number Placeholder 5"/>
           <p:cNvSpPr>
             <a:spLocks noGrp="1"/>
           </p:cNvSpPr>
@@ -1563,7 +3635,7 @@
     </p:spTree>
     <p:extLst>
       <p:ext uri="{BB962C8B-B14F-4D97-AF65-F5344CB8AC3E}">
-        <p14:creationId xmlns:p14="http://schemas.microsoft.com/office/powerpoint/2010/main" val="1572066550"/>
+        <p14:creationId xmlns:p14="http://schemas.microsoft.com/office/powerpoint/2010/main" val="3049002715"/>
       </p:ext>
     </p:extLst>
   </p:cSld>
@@ -1592,13 +3664,7 @@
       </p:grpSpPr>
       <p:sp>
         <p:nvSpPr>
-          <p:cNvPr id="2" name="Title 1">
-            <a:extLst>
-              <a:ext uri="{FF2B5EF4-FFF2-40B4-BE49-F238E27FC236}">
-                <a16:creationId xmlns:a16="http://schemas.microsoft.com/office/drawing/2014/main" id="{1E69F2A9-5849-4D9B-B58E-93715247DD26}"/>
-              </a:ext>
-            </a:extLst>
-          </p:cNvPr>
+          <p:cNvPr id="2" name="Title 1"/>
           <p:cNvSpPr>
             <a:spLocks noGrp="1"/>
           </p:cNvSpPr>
@@ -1608,15 +3674,15 @@
         </p:nvSpPr>
         <p:spPr>
           <a:xfrm>
-            <a:off x="831850" y="1709738"/>
-            <a:ext cx="10515600" cy="2852737"/>
+            <a:off x="677335" y="2700867"/>
+            <a:ext cx="8596668" cy="1826581"/>
           </a:xfrm>
         </p:spPr>
         <p:txBody>
           <a:bodyPr anchor="b"/>
           <a:lstStyle>
-            <a:lvl1pPr>
-              <a:defRPr sz="6000"/>
+            <a:lvl1pPr algn="l">
+              <a:defRPr sz="4000" b="0" cap="none"/>
             </a:lvl1pPr>
           </a:lstStyle>
           <a:p>
@@ -1624,19 +3690,13 @@
               <a:rPr lang="en-US"/>
               <a:t>Click to edit Master title style</a:t>
             </a:r>
-            <a:endParaRPr lang="nl-BE"/>
-          </a:p>
-        </p:txBody>
-      </p:sp>
-      <p:sp>
-        <p:nvSpPr>
-          <p:cNvPr id="3" name="Text Placeholder 2">
-            <a:extLst>
-              <a:ext uri="{FF2B5EF4-FFF2-40B4-BE49-F238E27FC236}">
-                <a16:creationId xmlns:a16="http://schemas.microsoft.com/office/drawing/2014/main" id="{51A53361-7447-4BE0-9E2D-5D81C2D1E254}"/>
-              </a:ext>
-            </a:extLst>
-          </p:cNvPr>
+            <a:endParaRPr lang="en-US" dirty="0"/>
+          </a:p>
+        </p:txBody>
+      </p:sp>
+      <p:sp>
+        <p:nvSpPr>
+          <p:cNvPr id="3" name="Text Placeholder 2"/>
           <p:cNvSpPr>
             <a:spLocks noGrp="1"/>
           </p:cNvSpPr>
@@ -1646,102 +3706,103 @@
         </p:nvSpPr>
         <p:spPr>
           <a:xfrm>
-            <a:off x="831850" y="4589463"/>
-            <a:ext cx="10515600" cy="1500187"/>
+            <a:off x="677335" y="4527448"/>
+            <a:ext cx="8596668" cy="860400"/>
           </a:xfrm>
         </p:spPr>
         <p:txBody>
-          <a:bodyPr/>
+          <a:bodyPr anchor="t"/>
           <a:lstStyle>
-            <a:lvl1pPr marL="0" indent="0">
-              <a:buNone/>
-              <a:defRPr sz="2400">
+            <a:lvl1pPr marL="0" indent="0" algn="l">
+              <a:buNone/>
+              <a:defRPr sz="2000">
+                <a:solidFill>
+                  <a:schemeClr val="tx1">
+                    <a:lumMod val="50000"/>
+                    <a:lumOff val="50000"/>
+                  </a:schemeClr>
+                </a:solidFill>
+              </a:defRPr>
+            </a:lvl1pPr>
+            <a:lvl2pPr marL="457200" indent="0">
+              <a:buNone/>
+              <a:defRPr sz="1800">
                 <a:solidFill>
                   <a:schemeClr val="tx1">
                     <a:tint val="75000"/>
                   </a:schemeClr>
                 </a:solidFill>
               </a:defRPr>
-            </a:lvl1pPr>
-            <a:lvl2pPr marL="457200" indent="0">
-              <a:buNone/>
-              <a:defRPr sz="2000">
+            </a:lvl2pPr>
+            <a:lvl3pPr marL="914400" indent="0">
+              <a:buNone/>
+              <a:defRPr sz="1600">
                 <a:solidFill>
                   <a:schemeClr val="tx1">
                     <a:tint val="75000"/>
                   </a:schemeClr>
                 </a:solidFill>
               </a:defRPr>
-            </a:lvl2pPr>
-            <a:lvl3pPr marL="914400" indent="0">
-              <a:buNone/>
-              <a:defRPr sz="1800">
+            </a:lvl3pPr>
+            <a:lvl4pPr marL="1371600" indent="0">
+              <a:buNone/>
+              <a:defRPr sz="1400">
                 <a:solidFill>
                   <a:schemeClr val="tx1">
                     <a:tint val="75000"/>
                   </a:schemeClr>
                 </a:solidFill>
               </a:defRPr>
-            </a:lvl3pPr>
-            <a:lvl4pPr marL="1371600" indent="0">
-              <a:buNone/>
-              <a:defRPr sz="1600">
+            </a:lvl4pPr>
+            <a:lvl5pPr marL="1828800" indent="0">
+              <a:buNone/>
+              <a:defRPr sz="1400">
                 <a:solidFill>
                   <a:schemeClr val="tx1">
                     <a:tint val="75000"/>
                   </a:schemeClr>
                 </a:solidFill>
               </a:defRPr>
-            </a:lvl4pPr>
-            <a:lvl5pPr marL="1828800" indent="0">
-              <a:buNone/>
-              <a:defRPr sz="1600">
+            </a:lvl5pPr>
+            <a:lvl6pPr marL="2286000" indent="0">
+              <a:buNone/>
+              <a:defRPr sz="1400">
                 <a:solidFill>
                   <a:schemeClr val="tx1">
                     <a:tint val="75000"/>
                   </a:schemeClr>
                 </a:solidFill>
               </a:defRPr>
-            </a:lvl5pPr>
-            <a:lvl6pPr marL="2286000" indent="0">
-              <a:buNone/>
-              <a:defRPr sz="1600">
+            </a:lvl6pPr>
+            <a:lvl7pPr marL="2743200" indent="0">
+              <a:buNone/>
+              <a:defRPr sz="1400">
                 <a:solidFill>
                   <a:schemeClr val="tx1">
                     <a:tint val="75000"/>
                   </a:schemeClr>
                 </a:solidFill>
               </a:defRPr>
-            </a:lvl6pPr>
-            <a:lvl7pPr marL="2743200" indent="0">
-              <a:buNone/>
-              <a:defRPr sz="1600">
+            </a:lvl7pPr>
+            <a:lvl8pPr marL="3200400" indent="0">
+              <a:buNone/>
+              <a:defRPr sz="1400">
                 <a:solidFill>
                   <a:schemeClr val="tx1">
                     <a:tint val="75000"/>
                   </a:schemeClr>
                 </a:solidFill>
               </a:defRPr>
-            </a:lvl7pPr>
-            <a:lvl8pPr marL="3200400" indent="0">
-              <a:buNone/>
-              <a:defRPr sz="1600">
+            </a:lvl8pPr>
+            <a:lvl9pPr marL="3657600" indent="0">
+              <a:buNone/>
+              <a:defRPr sz="1400">
                 <a:solidFill>
                   <a:schemeClr val="tx1">
                     <a:tint val="75000"/>
                   </a:schemeClr>
                 </a:solidFill>
               </a:defRPr>
-            </a:lvl8pPr>
-            <a:lvl9pPr marL="3657600" indent="0">
-              <a:buNone/>
-              <a:defRPr sz="1600">
-                <a:solidFill>
-                  <a:schemeClr val="tx1">
-                    <a:tint val="75000"/>
-                  </a:schemeClr>
-                </a:solidFill>
-              </a:defRPr>
             </a:lvl9pPr>
           </a:lstStyle>
           <a:p>
@@ -1755,13 +3816,7 @@
       </p:sp>
       <p:sp>
         <p:nvSpPr>
-          <p:cNvPr id="4" name="Date Placeholder 3">
-            <a:extLst>
-              <a:ext uri="{FF2B5EF4-FFF2-40B4-BE49-F238E27FC236}">
-                <a16:creationId xmlns:a16="http://schemas.microsoft.com/office/drawing/2014/main" id="{6C3C9CF3-A08B-4E5F-AB41-02DD9D866FEF}"/>
-              </a:ext>
-            </a:extLst>
-          </p:cNvPr>
+          <p:cNvPr id="4" name="Date Placeholder 3"/>
           <p:cNvSpPr>
             <a:spLocks noGrp="1"/>
           </p:cNvSpPr>
@@ -1784,13 +3839,7 @@
       </p:sp>
       <p:sp>
         <p:nvSpPr>
-          <p:cNvPr id="5" name="Footer Placeholder 4">
-            <a:extLst>
-              <a:ext uri="{FF2B5EF4-FFF2-40B4-BE49-F238E27FC236}">
-                <a16:creationId xmlns:a16="http://schemas.microsoft.com/office/drawing/2014/main" id="{2291BB08-2FE2-44DF-94DB-9CE2879A1B20}"/>
-              </a:ext>
-            </a:extLst>
-          </p:cNvPr>
+          <p:cNvPr id="5" name="Footer Placeholder 4"/>
           <p:cNvSpPr>
             <a:spLocks noGrp="1"/>
           </p:cNvSpPr>
@@ -1809,13 +3858,7 @@
       </p:sp>
       <p:sp>
         <p:nvSpPr>
-          <p:cNvPr id="6" name="Slide Number Placeholder 5">
-            <a:extLst>
-              <a:ext uri="{FF2B5EF4-FFF2-40B4-BE49-F238E27FC236}">
-                <a16:creationId xmlns:a16="http://schemas.microsoft.com/office/drawing/2014/main" id="{DF9AE769-94EF-4695-8113-AAD2E5E4DB42}"/>
-              </a:ext>
-            </a:extLst>
-          </p:cNvPr>
+          <p:cNvPr id="6" name="Slide Number Placeholder 5"/>
           <p:cNvSpPr>
             <a:spLocks noGrp="1"/>
           </p:cNvSpPr>
@@ -1839,7 +3882,7 @@
     </p:spTree>
     <p:extLst>
       <p:ext uri="{BB962C8B-B14F-4D97-AF65-F5344CB8AC3E}">
-        <p14:creationId xmlns:p14="http://schemas.microsoft.com/office/powerpoint/2010/main" val="2124148707"/>
+        <p14:creationId xmlns:p14="http://schemas.microsoft.com/office/powerpoint/2010/main" val="152943129"/>
       </p:ext>
     </p:extLst>
   </p:cSld>
@@ -1868,13 +3911,7 @@
       </p:grpSpPr>
       <p:sp>
         <p:nvSpPr>
-          <p:cNvPr id="2" name="Title 1">
-            <a:extLst>
-              <a:ext uri="{FF2B5EF4-FFF2-40B4-BE49-F238E27FC236}">
-                <a16:creationId xmlns:a16="http://schemas.microsoft.com/office/drawing/2014/main" id="{A508A1FD-F24B-4019-8D77-06502606D7E6}"/>
-              </a:ext>
-            </a:extLst>
-          </p:cNvPr>
+          <p:cNvPr id="2" name="Title 1"/>
           <p:cNvSpPr>
             <a:spLocks noGrp="1"/>
           </p:cNvSpPr>
@@ -1891,19 +3928,13 @@
               <a:rPr lang="en-US"/>
               <a:t>Click to edit Master title style</a:t>
             </a:r>
-            <a:endParaRPr lang="nl-BE"/>
-          </a:p>
-        </p:txBody>
-      </p:sp>
-      <p:sp>
-        <p:nvSpPr>
-          <p:cNvPr id="3" name="Content Placeholder 2">
-            <a:extLst>
-              <a:ext uri="{FF2B5EF4-FFF2-40B4-BE49-F238E27FC236}">
-                <a16:creationId xmlns:a16="http://schemas.microsoft.com/office/drawing/2014/main" id="{C9B1F1D9-6844-454E-8302-C7406872D3C1}"/>
-              </a:ext>
-            </a:extLst>
-          </p:cNvPr>
+            <a:endParaRPr lang="en-US" dirty="0"/>
+          </a:p>
+        </p:txBody>
+      </p:sp>
+      <p:sp>
+        <p:nvSpPr>
+          <p:cNvPr id="3" name="Content Placeholder 2"/>
           <p:cNvSpPr>
             <a:spLocks noGrp="1"/>
           </p:cNvSpPr>
@@ -1913,8 +3944,8 @@
         </p:nvSpPr>
         <p:spPr>
           <a:xfrm>
-            <a:off x="838200" y="1825625"/>
-            <a:ext cx="5181600" cy="4351338"/>
+            <a:off x="677334" y="2160589"/>
+            <a:ext cx="4184035" cy="3880772"/>
           </a:xfrm>
         </p:spPr>
         <p:txBody>
@@ -1954,19 +3985,13 @@
               <a:rPr lang="en-US"/>
               <a:t>Fifth level</a:t>
             </a:r>
-            <a:endParaRPr lang="nl-BE"/>
-          </a:p>
-        </p:txBody>
-      </p:sp>
-      <p:sp>
-        <p:nvSpPr>
-          <p:cNvPr id="4" name="Content Placeholder 3">
-            <a:extLst>
-              <a:ext uri="{FF2B5EF4-FFF2-40B4-BE49-F238E27FC236}">
-                <a16:creationId xmlns:a16="http://schemas.microsoft.com/office/drawing/2014/main" id="{0DABD50A-989F-4430-88B0-70F235E0EE42}"/>
-              </a:ext>
-            </a:extLst>
-          </p:cNvPr>
+            <a:endParaRPr lang="en-US" dirty="0"/>
+          </a:p>
+        </p:txBody>
+      </p:sp>
+      <p:sp>
+        <p:nvSpPr>
+          <p:cNvPr id="4" name="Content Placeholder 3"/>
           <p:cNvSpPr>
             <a:spLocks noGrp="1"/>
           </p:cNvSpPr>
@@ -1976,8 +4001,8 @@
         </p:nvSpPr>
         <p:spPr>
           <a:xfrm>
-            <a:off x="6172200" y="1825625"/>
-            <a:ext cx="5181600" cy="4351338"/>
+            <a:off x="5089970" y="2160589"/>
+            <a:ext cx="4184034" cy="3880773"/>
           </a:xfrm>
         </p:spPr>
         <p:txBody>
@@ -2017,19 +4042,13 @@
               <a:rPr lang="en-US"/>
               <a:t>Fifth level</a:t>
             </a:r>
-            <a:endParaRPr lang="nl-BE"/>
-          </a:p>
-        </p:txBody>
-      </p:sp>
-      <p:sp>
-        <p:nvSpPr>
-          <p:cNvPr id="5" name="Date Placeholder 4">
-            <a:extLst>
-              <a:ext uri="{FF2B5EF4-FFF2-40B4-BE49-F238E27FC236}">
-                <a16:creationId xmlns:a16="http://schemas.microsoft.com/office/drawing/2014/main" id="{3CD6D229-AB19-4971-90B9-D4EF10789B3C}"/>
-              </a:ext>
-            </a:extLst>
-          </p:cNvPr>
+            <a:endParaRPr lang="en-US" dirty="0"/>
+          </a:p>
+        </p:txBody>
+      </p:sp>
+      <p:sp>
+        <p:nvSpPr>
+          <p:cNvPr id="5" name="Date Placeholder 4"/>
           <p:cNvSpPr>
             <a:spLocks noGrp="1"/>
           </p:cNvSpPr>
@@ -2052,13 +4071,7 @@
       </p:sp>
       <p:sp>
         <p:nvSpPr>
-          <p:cNvPr id="6" name="Footer Placeholder 5">
-            <a:extLst>
-              <a:ext uri="{FF2B5EF4-FFF2-40B4-BE49-F238E27FC236}">
-                <a16:creationId xmlns:a16="http://schemas.microsoft.com/office/drawing/2014/main" id="{501580AB-7BBA-4827-BD8E-CF369D4B2A7B}"/>
-              </a:ext>
-            </a:extLst>
-          </p:cNvPr>
+          <p:cNvPr id="6" name="Footer Placeholder 5"/>
           <p:cNvSpPr>
             <a:spLocks noGrp="1"/>
           </p:cNvSpPr>
@@ -2077,13 +4090,7 @@
       </p:sp>
       <p:sp>
         <p:nvSpPr>
-          <p:cNvPr id="7" name="Slide Number Placeholder 6">
-            <a:extLst>
-              <a:ext uri="{FF2B5EF4-FFF2-40B4-BE49-F238E27FC236}">
-                <a16:creationId xmlns:a16="http://schemas.microsoft.com/office/drawing/2014/main" id="{5BEDB94A-DBA8-4E74-B888-3991D612DB19}"/>
-              </a:ext>
-            </a:extLst>
-          </p:cNvPr>
+          <p:cNvPr id="7" name="Slide Number Placeholder 6"/>
           <p:cNvSpPr>
             <a:spLocks noGrp="1"/>
           </p:cNvSpPr>
@@ -2107,7 +4114,7 @@
     </p:spTree>
     <p:extLst>
       <p:ext uri="{BB962C8B-B14F-4D97-AF65-F5344CB8AC3E}">
-        <p14:creationId xmlns:p14="http://schemas.microsoft.com/office/powerpoint/2010/main" val="1470138286"/>
+        <p14:creationId xmlns:p14="http://schemas.microsoft.com/office/powerpoint/2010/main" val="3115746605"/>
       </p:ext>
     </p:extLst>
   </p:cSld>
@@ -2136,66 +4143,55 @@
       </p:grpSpPr>
       <p:sp>
         <p:nvSpPr>
-          <p:cNvPr id="2" name="Title 1">
-            <a:extLst>
-              <a:ext uri="{FF2B5EF4-FFF2-40B4-BE49-F238E27FC236}">
-                <a16:creationId xmlns:a16="http://schemas.microsoft.com/office/drawing/2014/main" id="{C2B35FEE-929D-4160-9348-DB32EAF3DC14}"/>
-              </a:ext>
-            </a:extLst>
-          </p:cNvPr>
+          <p:cNvPr id="2" name="Title 1"/>
           <p:cNvSpPr>
             <a:spLocks noGrp="1"/>
           </p:cNvSpPr>
           <p:nvPr>
             <p:ph type="title"/>
+          </p:nvPr>
+        </p:nvSpPr>
+        <p:spPr/>
+        <p:txBody>
+          <a:bodyPr/>
+          <a:lstStyle>
+            <a:lvl1pPr>
+              <a:defRPr/>
+            </a:lvl1pPr>
+          </a:lstStyle>
+          <a:p>
+            <a:r>
+              <a:rPr lang="en-US"/>
+              <a:t>Click to edit Master title style</a:t>
+            </a:r>
+            <a:endParaRPr lang="en-US" dirty="0"/>
+          </a:p>
+        </p:txBody>
+      </p:sp>
+      <p:sp>
+        <p:nvSpPr>
+          <p:cNvPr id="3" name="Text Placeholder 2"/>
+          <p:cNvSpPr>
+            <a:spLocks noGrp="1"/>
+          </p:cNvSpPr>
+          <p:nvPr>
+            <p:ph type="body" idx="1"/>
           </p:nvPr>
         </p:nvSpPr>
         <p:spPr>
           <a:xfrm>
-            <a:off x="839788" y="365125"/>
-            <a:ext cx="10515600" cy="1325563"/>
+            <a:off x="675745" y="2160983"/>
+            <a:ext cx="4185623" cy="576262"/>
           </a:xfrm>
         </p:spPr>
         <p:txBody>
-          <a:bodyPr/>
-          <a:lstStyle/>
-          <a:p>
-            <a:r>
-              <a:rPr lang="en-US"/>
-              <a:t>Click to edit Master title style</a:t>
-            </a:r>
-            <a:endParaRPr lang="nl-BE"/>
-          </a:p>
-        </p:txBody>
-      </p:sp>
-      <p:sp>
-        <p:nvSpPr>
-          <p:cNvPr id="3" name="Text Placeholder 2">
-            <a:extLst>
-              <a:ext uri="{FF2B5EF4-FFF2-40B4-BE49-F238E27FC236}">
-                <a16:creationId xmlns:a16="http://schemas.microsoft.com/office/drawing/2014/main" id="{467EA4B0-40F4-4817-B566-1404D3F47D07}"/>
-              </a:ext>
-            </a:extLst>
-          </p:cNvPr>
-          <p:cNvSpPr>
-            <a:spLocks noGrp="1"/>
-          </p:cNvSpPr>
-          <p:nvPr>
-            <p:ph type="body" idx="1"/>
-          </p:nvPr>
-        </p:nvSpPr>
-        <p:spPr>
-          <a:xfrm>
-            <a:off x="839788" y="1681163"/>
-            <a:ext cx="5157787" cy="823912"/>
-          </a:xfrm>
-        </p:spPr>
-        <p:txBody>
-          <a:bodyPr anchor="b"/>
+          <a:bodyPr anchor="b">
+            <a:noAutofit/>
+          </a:bodyPr>
           <a:lstStyle>
             <a:lvl1pPr marL="0" indent="0">
               <a:buNone/>
-              <a:defRPr sz="2400" b="1"/>
+              <a:defRPr sz="2400" b="0"/>
             </a:lvl1pPr>
             <a:lvl2pPr marL="457200" indent="0">
               <a:buNone/>
@@ -2241,13 +4237,7 @@
       </p:sp>
       <p:sp>
         <p:nvSpPr>
-          <p:cNvPr id="4" name="Content Placeholder 3">
-            <a:extLst>
-              <a:ext uri="{FF2B5EF4-FFF2-40B4-BE49-F238E27FC236}">
-                <a16:creationId xmlns:a16="http://schemas.microsoft.com/office/drawing/2014/main" id="{698EC79D-9A8E-4480-B405-41186DE66696}"/>
-              </a:ext>
-            </a:extLst>
-          </p:cNvPr>
+          <p:cNvPr id="4" name="Content Placeholder 3"/>
           <p:cNvSpPr>
             <a:spLocks noGrp="1"/>
           </p:cNvSpPr>
@@ -2257,12 +4247,14 @@
         </p:nvSpPr>
         <p:spPr>
           <a:xfrm>
-            <a:off x="839788" y="2505075"/>
-            <a:ext cx="5157787" cy="3684588"/>
+            <a:off x="675745" y="2737245"/>
+            <a:ext cx="4185623" cy="3304117"/>
           </a:xfrm>
         </p:spPr>
         <p:txBody>
-          <a:bodyPr/>
+          <a:bodyPr>
+            <a:normAutofit/>
+          </a:bodyPr>
           <a:lstStyle/>
           <a:p>
             <a:pPr lvl="0"/>
@@ -2298,19 +4290,13 @@
               <a:rPr lang="en-US"/>
               <a:t>Fifth level</a:t>
             </a:r>
-            <a:endParaRPr lang="nl-BE"/>
-          </a:p>
-        </p:txBody>
-      </p:sp>
-      <p:sp>
-        <p:nvSpPr>
-          <p:cNvPr id="5" name="Text Placeholder 4">
-            <a:extLst>
-              <a:ext uri="{FF2B5EF4-FFF2-40B4-BE49-F238E27FC236}">
-                <a16:creationId xmlns:a16="http://schemas.microsoft.com/office/drawing/2014/main" id="{D2478EED-1EDB-4B63-AD8F-1BD0152A4A21}"/>
-              </a:ext>
-            </a:extLst>
-          </p:cNvPr>
+            <a:endParaRPr lang="en-US" dirty="0"/>
+          </a:p>
+        </p:txBody>
+      </p:sp>
+      <p:sp>
+        <p:nvSpPr>
+          <p:cNvPr id="5" name="Text Placeholder 4"/>
           <p:cNvSpPr>
             <a:spLocks noGrp="1"/>
           </p:cNvSpPr>
@@ -2320,16 +4306,18 @@
         </p:nvSpPr>
         <p:spPr>
           <a:xfrm>
-            <a:off x="6172200" y="1681163"/>
-            <a:ext cx="5183188" cy="823912"/>
+            <a:off x="5088383" y="2160983"/>
+            <a:ext cx="4185618" cy="576262"/>
           </a:xfrm>
         </p:spPr>
         <p:txBody>
-          <a:bodyPr anchor="b"/>
+          <a:bodyPr anchor="b">
+            <a:noAutofit/>
+          </a:bodyPr>
           <a:lstStyle>
             <a:lvl1pPr marL="0" indent="0">
               <a:buNone/>
-              <a:defRPr sz="2400" b="1"/>
+              <a:defRPr sz="2400" b="0"/>
             </a:lvl1pPr>
             <a:lvl2pPr marL="457200" indent="0">
               <a:buNone/>
@@ -2375,13 +4363,7 @@
       </p:sp>
       <p:sp>
         <p:nvSpPr>
-          <p:cNvPr id="6" name="Content Placeholder 5">
-            <a:extLst>
-              <a:ext uri="{FF2B5EF4-FFF2-40B4-BE49-F238E27FC236}">
-                <a16:creationId xmlns:a16="http://schemas.microsoft.com/office/drawing/2014/main" id="{339755E9-0537-47B2-AF25-E868F1B7FE2C}"/>
-              </a:ext>
-            </a:extLst>
-          </p:cNvPr>
+          <p:cNvPr id="6" name="Content Placeholder 5"/>
           <p:cNvSpPr>
             <a:spLocks noGrp="1"/>
           </p:cNvSpPr>
@@ -2391,12 +4373,14 @@
         </p:nvSpPr>
         <p:spPr>
           <a:xfrm>
-            <a:off x="6172200" y="2505075"/>
-            <a:ext cx="5183188" cy="3684588"/>
+            <a:off x="5088384" y="2737245"/>
+            <a:ext cx="4185617" cy="3304117"/>
           </a:xfrm>
         </p:spPr>
         <p:txBody>
-          <a:bodyPr/>
+          <a:bodyPr>
+            <a:normAutofit/>
+          </a:bodyPr>
           <a:lstStyle/>
           <a:p>
             <a:pPr lvl="0"/>
@@ -2432,19 +4416,13 @@
               <a:rPr lang="en-US"/>
               <a:t>Fifth level</a:t>
             </a:r>
-            <a:endParaRPr lang="nl-BE"/>
-          </a:p>
-        </p:txBody>
-      </p:sp>
-      <p:sp>
-        <p:nvSpPr>
-          <p:cNvPr id="7" name="Date Placeholder 6">
-            <a:extLst>
-              <a:ext uri="{FF2B5EF4-FFF2-40B4-BE49-F238E27FC236}">
-                <a16:creationId xmlns:a16="http://schemas.microsoft.com/office/drawing/2014/main" id="{009E794E-0828-477A-8D97-3F6EEF4BB4CD}"/>
-              </a:ext>
-            </a:extLst>
-          </p:cNvPr>
+            <a:endParaRPr lang="en-US" dirty="0"/>
+          </a:p>
+        </p:txBody>
+      </p:sp>
+      <p:sp>
+        <p:nvSpPr>
+          <p:cNvPr id="7" name="Date Placeholder 6"/>
           <p:cNvSpPr>
             <a:spLocks noGrp="1"/>
           </p:cNvSpPr>
@@ -2467,13 +4445,7 @@
       </p:sp>
       <p:sp>
         <p:nvSpPr>
-          <p:cNvPr id="8" name="Footer Placeholder 7">
-            <a:extLst>
-              <a:ext uri="{FF2B5EF4-FFF2-40B4-BE49-F238E27FC236}">
-                <a16:creationId xmlns:a16="http://schemas.microsoft.com/office/drawing/2014/main" id="{05C862CC-BEEA-45AC-B9AB-EEF8E260BD68}"/>
-              </a:ext>
-            </a:extLst>
-          </p:cNvPr>
+          <p:cNvPr id="8" name="Footer Placeholder 7"/>
           <p:cNvSpPr>
             <a:spLocks noGrp="1"/>
           </p:cNvSpPr>
@@ -2492,13 +4464,7 @@
       </p:sp>
       <p:sp>
         <p:nvSpPr>
-          <p:cNvPr id="9" name="Slide Number Placeholder 8">
-            <a:extLst>
-              <a:ext uri="{FF2B5EF4-FFF2-40B4-BE49-F238E27FC236}">
-                <a16:creationId xmlns:a16="http://schemas.microsoft.com/office/drawing/2014/main" id="{96662AD9-D720-40E7-AEE8-E9362096F595}"/>
-              </a:ext>
-            </a:extLst>
-          </p:cNvPr>
+          <p:cNvPr id="9" name="Slide Number Placeholder 8"/>
           <p:cNvSpPr>
             <a:spLocks noGrp="1"/>
           </p:cNvSpPr>
@@ -2522,7 +4488,7 @@
     </p:spTree>
     <p:extLst>
       <p:ext uri="{BB962C8B-B14F-4D97-AF65-F5344CB8AC3E}">
-        <p14:creationId xmlns:p14="http://schemas.microsoft.com/office/powerpoint/2010/main" val="2027409684"/>
+        <p14:creationId xmlns:p14="http://schemas.microsoft.com/office/powerpoint/2010/main" val="1896219548"/>
       </p:ext>
     </p:extLst>
   </p:cSld>
@@ -2551,13 +4517,7 @@
       </p:grpSpPr>
       <p:sp>
         <p:nvSpPr>
-          <p:cNvPr id="2" name="Title 1">
-            <a:extLst>
-              <a:ext uri="{FF2B5EF4-FFF2-40B4-BE49-F238E27FC236}">
-                <a16:creationId xmlns:a16="http://schemas.microsoft.com/office/drawing/2014/main" id="{43D3AD5D-E54D-46B6-A47B-A676E5879179}"/>
-              </a:ext>
-            </a:extLst>
-          </p:cNvPr>
+          <p:cNvPr id="2" name="Title 1"/>
           <p:cNvSpPr>
             <a:spLocks noGrp="1"/>
           </p:cNvSpPr>
@@ -2565,7 +4525,12 @@
             <p:ph type="title"/>
           </p:nvPr>
         </p:nvSpPr>
-        <p:spPr/>
+        <p:spPr>
+          <a:xfrm>
+            <a:off x="677334" y="609600"/>
+            <a:ext cx="8596668" cy="1320800"/>
+          </a:xfrm>
+        </p:spPr>
         <p:txBody>
           <a:bodyPr/>
           <a:lstStyle/>
@@ -2574,19 +4539,13 @@
               <a:rPr lang="en-US"/>
               <a:t>Click to edit Master title style</a:t>
             </a:r>
-            <a:endParaRPr lang="nl-BE"/>
-          </a:p>
-        </p:txBody>
-      </p:sp>
-      <p:sp>
-        <p:nvSpPr>
-          <p:cNvPr id="3" name="Date Placeholder 2">
-            <a:extLst>
-              <a:ext uri="{FF2B5EF4-FFF2-40B4-BE49-F238E27FC236}">
-                <a16:creationId xmlns:a16="http://schemas.microsoft.com/office/drawing/2014/main" id="{151BD934-FA3E-413C-A6D9-1E29ACF19E29}"/>
-              </a:ext>
-            </a:extLst>
-          </p:cNvPr>
+            <a:endParaRPr lang="en-US" dirty="0"/>
+          </a:p>
+        </p:txBody>
+      </p:sp>
+      <p:sp>
+        <p:nvSpPr>
+          <p:cNvPr id="3" name="Date Placeholder 2"/>
           <p:cNvSpPr>
             <a:spLocks noGrp="1"/>
           </p:cNvSpPr>
@@ -2609,13 +4568,7 @@
       </p:sp>
       <p:sp>
         <p:nvSpPr>
-          <p:cNvPr id="4" name="Footer Placeholder 3">
-            <a:extLst>
-              <a:ext uri="{FF2B5EF4-FFF2-40B4-BE49-F238E27FC236}">
-                <a16:creationId xmlns:a16="http://schemas.microsoft.com/office/drawing/2014/main" id="{BE8784B9-42D7-4254-B9BB-E02DCC16B76B}"/>
-              </a:ext>
-            </a:extLst>
-          </p:cNvPr>
+          <p:cNvPr id="4" name="Footer Placeholder 3"/>
           <p:cNvSpPr>
             <a:spLocks noGrp="1"/>
           </p:cNvSpPr>
@@ -2634,13 +4587,7 @@
       </p:sp>
       <p:sp>
         <p:nvSpPr>
-          <p:cNvPr id="5" name="Slide Number Placeholder 4">
-            <a:extLst>
-              <a:ext uri="{FF2B5EF4-FFF2-40B4-BE49-F238E27FC236}">
-                <a16:creationId xmlns:a16="http://schemas.microsoft.com/office/drawing/2014/main" id="{B81DB3F8-5F86-4E84-BAD0-1F1A2359F12A}"/>
-              </a:ext>
-            </a:extLst>
-          </p:cNvPr>
+          <p:cNvPr id="5" name="Slide Number Placeholder 4"/>
           <p:cNvSpPr>
             <a:spLocks noGrp="1"/>
           </p:cNvSpPr>
@@ -2664,7 +4611,7 @@
     </p:spTree>
     <p:extLst>
       <p:ext uri="{BB962C8B-B14F-4D97-AF65-F5344CB8AC3E}">
-        <p14:creationId xmlns:p14="http://schemas.microsoft.com/office/powerpoint/2010/main" val="1566680872"/>
+        <p14:creationId xmlns:p14="http://schemas.microsoft.com/office/powerpoint/2010/main" val="3557047569"/>
       </p:ext>
     </p:extLst>
   </p:cSld>
@@ -2693,13 +4640,7 @@
       </p:grpSpPr>
       <p:sp>
         <p:nvSpPr>
-          <p:cNvPr id="2" name="Date Placeholder 1">
-            <a:extLst>
-              <a:ext uri="{FF2B5EF4-FFF2-40B4-BE49-F238E27FC236}">
-                <a16:creationId xmlns:a16="http://schemas.microsoft.com/office/drawing/2014/main" id="{65DB4BEF-DAA2-49EE-AAA6-A298F713DABD}"/>
-              </a:ext>
-            </a:extLst>
-          </p:cNvPr>
+          <p:cNvPr id="2" name="Date Placeholder 1"/>
           <p:cNvSpPr>
             <a:spLocks noGrp="1"/>
           </p:cNvSpPr>
@@ -2722,13 +4663,7 @@
       </p:sp>
       <p:sp>
         <p:nvSpPr>
-          <p:cNvPr id="3" name="Footer Placeholder 2">
-            <a:extLst>
-              <a:ext uri="{FF2B5EF4-FFF2-40B4-BE49-F238E27FC236}">
-                <a16:creationId xmlns:a16="http://schemas.microsoft.com/office/drawing/2014/main" id="{296B58C4-B9A2-41F0-BC16-10FF9BE11EC8}"/>
-              </a:ext>
-            </a:extLst>
-          </p:cNvPr>
+          <p:cNvPr id="3" name="Footer Placeholder 2"/>
           <p:cNvSpPr>
             <a:spLocks noGrp="1"/>
           </p:cNvSpPr>
@@ -2747,13 +4682,7 @@
       </p:sp>
       <p:sp>
         <p:nvSpPr>
-          <p:cNvPr id="4" name="Slide Number Placeholder 3">
-            <a:extLst>
-              <a:ext uri="{FF2B5EF4-FFF2-40B4-BE49-F238E27FC236}">
-                <a16:creationId xmlns:a16="http://schemas.microsoft.com/office/drawing/2014/main" id="{DC1ABBCB-58BD-4E07-85F9-45A967EA64C8}"/>
-              </a:ext>
-            </a:extLst>
-          </p:cNvPr>
+          <p:cNvPr id="4" name="Slide Number Placeholder 3"/>
           <p:cNvSpPr>
             <a:spLocks noGrp="1"/>
           </p:cNvSpPr>
@@ -2777,7 +4706,7 @@
     </p:spTree>
     <p:extLst>
       <p:ext uri="{BB962C8B-B14F-4D97-AF65-F5344CB8AC3E}">
-        <p14:creationId xmlns:p14="http://schemas.microsoft.com/office/powerpoint/2010/main" val="2943031080"/>
+        <p14:creationId xmlns:p14="http://schemas.microsoft.com/office/powerpoint/2010/main" val="3909924107"/>
       </p:ext>
     </p:extLst>
   </p:cSld>
@@ -2806,13 +4735,7 @@
       </p:grpSpPr>
       <p:sp>
         <p:nvSpPr>
-          <p:cNvPr id="2" name="Title 1">
-            <a:extLst>
-              <a:ext uri="{FF2B5EF4-FFF2-40B4-BE49-F238E27FC236}">
-                <a16:creationId xmlns:a16="http://schemas.microsoft.com/office/drawing/2014/main" id="{F36818D6-7D9E-4DA9-B3A2-276AFE517299}"/>
-              </a:ext>
-            </a:extLst>
-          </p:cNvPr>
+          <p:cNvPr id="2" name="Title 1"/>
           <p:cNvSpPr>
             <a:spLocks noGrp="1"/>
           </p:cNvSpPr>
@@ -2822,15 +4745,17 @@
         </p:nvSpPr>
         <p:spPr>
           <a:xfrm>
-            <a:off x="839788" y="457200"/>
-            <a:ext cx="3932237" cy="1600200"/>
+            <a:off x="677334" y="1498604"/>
+            <a:ext cx="3854528" cy="1278466"/>
           </a:xfrm>
         </p:spPr>
         <p:txBody>
-          <a:bodyPr anchor="b"/>
+          <a:bodyPr anchor="b">
+            <a:normAutofit/>
+          </a:bodyPr>
           <a:lstStyle>
             <a:lvl1pPr>
-              <a:defRPr sz="3200"/>
+              <a:defRPr sz="2000"/>
             </a:lvl1pPr>
           </a:lstStyle>
           <a:p>
@@ -2838,19 +4763,13 @@
               <a:rPr lang="en-US"/>
               <a:t>Click to edit Master title style</a:t>
             </a:r>
-            <a:endParaRPr lang="nl-BE"/>
-          </a:p>
-        </p:txBody>
-      </p:sp>
-      <p:sp>
-        <p:nvSpPr>
-          <p:cNvPr id="3" name="Content Placeholder 2">
-            <a:extLst>
-              <a:ext uri="{FF2B5EF4-FFF2-40B4-BE49-F238E27FC236}">
-                <a16:creationId xmlns:a16="http://schemas.microsoft.com/office/drawing/2014/main" id="{9A70B14C-2D4E-4F96-9B2B-D2DDB421D790}"/>
-              </a:ext>
-            </a:extLst>
-          </p:cNvPr>
+            <a:endParaRPr lang="en-US" dirty="0"/>
+          </a:p>
+        </p:txBody>
+      </p:sp>
+      <p:sp>
+        <p:nvSpPr>
+          <p:cNvPr id="3" name="Content Placeholder 2"/>
           <p:cNvSpPr>
             <a:spLocks noGrp="1"/>
           </p:cNvSpPr>
@@ -2860,41 +4779,15 @@
         </p:nvSpPr>
         <p:spPr>
           <a:xfrm>
-            <a:off x="5183188" y="987425"/>
-            <a:ext cx="6172200" cy="4873625"/>
+            <a:off x="4760461" y="514924"/>
+            <a:ext cx="4513541" cy="5526437"/>
           </a:xfrm>
         </p:spPr>
         <p:txBody>
-          <a:bodyPr/>
-          <a:lstStyle>
-            <a:lvl1pPr>
-              <a:defRPr sz="3200"/>
-            </a:lvl1pPr>
-            <a:lvl2pPr>
-              <a:defRPr sz="2800"/>
-            </a:lvl2pPr>
-            <a:lvl3pPr>
-              <a:defRPr sz="2400"/>
-            </a:lvl3pPr>
-            <a:lvl4pPr>
-              <a:defRPr sz="2000"/>
-            </a:lvl4pPr>
-            <a:lvl5pPr>
-              <a:defRPr sz="2000"/>
-            </a:lvl5pPr>
-            <a:lvl6pPr>
-              <a:defRPr sz="2000"/>
-            </a:lvl6pPr>
-            <a:lvl7pPr>
-              <a:defRPr sz="2000"/>
-            </a:lvl7pPr>
-            <a:lvl8pPr>
-              <a:defRPr sz="2000"/>
-            </a:lvl8pPr>
-            <a:lvl9pPr>
-              <a:defRPr sz="2000"/>
-            </a:lvl9pPr>
-          </a:lstStyle>
+          <a:bodyPr>
+            <a:normAutofit/>
+          </a:bodyPr>
+          <a:lstStyle/>
           <a:p>
             <a:pPr lvl="0"/>
             <a:r>
@@ -2929,19 +4822,13 @@
               <a:rPr lang="en-US"/>
               <a:t>Fifth level</a:t>
             </a:r>
-            <a:endParaRPr lang="nl-BE"/>
-          </a:p>
-        </p:txBody>
-      </p:sp>
-      <p:sp>
-        <p:nvSpPr>
-          <p:cNvPr id="4" name="Text Placeholder 3">
-            <a:extLst>
-              <a:ext uri="{FF2B5EF4-FFF2-40B4-BE49-F238E27FC236}">
-                <a16:creationId xmlns:a16="http://schemas.microsoft.com/office/drawing/2014/main" id="{8DBCFAB7-0E6F-4799-9D62-E51F1BBAE604}"/>
-              </a:ext>
-            </a:extLst>
-          </p:cNvPr>
+            <a:endParaRPr lang="en-US" dirty="0"/>
+          </a:p>
+        </p:txBody>
+      </p:sp>
+      <p:sp>
+        <p:nvSpPr>
+          <p:cNvPr id="4" name="Text Placeholder 3"/>
           <p:cNvSpPr>
             <a:spLocks noGrp="1"/>
           </p:cNvSpPr>
@@ -2951,46 +4838,48 @@
         </p:nvSpPr>
         <p:spPr>
           <a:xfrm>
-            <a:off x="839788" y="2057400"/>
-            <a:ext cx="3932237" cy="3811588"/>
+            <a:off x="677334" y="2777069"/>
+            <a:ext cx="3854528" cy="2584449"/>
           </a:xfrm>
         </p:spPr>
         <p:txBody>
-          <a:bodyPr/>
+          <a:bodyPr>
+            <a:normAutofit/>
+          </a:bodyPr>
           <a:lstStyle>
             <a:lvl1pPr marL="0" indent="0">
               <a:buNone/>
-              <a:defRPr sz="1600"/>
+              <a:defRPr sz="1400"/>
             </a:lvl1pPr>
-            <a:lvl2pPr marL="457200" indent="0">
+            <a:lvl2pPr marL="457063" indent="0">
               <a:buNone/>
               <a:defRPr sz="1400"/>
             </a:lvl2pPr>
-            <a:lvl3pPr marL="914400" indent="0">
+            <a:lvl3pPr marL="914126" indent="0">
               <a:buNone/>
               <a:defRPr sz="1200"/>
             </a:lvl3pPr>
-            <a:lvl4pPr marL="1371600" indent="0">
+            <a:lvl4pPr marL="1371189" indent="0">
               <a:buNone/>
               <a:defRPr sz="1000"/>
             </a:lvl4pPr>
-            <a:lvl5pPr marL="1828800" indent="0">
+            <a:lvl5pPr marL="1828251" indent="0">
               <a:buNone/>
               <a:defRPr sz="1000"/>
             </a:lvl5pPr>
-            <a:lvl6pPr marL="2286000" indent="0">
+            <a:lvl6pPr marL="2285314" indent="0">
               <a:buNone/>
               <a:defRPr sz="1000"/>
             </a:lvl6pPr>
-            <a:lvl7pPr marL="2743200" indent="0">
+            <a:lvl7pPr marL="2742377" indent="0">
               <a:buNone/>
               <a:defRPr sz="1000"/>
             </a:lvl7pPr>
-            <a:lvl8pPr marL="3200400" indent="0">
+            <a:lvl8pPr marL="3199440" indent="0">
               <a:buNone/>
               <a:defRPr sz="1000"/>
             </a:lvl8pPr>
-            <a:lvl9pPr marL="3657600" indent="0">
+            <a:lvl9pPr marL="3656503" indent="0">
               <a:buNone/>
               <a:defRPr sz="1000"/>
             </a:lvl9pPr>
@@ -3006,13 +4895,7 @@
       </p:sp>
       <p:sp>
         <p:nvSpPr>
-          <p:cNvPr id="5" name="Date Placeholder 4">
-            <a:extLst>
-              <a:ext uri="{FF2B5EF4-FFF2-40B4-BE49-F238E27FC236}">
-                <a16:creationId xmlns:a16="http://schemas.microsoft.com/office/drawing/2014/main" id="{CF1D5A07-9725-40A7-8095-3118DCED9FED}"/>
-              </a:ext>
-            </a:extLst>
-          </p:cNvPr>
+          <p:cNvPr id="5" name="Date Placeholder 4"/>
           <p:cNvSpPr>
             <a:spLocks noGrp="1"/>
           </p:cNvSpPr>
@@ -3035,13 +4918,7 @@
       </p:sp>
       <p:sp>
         <p:nvSpPr>
-          <p:cNvPr id="6" name="Footer Placeholder 5">
-            <a:extLst>
-              <a:ext uri="{FF2B5EF4-FFF2-40B4-BE49-F238E27FC236}">
-                <a16:creationId xmlns:a16="http://schemas.microsoft.com/office/drawing/2014/main" id="{09F69401-3F4F-4FAD-ADA4-D52C63A7A084}"/>
-              </a:ext>
-            </a:extLst>
-          </p:cNvPr>
+          <p:cNvPr id="6" name="Footer Placeholder 5"/>
           <p:cNvSpPr>
             <a:spLocks noGrp="1"/>
           </p:cNvSpPr>
@@ -3060,13 +4937,7 @@
       </p:sp>
       <p:sp>
         <p:nvSpPr>
-          <p:cNvPr id="7" name="Slide Number Placeholder 6">
-            <a:extLst>
-              <a:ext uri="{FF2B5EF4-FFF2-40B4-BE49-F238E27FC236}">
-                <a16:creationId xmlns:a16="http://schemas.microsoft.com/office/drawing/2014/main" id="{7770DE2D-4622-4A7A-BC59-6F5B763203E8}"/>
-              </a:ext>
-            </a:extLst>
-          </p:cNvPr>
+          <p:cNvPr id="7" name="Slide Number Placeholder 6"/>
           <p:cNvSpPr>
             <a:spLocks noGrp="1"/>
           </p:cNvSpPr>
@@ -3090,7 +4961,7 @@
     </p:spTree>
     <p:extLst>
       <p:ext uri="{BB962C8B-B14F-4D97-AF65-F5344CB8AC3E}">
-        <p14:creationId xmlns:p14="http://schemas.microsoft.com/office/powerpoint/2010/main" val="253133776"/>
+        <p14:creationId xmlns:p14="http://schemas.microsoft.com/office/powerpoint/2010/main" val="2312465529"/>
       </p:ext>
     </p:extLst>
   </p:cSld>
@@ -3119,13 +4990,7 @@
       </p:grpSpPr>
       <p:sp>
         <p:nvSpPr>
-          <p:cNvPr id="2" name="Title 1">
-            <a:extLst>
-              <a:ext uri="{FF2B5EF4-FFF2-40B4-BE49-F238E27FC236}">
-                <a16:creationId xmlns:a16="http://schemas.microsoft.com/office/drawing/2014/main" id="{58E6615B-0B84-4263-9679-0801987F4195}"/>
-              </a:ext>
-            </a:extLst>
-          </p:cNvPr>
+          <p:cNvPr id="2" name="Title 1"/>
           <p:cNvSpPr>
             <a:spLocks noGrp="1"/>
           </p:cNvSpPr>
@@ -3135,15 +5000,17 @@
         </p:nvSpPr>
         <p:spPr>
           <a:xfrm>
-            <a:off x="839788" y="457200"/>
-            <a:ext cx="3932237" cy="1600200"/>
+            <a:off x="677334" y="4800600"/>
+            <a:ext cx="8596667" cy="566738"/>
           </a:xfrm>
         </p:spPr>
         <p:txBody>
-          <a:bodyPr anchor="b"/>
+          <a:bodyPr anchor="b">
+            <a:normAutofit/>
+          </a:bodyPr>
           <a:lstStyle>
-            <a:lvl1pPr>
-              <a:defRPr sz="3200"/>
+            <a:lvl1pPr algn="l">
+              <a:defRPr sz="2400" b="0"/>
             </a:lvl1pPr>
           </a:lstStyle>
           <a:p>
@@ -3151,21 +5018,15 @@
               <a:rPr lang="en-US"/>
               <a:t>Click to edit Master title style</a:t>
             </a:r>
-            <a:endParaRPr lang="nl-BE"/>
-          </a:p>
-        </p:txBody>
-      </p:sp>
-      <p:sp>
-        <p:nvSpPr>
-          <p:cNvPr id="3" name="Picture Placeholder 2">
-            <a:extLst>
-              <a:ext uri="{FF2B5EF4-FFF2-40B4-BE49-F238E27FC236}">
-                <a16:creationId xmlns:a16="http://schemas.microsoft.com/office/drawing/2014/main" id="{C4D4B26C-9DA4-4E47-986C-44641693847F}"/>
-              </a:ext>
-            </a:extLst>
-          </p:cNvPr>
-          <p:cNvSpPr>
-            <a:spLocks noGrp="1"/>
+            <a:endParaRPr lang="en-US" dirty="0"/>
+          </a:p>
+        </p:txBody>
+      </p:sp>
+      <p:sp>
+        <p:nvSpPr>
+          <p:cNvPr id="3" name="Picture Placeholder 2"/>
+          <p:cNvSpPr>
+            <a:spLocks noGrp="1" noChangeAspect="1"/>
           </p:cNvSpPr>
           <p:nvPr>
             <p:ph type="pic" idx="1"/>
@@ -3173,118 +5034,120 @@
         </p:nvSpPr>
         <p:spPr>
           <a:xfrm>
-            <a:off x="5183188" y="987425"/>
-            <a:ext cx="6172200" cy="4873625"/>
+            <a:off x="677334" y="609600"/>
+            <a:ext cx="8596668" cy="3845718"/>
           </a:xfrm>
         </p:spPr>
         <p:txBody>
-          <a:bodyPr/>
+          <a:bodyPr anchor="t">
+            <a:normAutofit/>
+          </a:bodyPr>
           <a:lstStyle>
-            <a:lvl1pPr marL="0" indent="0">
-              <a:buNone/>
-              <a:defRPr sz="3200"/>
-            </a:lvl1pPr>
-            <a:lvl2pPr marL="457200" indent="0">
-              <a:buNone/>
-              <a:defRPr sz="2800"/>
-            </a:lvl2pPr>
-            <a:lvl3pPr marL="914400" indent="0">
-              <a:buNone/>
-              <a:defRPr sz="2400"/>
-            </a:lvl3pPr>
-            <a:lvl4pPr marL="1371600" indent="0">
-              <a:buNone/>
-              <a:defRPr sz="2000"/>
-            </a:lvl4pPr>
-            <a:lvl5pPr marL="1828800" indent="0">
-              <a:buNone/>
-              <a:defRPr sz="2000"/>
-            </a:lvl5pPr>
-            <a:lvl6pPr marL="2286000" indent="0">
-              <a:buNone/>
-              <a:defRPr sz="2000"/>
-            </a:lvl6pPr>
-            <a:lvl7pPr marL="2743200" indent="0">
-              <a:buNone/>
-              <a:defRPr sz="2000"/>
-            </a:lvl7pPr>
-            <a:lvl8pPr marL="3200400" indent="0">
-              <a:buNone/>
-              <a:defRPr sz="2000"/>
-            </a:lvl8pPr>
-            <a:lvl9pPr marL="3657600" indent="0">
-              <a:buNone/>
-              <a:defRPr sz="2000"/>
-            </a:lvl9pPr>
-          </a:lstStyle>
-          <a:p>
-            <a:endParaRPr lang="nl-BE"/>
-          </a:p>
-        </p:txBody>
-      </p:sp>
-      <p:sp>
-        <p:nvSpPr>
-          <p:cNvPr id="4" name="Text Placeholder 3">
-            <a:extLst>
-              <a:ext uri="{FF2B5EF4-FFF2-40B4-BE49-F238E27FC236}">
-                <a16:creationId xmlns:a16="http://schemas.microsoft.com/office/drawing/2014/main" id="{FC8FD836-C53B-40ED-A0F1-78430405EF9A}"/>
-              </a:ext>
-            </a:extLst>
-          </p:cNvPr>
-          <p:cNvSpPr>
-            <a:spLocks noGrp="1"/>
-          </p:cNvSpPr>
-          <p:nvPr>
-            <p:ph type="body" sz="half" idx="2"/>
-          </p:nvPr>
-        </p:nvSpPr>
-        <p:spPr>
-          <a:xfrm>
-            <a:off x="839788" y="2057400"/>
-            <a:ext cx="3932237" cy="3811588"/>
-          </a:xfrm>
-        </p:spPr>
-        <p:txBody>
-          <a:bodyPr/>
-          <a:lstStyle>
-            <a:lvl1pPr marL="0" indent="0">
+            <a:lvl1pPr marL="0" indent="0" algn="ctr">
               <a:buNone/>
               <a:defRPr sz="1600"/>
             </a:lvl1pPr>
             <a:lvl2pPr marL="457200" indent="0">
               <a:buNone/>
-              <a:defRPr sz="1400"/>
+              <a:defRPr sz="1600"/>
             </a:lvl2pPr>
             <a:lvl3pPr marL="914400" indent="0">
               <a:buNone/>
-              <a:defRPr sz="1200"/>
+              <a:defRPr sz="1600"/>
             </a:lvl3pPr>
             <a:lvl4pPr marL="1371600" indent="0">
               <a:buNone/>
-              <a:defRPr sz="1000"/>
+              <a:defRPr sz="1600"/>
             </a:lvl4pPr>
             <a:lvl5pPr marL="1828800" indent="0">
               <a:buNone/>
-              <a:defRPr sz="1000"/>
+              <a:defRPr sz="1600"/>
             </a:lvl5pPr>
             <a:lvl6pPr marL="2286000" indent="0">
               <a:buNone/>
-              <a:defRPr sz="1000"/>
+              <a:defRPr sz="1600"/>
             </a:lvl6pPr>
             <a:lvl7pPr marL="2743200" indent="0">
               <a:buNone/>
-              <a:defRPr sz="1000"/>
+              <a:defRPr sz="1600"/>
             </a:lvl7pPr>
             <a:lvl8pPr marL="3200400" indent="0">
               <a:buNone/>
-              <a:defRPr sz="1000"/>
+              <a:defRPr sz="1600"/>
             </a:lvl8pPr>
             <a:lvl9pPr marL="3657600" indent="0">
               <a:buNone/>
-              <a:defRPr sz="1000"/>
+              <a:defRPr sz="1600"/>
             </a:lvl9pPr>
           </a:lstStyle>
           <a:p>
+            <a:r>
+              <a:rPr lang="en-US"/>
+              <a:t>Click icon to add picture</a:t>
+            </a:r>
+            <a:endParaRPr lang="en-US" dirty="0"/>
+          </a:p>
+        </p:txBody>
+      </p:sp>
+      <p:sp>
+        <p:nvSpPr>
+          <p:cNvPr id="4" name="Text Placeholder 3"/>
+          <p:cNvSpPr>
+            <a:spLocks noGrp="1"/>
+          </p:cNvSpPr>
+          <p:nvPr>
+            <p:ph type="body" sz="half" idx="2"/>
+          </p:nvPr>
+        </p:nvSpPr>
+        <p:spPr>
+          <a:xfrm>
+            <a:off x="677334" y="5367338"/>
+            <a:ext cx="8596667" cy="674024"/>
+          </a:xfrm>
+        </p:spPr>
+        <p:txBody>
+          <a:bodyPr>
+            <a:normAutofit/>
+          </a:bodyPr>
+          <a:lstStyle>
+            <a:lvl1pPr marL="0" indent="0">
+              <a:buNone/>
+              <a:defRPr sz="1200"/>
+            </a:lvl1pPr>
+            <a:lvl2pPr marL="457200" indent="0">
+              <a:buNone/>
+              <a:defRPr sz="1200"/>
+            </a:lvl2pPr>
+            <a:lvl3pPr marL="914400" indent="0">
+              <a:buNone/>
+              <a:defRPr sz="1000"/>
+            </a:lvl3pPr>
+            <a:lvl4pPr marL="1371600" indent="0">
+              <a:buNone/>
+              <a:defRPr sz="900"/>
+            </a:lvl4pPr>
+            <a:lvl5pPr marL="1828800" indent="0">
+              <a:buNone/>
+              <a:defRPr sz="900"/>
+            </a:lvl5pPr>
+            <a:lvl6pPr marL="2286000" indent="0">
+              <a:buNone/>
+              <a:defRPr sz="900"/>
+            </a:lvl6pPr>
+            <a:lvl7pPr marL="2743200" indent="0">
+              <a:buNone/>
+              <a:defRPr sz="900"/>
+            </a:lvl7pPr>
+            <a:lvl8pPr marL="3200400" indent="0">
+              <a:buNone/>
+              <a:defRPr sz="900"/>
+            </a:lvl8pPr>
+            <a:lvl9pPr marL="3657600" indent="0">
+              <a:buNone/>
+              <a:defRPr sz="900"/>
+            </a:lvl9pPr>
+          </a:lstStyle>
+          <a:p>
             <a:pPr lvl="0"/>
             <a:r>
               <a:rPr lang="en-US"/>
@@ -3295,13 +5158,7 @@
       </p:sp>
       <p:sp>
         <p:nvSpPr>
-          <p:cNvPr id="5" name="Date Placeholder 4">
-            <a:extLst>
-              <a:ext uri="{FF2B5EF4-FFF2-40B4-BE49-F238E27FC236}">
-                <a16:creationId xmlns:a16="http://schemas.microsoft.com/office/drawing/2014/main" id="{2261053D-A6EC-40A6-AFC5-DC2552D8B902}"/>
-              </a:ext>
-            </a:extLst>
-          </p:cNvPr>
+          <p:cNvPr id="5" name="Date Placeholder 4"/>
           <p:cNvSpPr>
             <a:spLocks noGrp="1"/>
           </p:cNvSpPr>
@@ -3324,13 +5181,7 @@
       </p:sp>
       <p:sp>
         <p:nvSpPr>
-          <p:cNvPr id="6" name="Footer Placeholder 5">
-            <a:extLst>
-              <a:ext uri="{FF2B5EF4-FFF2-40B4-BE49-F238E27FC236}">
-                <a16:creationId xmlns:a16="http://schemas.microsoft.com/office/drawing/2014/main" id="{7D601231-C517-4F58-AE89-55B64A5160F0}"/>
-              </a:ext>
-            </a:extLst>
-          </p:cNvPr>
+          <p:cNvPr id="6" name="Footer Placeholder 5"/>
           <p:cNvSpPr>
             <a:spLocks noGrp="1"/>
           </p:cNvSpPr>
@@ -3349,13 +5200,7 @@
       </p:sp>
       <p:sp>
         <p:nvSpPr>
-          <p:cNvPr id="7" name="Slide Number Placeholder 6">
-            <a:extLst>
-              <a:ext uri="{FF2B5EF4-FFF2-40B4-BE49-F238E27FC236}">
-                <a16:creationId xmlns:a16="http://schemas.microsoft.com/office/drawing/2014/main" id="{CD83F011-2F4A-4A52-A8C0-BE0BAC598930}"/>
-              </a:ext>
-            </a:extLst>
-          </p:cNvPr>
+          <p:cNvPr id="7" name="Slide Number Placeholder 6"/>
           <p:cNvSpPr>
             <a:spLocks noGrp="1"/>
           </p:cNvSpPr>
@@ -3379,7 +5224,7 @@
     </p:spTree>
     <p:extLst>
       <p:ext uri="{BB962C8B-B14F-4D97-AF65-F5344CB8AC3E}">
-        <p14:creationId xmlns:p14="http://schemas.microsoft.com/office/powerpoint/2010/main" val="861068832"/>
+        <p14:creationId xmlns:p14="http://schemas.microsoft.com/office/powerpoint/2010/main" val="3743322792"/>
       </p:ext>
     </p:extLst>
   </p:cSld>
@@ -3394,7 +5239,7 @@
   <p:cSld>
     <p:bg>
       <p:bgRef idx="1001">
-        <a:schemeClr val="bg1"/>
+        <a:schemeClr val="bg2"/>
       </p:bgRef>
     </p:bg>
     <p:spTree>
@@ -3411,15 +5256,541 @@
           <a:chExt cx="0" cy="0"/>
         </a:xfrm>
       </p:grpSpPr>
-      <p:sp>
-        <p:nvSpPr>
-          <p:cNvPr id="2" name="Title Placeholder 1">
-            <a:extLst>
-              <a:ext uri="{FF2B5EF4-FFF2-40B4-BE49-F238E27FC236}">
-                <a16:creationId xmlns:a16="http://schemas.microsoft.com/office/drawing/2014/main" id="{BF46E5A9-707B-4118-9BA2-0C759C94774E}"/>
-              </a:ext>
-            </a:extLst>
-          </p:cNvPr>
+      <p:grpSp>
+        <p:nvGrpSpPr>
+          <p:cNvPr id="8" name="Group 7"/>
+          <p:cNvGrpSpPr/>
+          <p:nvPr/>
+        </p:nvGrpSpPr>
+        <p:grpSpPr>
+          <a:xfrm>
+            <a:off x="0" y="-8467"/>
+            <a:ext cx="12192000" cy="6866467"/>
+            <a:chOff x="0" y="-8467"/>
+            <a:chExt cx="12192000" cy="6866467"/>
+          </a:xfrm>
+        </p:grpSpPr>
+        <p:cxnSp>
+          <p:nvCxnSpPr>
+            <p:cNvPr id="20" name="Straight Connector 19"/>
+            <p:cNvCxnSpPr/>
+            <p:nvPr/>
+          </p:nvCxnSpPr>
+          <p:spPr>
+            <a:xfrm>
+              <a:off x="9371012" y="0"/>
+              <a:ext cx="1219200" cy="6858000"/>
+            </a:xfrm>
+            <a:prstGeom prst="line">
+              <a:avLst/>
+            </a:prstGeom>
+            <a:ln w="9525">
+              <a:solidFill>
+                <a:schemeClr val="bg1">
+                  <a:lumMod val="85000"/>
+                  <a:lumOff val="15000"/>
+                </a:schemeClr>
+              </a:solidFill>
+            </a:ln>
+          </p:spPr>
+          <p:style>
+            <a:lnRef idx="2">
+              <a:schemeClr val="accent1"/>
+            </a:lnRef>
+            <a:fillRef idx="0">
+              <a:schemeClr val="accent1"/>
+            </a:fillRef>
+            <a:effectRef idx="1">
+              <a:schemeClr val="accent1"/>
+            </a:effectRef>
+            <a:fontRef idx="minor">
+              <a:schemeClr val="tx1"/>
+            </a:fontRef>
+          </p:style>
+        </p:cxnSp>
+        <p:cxnSp>
+          <p:nvCxnSpPr>
+            <p:cNvPr id="21" name="Straight Connector 20"/>
+            <p:cNvCxnSpPr/>
+            <p:nvPr/>
+          </p:nvCxnSpPr>
+          <p:spPr>
+            <a:xfrm flipH="1">
+              <a:off x="7425267" y="3681413"/>
+              <a:ext cx="4763558" cy="3176587"/>
+            </a:xfrm>
+            <a:prstGeom prst="line">
+              <a:avLst/>
+            </a:prstGeom>
+            <a:ln w="9525">
+              <a:solidFill>
+                <a:schemeClr val="bg1">
+                  <a:lumMod val="85000"/>
+                  <a:lumOff val="15000"/>
+                </a:schemeClr>
+              </a:solidFill>
+            </a:ln>
+          </p:spPr>
+          <p:style>
+            <a:lnRef idx="2">
+              <a:schemeClr val="accent1"/>
+            </a:lnRef>
+            <a:fillRef idx="0">
+              <a:schemeClr val="accent1"/>
+            </a:fillRef>
+            <a:effectRef idx="1">
+              <a:schemeClr val="accent1"/>
+            </a:effectRef>
+            <a:fontRef idx="minor">
+              <a:schemeClr val="tx1"/>
+            </a:fontRef>
+          </p:style>
+        </p:cxnSp>
+        <p:sp>
+          <p:nvSpPr>
+            <p:cNvPr id="22" name="Rectangle 23"/>
+            <p:cNvSpPr/>
+            <p:nvPr/>
+          </p:nvSpPr>
+          <p:spPr>
+            <a:xfrm>
+              <a:off x="9181476" y="-8467"/>
+              <a:ext cx="3007349" cy="6866467"/>
+            </a:xfrm>
+            <a:custGeom>
+              <a:avLst/>
+              <a:gdLst/>
+              <a:ahLst/>
+              <a:cxnLst/>
+              <a:rect l="l" t="t" r="r" b="b"/>
+              <a:pathLst>
+                <a:path w="3007349" h="6866467">
+                  <a:moveTo>
+                    <a:pt x="2045532" y="0"/>
+                  </a:moveTo>
+                  <a:lnTo>
+                    <a:pt x="3007349" y="0"/>
+                  </a:lnTo>
+                  <a:lnTo>
+                    <a:pt x="3007349" y="6866467"/>
+                  </a:lnTo>
+                  <a:lnTo>
+                    <a:pt x="0" y="6866467"/>
+                  </a:lnTo>
+                  <a:lnTo>
+                    <a:pt x="2045532" y="0"/>
+                  </a:lnTo>
+                  <a:close/>
+                </a:path>
+              </a:pathLst>
+            </a:custGeom>
+            <a:solidFill>
+              <a:schemeClr val="accent1">
+                <a:alpha val="30000"/>
+              </a:schemeClr>
+            </a:solidFill>
+            <a:ln>
+              <a:noFill/>
+            </a:ln>
+            <a:effectLst/>
+          </p:spPr>
+          <p:style>
+            <a:lnRef idx="1">
+              <a:schemeClr val="accent1"/>
+            </a:lnRef>
+            <a:fillRef idx="3">
+              <a:schemeClr val="accent1"/>
+            </a:fillRef>
+            <a:effectRef idx="2">
+              <a:schemeClr val="accent1"/>
+            </a:effectRef>
+            <a:fontRef idx="minor">
+              <a:schemeClr val="lt1"/>
+            </a:fontRef>
+          </p:style>
+        </p:sp>
+        <p:sp>
+          <p:nvSpPr>
+            <p:cNvPr id="23" name="Rectangle 25"/>
+            <p:cNvSpPr/>
+            <p:nvPr/>
+          </p:nvSpPr>
+          <p:spPr>
+            <a:xfrm>
+              <a:off x="9603442" y="-8467"/>
+              <a:ext cx="2588558" cy="6866467"/>
+            </a:xfrm>
+            <a:custGeom>
+              <a:avLst/>
+              <a:gdLst/>
+              <a:ahLst/>
+              <a:cxnLst/>
+              <a:rect l="l" t="t" r="r" b="b"/>
+              <a:pathLst>
+                <a:path w="2573311" h="6866467">
+                  <a:moveTo>
+                    <a:pt x="0" y="0"/>
+                  </a:moveTo>
+                  <a:lnTo>
+                    <a:pt x="2573311" y="0"/>
+                  </a:lnTo>
+                  <a:lnTo>
+                    <a:pt x="2573311" y="6866467"/>
+                  </a:lnTo>
+                  <a:lnTo>
+                    <a:pt x="1202336" y="6866467"/>
+                  </a:lnTo>
+                  <a:lnTo>
+                    <a:pt x="0" y="0"/>
+                  </a:lnTo>
+                  <a:close/>
+                </a:path>
+              </a:pathLst>
+            </a:custGeom>
+            <a:solidFill>
+              <a:schemeClr val="accent1">
+                <a:alpha val="20000"/>
+              </a:schemeClr>
+            </a:solidFill>
+            <a:ln>
+              <a:noFill/>
+            </a:ln>
+            <a:effectLst/>
+          </p:spPr>
+          <p:style>
+            <a:lnRef idx="1">
+              <a:schemeClr val="accent1"/>
+            </a:lnRef>
+            <a:fillRef idx="3">
+              <a:schemeClr val="accent1"/>
+            </a:fillRef>
+            <a:effectRef idx="2">
+              <a:schemeClr val="accent1"/>
+            </a:effectRef>
+            <a:fontRef idx="minor">
+              <a:schemeClr val="lt1"/>
+            </a:fontRef>
+          </p:style>
+        </p:sp>
+        <p:sp>
+          <p:nvSpPr>
+            <p:cNvPr id="24" name="Isosceles Triangle 23"/>
+            <p:cNvSpPr/>
+            <p:nvPr/>
+          </p:nvSpPr>
+          <p:spPr>
+            <a:xfrm>
+              <a:off x="8932333" y="3048000"/>
+              <a:ext cx="3259667" cy="3810000"/>
+            </a:xfrm>
+            <a:prstGeom prst="triangle">
+              <a:avLst>
+                <a:gd name="adj" fmla="val 100000"/>
+              </a:avLst>
+            </a:prstGeom>
+            <a:solidFill>
+              <a:schemeClr val="accent2">
+                <a:alpha val="72000"/>
+              </a:schemeClr>
+            </a:solidFill>
+            <a:ln>
+              <a:noFill/>
+            </a:ln>
+            <a:effectLst/>
+          </p:spPr>
+          <p:style>
+            <a:lnRef idx="1">
+              <a:schemeClr val="accent1"/>
+            </a:lnRef>
+            <a:fillRef idx="3">
+              <a:schemeClr val="accent1"/>
+            </a:fillRef>
+            <a:effectRef idx="2">
+              <a:schemeClr val="accent1"/>
+            </a:effectRef>
+            <a:fontRef idx="minor">
+              <a:schemeClr val="lt1"/>
+            </a:fontRef>
+          </p:style>
+        </p:sp>
+        <p:sp>
+          <p:nvSpPr>
+            <p:cNvPr id="25" name="Rectangle 27"/>
+            <p:cNvSpPr/>
+            <p:nvPr/>
+          </p:nvSpPr>
+          <p:spPr>
+            <a:xfrm>
+              <a:off x="9334500" y="-8467"/>
+              <a:ext cx="2854326" cy="6866467"/>
+            </a:xfrm>
+            <a:custGeom>
+              <a:avLst/>
+              <a:gdLst/>
+              <a:ahLst/>
+              <a:cxnLst/>
+              <a:rect l="l" t="t" r="r" b="b"/>
+              <a:pathLst>
+                <a:path w="2858013" h="6866467">
+                  <a:moveTo>
+                    <a:pt x="0" y="0"/>
+                  </a:moveTo>
+                  <a:lnTo>
+                    <a:pt x="2858013" y="0"/>
+                  </a:lnTo>
+                  <a:lnTo>
+                    <a:pt x="2858013" y="6866467"/>
+                  </a:lnTo>
+                  <a:lnTo>
+                    <a:pt x="2473942" y="6866467"/>
+                  </a:lnTo>
+                  <a:lnTo>
+                    <a:pt x="0" y="0"/>
+                  </a:lnTo>
+                  <a:close/>
+                </a:path>
+              </a:pathLst>
+            </a:custGeom>
+            <a:solidFill>
+              <a:schemeClr val="accent2">
+                <a:lumMod val="75000"/>
+                <a:alpha val="70000"/>
+              </a:schemeClr>
+            </a:solidFill>
+            <a:ln>
+              <a:noFill/>
+            </a:ln>
+            <a:effectLst/>
+          </p:spPr>
+          <p:style>
+            <a:lnRef idx="1">
+              <a:schemeClr val="accent1"/>
+            </a:lnRef>
+            <a:fillRef idx="3">
+              <a:schemeClr val="accent1"/>
+            </a:fillRef>
+            <a:effectRef idx="2">
+              <a:schemeClr val="accent1"/>
+            </a:effectRef>
+            <a:fontRef idx="minor">
+              <a:schemeClr val="lt1"/>
+            </a:fontRef>
+          </p:style>
+        </p:sp>
+        <p:sp>
+          <p:nvSpPr>
+            <p:cNvPr id="26" name="Rectangle 28"/>
+            <p:cNvSpPr/>
+            <p:nvPr/>
+          </p:nvSpPr>
+          <p:spPr>
+            <a:xfrm>
+              <a:off x="10898730" y="-8467"/>
+              <a:ext cx="1290094" cy="6866467"/>
+            </a:xfrm>
+            <a:custGeom>
+              <a:avLst/>
+              <a:gdLst/>
+              <a:ahLst/>
+              <a:cxnLst/>
+              <a:rect l="l" t="t" r="r" b="b"/>
+              <a:pathLst>
+                <a:path w="1290094" h="6858000">
+                  <a:moveTo>
+                    <a:pt x="1019735" y="0"/>
+                  </a:moveTo>
+                  <a:lnTo>
+                    <a:pt x="1290094" y="0"/>
+                  </a:lnTo>
+                  <a:lnTo>
+                    <a:pt x="1290094" y="6858000"/>
+                  </a:lnTo>
+                  <a:lnTo>
+                    <a:pt x="0" y="6858000"/>
+                  </a:lnTo>
+                  <a:lnTo>
+                    <a:pt x="1019735" y="0"/>
+                  </a:lnTo>
+                  <a:close/>
+                </a:path>
+              </a:pathLst>
+            </a:custGeom>
+            <a:solidFill>
+              <a:schemeClr val="accent1">
+                <a:lumMod val="60000"/>
+                <a:lumOff val="40000"/>
+                <a:alpha val="70000"/>
+              </a:schemeClr>
+            </a:solidFill>
+            <a:ln>
+              <a:noFill/>
+            </a:ln>
+            <a:effectLst/>
+          </p:spPr>
+          <p:style>
+            <a:lnRef idx="1">
+              <a:schemeClr val="accent1"/>
+            </a:lnRef>
+            <a:fillRef idx="3">
+              <a:schemeClr val="accent1"/>
+            </a:fillRef>
+            <a:effectRef idx="2">
+              <a:schemeClr val="accent1"/>
+            </a:effectRef>
+            <a:fontRef idx="minor">
+              <a:schemeClr val="lt1"/>
+            </a:fontRef>
+          </p:style>
+        </p:sp>
+        <p:sp>
+          <p:nvSpPr>
+            <p:cNvPr id="27" name="Rectangle 29"/>
+            <p:cNvSpPr/>
+            <p:nvPr/>
+          </p:nvSpPr>
+          <p:spPr>
+            <a:xfrm>
+              <a:off x="10938999" y="-8467"/>
+              <a:ext cx="1249825" cy="6866467"/>
+            </a:xfrm>
+            <a:custGeom>
+              <a:avLst/>
+              <a:gdLst/>
+              <a:ahLst/>
+              <a:cxnLst/>
+              <a:rect l="l" t="t" r="r" b="b"/>
+              <a:pathLst>
+                <a:path w="1249825" h="6858000">
+                  <a:moveTo>
+                    <a:pt x="0" y="0"/>
+                  </a:moveTo>
+                  <a:lnTo>
+                    <a:pt x="1249825" y="0"/>
+                  </a:lnTo>
+                  <a:lnTo>
+                    <a:pt x="1249825" y="6858000"/>
+                  </a:lnTo>
+                  <a:lnTo>
+                    <a:pt x="1109382" y="6858000"/>
+                  </a:lnTo>
+                  <a:lnTo>
+                    <a:pt x="0" y="0"/>
+                  </a:lnTo>
+                  <a:close/>
+                </a:path>
+              </a:pathLst>
+            </a:custGeom>
+            <a:solidFill>
+              <a:schemeClr val="accent1">
+                <a:alpha val="65000"/>
+              </a:schemeClr>
+            </a:solidFill>
+            <a:ln>
+              <a:noFill/>
+            </a:ln>
+            <a:effectLst/>
+          </p:spPr>
+          <p:style>
+            <a:lnRef idx="1">
+              <a:schemeClr val="accent1"/>
+            </a:lnRef>
+            <a:fillRef idx="3">
+              <a:schemeClr val="accent1"/>
+            </a:fillRef>
+            <a:effectRef idx="2">
+              <a:schemeClr val="accent1"/>
+            </a:effectRef>
+            <a:fontRef idx="minor">
+              <a:schemeClr val="lt1"/>
+            </a:fontRef>
+          </p:style>
+        </p:sp>
+        <p:sp>
+          <p:nvSpPr>
+            <p:cNvPr id="28" name="Isosceles Triangle 27"/>
+            <p:cNvSpPr/>
+            <p:nvPr/>
+          </p:nvSpPr>
+          <p:spPr>
+            <a:xfrm>
+              <a:off x="10371666" y="3589867"/>
+              <a:ext cx="1817159" cy="3268133"/>
+            </a:xfrm>
+            <a:prstGeom prst="triangle">
+              <a:avLst>
+                <a:gd name="adj" fmla="val 100000"/>
+              </a:avLst>
+            </a:prstGeom>
+            <a:solidFill>
+              <a:schemeClr val="accent1">
+                <a:alpha val="80000"/>
+              </a:schemeClr>
+            </a:solidFill>
+            <a:ln>
+              <a:noFill/>
+            </a:ln>
+            <a:effectLst/>
+          </p:spPr>
+          <p:style>
+            <a:lnRef idx="1">
+              <a:schemeClr val="accent1"/>
+            </a:lnRef>
+            <a:fillRef idx="3">
+              <a:schemeClr val="accent1"/>
+            </a:fillRef>
+            <a:effectRef idx="2">
+              <a:schemeClr val="accent1"/>
+            </a:effectRef>
+            <a:fontRef idx="minor">
+              <a:schemeClr val="lt1"/>
+            </a:fontRef>
+          </p:style>
+        </p:sp>
+        <p:sp>
+          <p:nvSpPr>
+            <p:cNvPr id="29" name="Isosceles Triangle 28"/>
+            <p:cNvSpPr/>
+            <p:nvPr/>
+          </p:nvSpPr>
+          <p:spPr>
+            <a:xfrm>
+              <a:off x="0" y="4013200"/>
+              <a:ext cx="448733" cy="2844800"/>
+            </a:xfrm>
+            <a:prstGeom prst="triangle">
+              <a:avLst>
+                <a:gd name="adj" fmla="val 0"/>
+              </a:avLst>
+            </a:prstGeom>
+            <a:solidFill>
+              <a:schemeClr val="accent1">
+                <a:alpha val="85000"/>
+              </a:schemeClr>
+            </a:solidFill>
+            <a:ln>
+              <a:noFill/>
+            </a:ln>
+            <a:effectLst/>
+          </p:spPr>
+          <p:style>
+            <a:lnRef idx="1">
+              <a:schemeClr val="accent1"/>
+            </a:lnRef>
+            <a:fillRef idx="3">
+              <a:schemeClr val="accent1"/>
+            </a:fillRef>
+            <a:effectRef idx="2">
+              <a:schemeClr val="accent1"/>
+            </a:effectRef>
+            <a:fontRef idx="minor">
+              <a:schemeClr val="lt1"/>
+            </a:fontRef>
+          </p:style>
+        </p:sp>
+      </p:grpSp>
+      <p:sp>
+        <p:nvSpPr>
+          <p:cNvPr id="2" name="Title Placeholder 1"/>
           <p:cNvSpPr>
             <a:spLocks noGrp="1"/>
           </p:cNvSpPr>
@@ -3429,15 +5800,15 @@
         </p:nvSpPr>
         <p:spPr>
           <a:xfrm>
-            <a:off x="838200" y="365125"/>
-            <a:ext cx="10515600" cy="1325563"/>
+            <a:off x="677334" y="609600"/>
+            <a:ext cx="8596668" cy="1320800"/>
           </a:xfrm>
           <a:prstGeom prst="rect">
             <a:avLst/>
           </a:prstGeom>
         </p:spPr>
         <p:txBody>
-          <a:bodyPr vert="horz" lIns="91440" tIns="45720" rIns="91440" bIns="45720" rtlCol="0" anchor="ctr">
+          <a:bodyPr vert="horz" lIns="91440" tIns="45720" rIns="91440" bIns="45720" rtlCol="0" anchor="t">
             <a:normAutofit/>
           </a:bodyPr>
           <a:lstStyle/>
@@ -3446,19 +5817,13 @@
               <a:rPr lang="en-US"/>
               <a:t>Click to edit Master title style</a:t>
             </a:r>
-            <a:endParaRPr lang="nl-BE"/>
-          </a:p>
-        </p:txBody>
-      </p:sp>
-      <p:sp>
-        <p:nvSpPr>
-          <p:cNvPr id="3" name="Text Placeholder 2">
-            <a:extLst>
-              <a:ext uri="{FF2B5EF4-FFF2-40B4-BE49-F238E27FC236}">
-                <a16:creationId xmlns:a16="http://schemas.microsoft.com/office/drawing/2014/main" id="{64887608-7CF1-4E2F-8562-E6FB186B5067}"/>
-              </a:ext>
-            </a:extLst>
-          </p:cNvPr>
+            <a:endParaRPr lang="en-US" dirty="0"/>
+          </a:p>
+        </p:txBody>
+      </p:sp>
+      <p:sp>
+        <p:nvSpPr>
+          <p:cNvPr id="3" name="Text Placeholder 2"/>
           <p:cNvSpPr>
             <a:spLocks noGrp="1"/>
           </p:cNvSpPr>
@@ -3468,8 +5833,8 @@
         </p:nvSpPr>
         <p:spPr>
           <a:xfrm>
-            <a:off x="838200" y="1825625"/>
-            <a:ext cx="10515600" cy="4351338"/>
+            <a:off x="677334" y="2160589"/>
+            <a:ext cx="8596668" cy="3880773"/>
           </a:xfrm>
           <a:prstGeom prst="rect">
             <a:avLst/>
@@ -3514,19 +5879,13 @@
               <a:rPr lang="en-US"/>
               <a:t>Fifth level</a:t>
             </a:r>
-            <a:endParaRPr lang="nl-BE"/>
-          </a:p>
-        </p:txBody>
-      </p:sp>
-      <p:sp>
-        <p:nvSpPr>
-          <p:cNvPr id="4" name="Date Placeholder 3">
-            <a:extLst>
-              <a:ext uri="{FF2B5EF4-FFF2-40B4-BE49-F238E27FC236}">
-                <a16:creationId xmlns:a16="http://schemas.microsoft.com/office/drawing/2014/main" id="{849EC43D-5F93-4D6C-B481-1742231C6157}"/>
-              </a:ext>
-            </a:extLst>
-          </p:cNvPr>
+            <a:endParaRPr lang="en-US" dirty="0"/>
+          </a:p>
+        </p:txBody>
+      </p:sp>
+      <p:sp>
+        <p:nvSpPr>
+          <p:cNvPr id="4" name="Date Placeholder 3"/>
           <p:cNvSpPr>
             <a:spLocks noGrp="1"/>
           </p:cNvSpPr>
@@ -3536,8 +5895,8 @@
         </p:nvSpPr>
         <p:spPr>
           <a:xfrm>
-            <a:off x="838200" y="6356350"/>
-            <a:ext cx="2743200" cy="365125"/>
+            <a:off x="7205133" y="6041362"/>
+            <a:ext cx="911939" cy="365125"/>
           </a:xfrm>
           <a:prstGeom prst="rect">
             <a:avLst/>
@@ -3546,8 +5905,8 @@
         <p:txBody>
           <a:bodyPr vert="horz" lIns="91440" tIns="45720" rIns="91440" bIns="45720" rtlCol="0" anchor="ctr"/>
           <a:lstStyle>
-            <a:lvl1pPr algn="l">
-              <a:defRPr sz="1200">
+            <a:lvl1pPr algn="r">
+              <a:defRPr sz="900">
                 <a:solidFill>
                   <a:schemeClr val="tx1">
                     <a:tint val="75000"/>
@@ -3567,13 +5926,7 @@
       </p:sp>
       <p:sp>
         <p:nvSpPr>
-          <p:cNvPr id="5" name="Footer Placeholder 4">
-            <a:extLst>
-              <a:ext uri="{FF2B5EF4-FFF2-40B4-BE49-F238E27FC236}">
-                <a16:creationId xmlns:a16="http://schemas.microsoft.com/office/drawing/2014/main" id="{A7B30EAF-52F4-40BA-AB68-222E41E43F82}"/>
-              </a:ext>
-            </a:extLst>
-          </p:cNvPr>
+          <p:cNvPr id="5" name="Footer Placeholder 4"/>
           <p:cNvSpPr>
             <a:spLocks noGrp="1"/>
           </p:cNvSpPr>
@@ -3583,8 +5936,8 @@
         </p:nvSpPr>
         <p:spPr>
           <a:xfrm>
-            <a:off x="4038600" y="6356350"/>
-            <a:ext cx="4114800" cy="365125"/>
+            <a:off x="677334" y="6041362"/>
+            <a:ext cx="6297612" cy="365125"/>
           </a:xfrm>
           <a:prstGeom prst="rect">
             <a:avLst/>
@@ -3593,8 +5946,8 @@
         <p:txBody>
           <a:bodyPr vert="horz" lIns="91440" tIns="45720" rIns="91440" bIns="45720" rtlCol="0" anchor="ctr"/>
           <a:lstStyle>
-            <a:lvl1pPr algn="ctr">
-              <a:defRPr sz="1200">
+            <a:lvl1pPr algn="l">
+              <a:defRPr sz="900">
                 <a:solidFill>
                   <a:schemeClr val="tx1">
                     <a:tint val="75000"/>
@@ -3610,13 +5963,7 @@
       </p:sp>
       <p:sp>
         <p:nvSpPr>
-          <p:cNvPr id="6" name="Slide Number Placeholder 5">
-            <a:extLst>
-              <a:ext uri="{FF2B5EF4-FFF2-40B4-BE49-F238E27FC236}">
-                <a16:creationId xmlns:a16="http://schemas.microsoft.com/office/drawing/2014/main" id="{ADC4672F-CB3A-4EA7-8039-167900D52DA1}"/>
-              </a:ext>
-            </a:extLst>
-          </p:cNvPr>
+          <p:cNvPr id="6" name="Slide Number Placeholder 5"/>
           <p:cNvSpPr>
             <a:spLocks noGrp="1"/>
           </p:cNvSpPr>
@@ -3626,8 +5973,8 @@
         </p:nvSpPr>
         <p:spPr>
           <a:xfrm>
-            <a:off x="8610600" y="6356350"/>
-            <a:ext cx="2743200" cy="365125"/>
+            <a:off x="8590663" y="6041362"/>
+            <a:ext cx="683339" cy="365125"/>
           </a:xfrm>
           <a:prstGeom prst="rect">
             <a:avLst/>
@@ -3637,11 +5984,9 @@
           <a:bodyPr vert="horz" lIns="91440" tIns="45720" rIns="91440" bIns="45720" rtlCol="0" anchor="ctr"/>
           <a:lstStyle>
             <a:lvl1pPr algn="r">
-              <a:defRPr sz="1200">
-                <a:solidFill>
-                  <a:schemeClr val="tx1">
-                    <a:tint val="75000"/>
-                  </a:schemeClr>
+              <a:defRPr sz="900">
+                <a:solidFill>
+                  <a:schemeClr val="accent1"/>
                 </a:solidFill>
               </a:defRPr>
             </a:lvl1pPr>
@@ -3658,55 +6003,335 @@
     </p:spTree>
     <p:extLst>
       <p:ext uri="{BB962C8B-B14F-4D97-AF65-F5344CB8AC3E}">
-        <p14:creationId xmlns:p14="http://schemas.microsoft.com/office/powerpoint/2010/main" val="343902307"/>
+        <p14:creationId xmlns:p14="http://schemas.microsoft.com/office/powerpoint/2010/main" val="2368883530"/>
       </p:ext>
     </p:extLst>
   </p:cSld>
-  <p:clrMap bg1="lt1" tx1="dk1" bg2="lt2" tx2="dk2" accent1="accent1" accent2="accent2" accent3="accent3" accent4="accent4" accent5="accent5" accent6="accent6" hlink="hlink" folHlink="folHlink"/>
+  <p:clrMap bg1="dk1" tx1="lt1" bg2="dk2" tx2="lt2" accent1="accent1" accent2="accent2" accent3="accent3" accent4="accent4" accent5="accent5" accent6="accent6" hlink="hlink" folHlink="folHlink"/>
   <p:sldLayoutIdLst>
-    <p:sldLayoutId id="2147483649" r:id="rId1"/>
-    <p:sldLayoutId id="2147483650" r:id="rId2"/>
-    <p:sldLayoutId id="2147483651" r:id="rId3"/>
-    <p:sldLayoutId id="2147483652" r:id="rId4"/>
-    <p:sldLayoutId id="2147483653" r:id="rId5"/>
-    <p:sldLayoutId id="2147483654" r:id="rId6"/>
-    <p:sldLayoutId id="2147483655" r:id="rId7"/>
-    <p:sldLayoutId id="2147483656" r:id="rId8"/>
-    <p:sldLayoutId id="2147483657" r:id="rId9"/>
-    <p:sldLayoutId id="2147483658" r:id="rId10"/>
-    <p:sldLayoutId id="2147483659" r:id="rId11"/>
+    <p:sldLayoutId id="2147483695" r:id="rId1"/>
+    <p:sldLayoutId id="2147483696" r:id="rId2"/>
+    <p:sldLayoutId id="2147483697" r:id="rId3"/>
+    <p:sldLayoutId id="2147483698" r:id="rId4"/>
+    <p:sldLayoutId id="2147483699" r:id="rId5"/>
+    <p:sldLayoutId id="2147483700" r:id="rId6"/>
+    <p:sldLayoutId id="2147483701" r:id="rId7"/>
+    <p:sldLayoutId id="2147483702" r:id="rId8"/>
+    <p:sldLayoutId id="2147483703" r:id="rId9"/>
+    <p:sldLayoutId id="2147483704" r:id="rId10"/>
+    <p:sldLayoutId id="2147483705" r:id="rId11"/>
+    <p:sldLayoutId id="2147483706" r:id="rId12"/>
+    <p:sldLayoutId id="2147483707" r:id="rId13"/>
+    <p:sldLayoutId id="2147483708" r:id="rId14"/>
+    <p:sldLayoutId id="2147483709" r:id="rId15"/>
+    <p:sldLayoutId id="2147483710" r:id="rId16"/>
   </p:sldLayoutIdLst>
   <p:txStyles>
     <p:titleStyle>
-      <a:lvl1pPr algn="l" defTabSz="914400" rtl="0" eaLnBrk="1" latinLnBrk="0" hangingPunct="1">
-        <a:lnSpc>
-          <a:spcPct val="90000"/>
-        </a:lnSpc>
+      <a:lvl1pPr algn="l" defTabSz="457200" rtl="0" eaLnBrk="1" latinLnBrk="0" hangingPunct="1">
         <a:spcBef>
           <a:spcPct val="0"/>
         </a:spcBef>
         <a:buNone/>
-        <a:defRPr sz="4400" kern="1200">
+        <a:defRPr sz="3600" kern="1200">
           <a:solidFill>
-            <a:schemeClr val="tx1"/>
+            <a:schemeClr val="accent1"/>
           </a:solidFill>
           <a:latin typeface="+mj-lt"/>
           <a:ea typeface="+mj-ea"/>
           <a:cs typeface="+mj-cs"/>
         </a:defRPr>
       </a:lvl1pPr>
+      <a:lvl2pPr eaLnBrk="1" hangingPunct="1">
+        <a:defRPr>
+          <a:solidFill>
+            <a:schemeClr val="tx2"/>
+          </a:solidFill>
+        </a:defRPr>
+      </a:lvl2pPr>
+      <a:lvl3pPr eaLnBrk="1" hangingPunct="1">
+        <a:defRPr>
+          <a:solidFill>
+            <a:schemeClr val="tx2"/>
+          </a:solidFill>
+        </a:defRPr>
+      </a:lvl3pPr>
+      <a:lvl4pPr eaLnBrk="1" hangingPunct="1">
+        <a:defRPr>
+          <a:solidFill>
+            <a:schemeClr val="tx2"/>
+          </a:solidFill>
+        </a:defRPr>
+      </a:lvl4pPr>
+      <a:lvl5pPr eaLnBrk="1" hangingPunct="1">
+        <a:defRPr>
+          <a:solidFill>
+            <a:schemeClr val="tx2"/>
+          </a:solidFill>
+        </a:defRPr>
+      </a:lvl5pPr>
+      <a:lvl6pPr eaLnBrk="1" hangingPunct="1">
+        <a:defRPr>
+          <a:solidFill>
+            <a:schemeClr val="tx2"/>
+          </a:solidFill>
+        </a:defRPr>
+      </a:lvl6pPr>
+      <a:lvl7pPr eaLnBrk="1" hangingPunct="1">
+        <a:defRPr>
+          <a:solidFill>
+            <a:schemeClr val="tx2"/>
+          </a:solidFill>
+        </a:defRPr>
+      </a:lvl7pPr>
+      <a:lvl8pPr eaLnBrk="1" hangingPunct="1">
+        <a:defRPr>
+          <a:solidFill>
+            <a:schemeClr val="tx2"/>
+          </a:solidFill>
+        </a:defRPr>
+      </a:lvl8pPr>
+      <a:lvl9pPr eaLnBrk="1" hangingPunct="1">
+        <a:defRPr>
+          <a:solidFill>
+            <a:schemeClr val="tx2"/>
+          </a:solidFill>
+        </a:defRPr>
+      </a:lvl9pPr>
     </p:titleStyle>
     <p:bodyStyle>
-      <a:lvl1pPr marL="228600" indent="-228600" algn="l" defTabSz="914400" rtl="0" eaLnBrk="1" latinLnBrk="0" hangingPunct="1">
-        <a:lnSpc>
-          <a:spcPct val="90000"/>
-        </a:lnSpc>
+      <a:lvl1pPr marL="342900" indent="-342900" algn="l" defTabSz="457200" rtl="0" eaLnBrk="1" latinLnBrk="0" hangingPunct="1">
         <a:spcBef>
           <a:spcPts val="1000"/>
         </a:spcBef>
-        <a:buFont typeface="Arial" panose="020B0604020202020204" pitchFamily="34" charset="0"/>
-        <a:buChar char="•"/>
-        <a:defRPr sz="2800" kern="1200">
+        <a:spcAft>
+          <a:spcPts val="0"/>
+        </a:spcAft>
+        <a:buClr>
+          <a:schemeClr val="accent1"/>
+        </a:buClr>
+        <a:buSzPct val="80000"/>
+        <a:buFont typeface="Wingdings 3" charset="2"/>
+        <a:buChar char=""/>
+        <a:defRPr sz="1800" kern="1200">
+          <a:solidFill>
+            <a:schemeClr val="tx1">
+              <a:lumMod val="75000"/>
+              <a:lumOff val="25000"/>
+            </a:schemeClr>
+          </a:solidFill>
+          <a:latin typeface="+mn-lt"/>
+          <a:ea typeface="+mn-ea"/>
+          <a:cs typeface="+mn-cs"/>
+        </a:defRPr>
+      </a:lvl1pPr>
+      <a:lvl2pPr marL="742950" indent="-285750" algn="l" defTabSz="457200" rtl="0" eaLnBrk="1" latinLnBrk="0" hangingPunct="1">
+        <a:spcBef>
+          <a:spcPts val="1000"/>
+        </a:spcBef>
+        <a:spcAft>
+          <a:spcPts val="0"/>
+        </a:spcAft>
+        <a:buClr>
+          <a:schemeClr val="accent1"/>
+        </a:buClr>
+        <a:buSzPct val="80000"/>
+        <a:buFont typeface="Wingdings 3" charset="2"/>
+        <a:buChar char=""/>
+        <a:defRPr sz="1600" kern="1200">
+          <a:solidFill>
+            <a:schemeClr val="tx1">
+              <a:lumMod val="75000"/>
+              <a:lumOff val="25000"/>
+            </a:schemeClr>
+          </a:solidFill>
+          <a:latin typeface="+mn-lt"/>
+          <a:ea typeface="+mn-ea"/>
+          <a:cs typeface="+mn-cs"/>
+        </a:defRPr>
+      </a:lvl2pPr>
+      <a:lvl3pPr marL="1143000" indent="-228600" algn="l" defTabSz="457200" rtl="0" eaLnBrk="1" latinLnBrk="0" hangingPunct="1">
+        <a:spcBef>
+          <a:spcPts val="1000"/>
+        </a:spcBef>
+        <a:spcAft>
+          <a:spcPts val="0"/>
+        </a:spcAft>
+        <a:buClr>
+          <a:schemeClr val="accent1"/>
+        </a:buClr>
+        <a:buSzPct val="80000"/>
+        <a:buFont typeface="Wingdings 3" charset="2"/>
+        <a:buChar char=""/>
+        <a:defRPr sz="1400" kern="1200">
+          <a:solidFill>
+            <a:schemeClr val="tx1">
+              <a:lumMod val="75000"/>
+              <a:lumOff val="25000"/>
+            </a:schemeClr>
+          </a:solidFill>
+          <a:latin typeface="+mn-lt"/>
+          <a:ea typeface="+mn-ea"/>
+          <a:cs typeface="+mn-cs"/>
+        </a:defRPr>
+      </a:lvl3pPr>
+      <a:lvl4pPr marL="1600200" indent="-228600" algn="l" defTabSz="457200" rtl="0" eaLnBrk="1" latinLnBrk="0" hangingPunct="1">
+        <a:spcBef>
+          <a:spcPts val="1000"/>
+        </a:spcBef>
+        <a:spcAft>
+          <a:spcPts val="0"/>
+        </a:spcAft>
+        <a:buClr>
+          <a:schemeClr val="accent1"/>
+        </a:buClr>
+        <a:buSzPct val="80000"/>
+        <a:buFont typeface="Wingdings 3" charset="2"/>
+        <a:buChar char=""/>
+        <a:defRPr sz="1200" kern="1200">
+          <a:solidFill>
+            <a:schemeClr val="tx1">
+              <a:lumMod val="75000"/>
+              <a:lumOff val="25000"/>
+            </a:schemeClr>
+          </a:solidFill>
+          <a:latin typeface="+mn-lt"/>
+          <a:ea typeface="+mn-ea"/>
+          <a:cs typeface="+mn-cs"/>
+        </a:defRPr>
+      </a:lvl4pPr>
+      <a:lvl5pPr marL="2057400" indent="-228600" algn="l" defTabSz="457200" rtl="0" eaLnBrk="1" latinLnBrk="0" hangingPunct="1">
+        <a:spcBef>
+          <a:spcPts val="1000"/>
+        </a:spcBef>
+        <a:spcAft>
+          <a:spcPts val="0"/>
+        </a:spcAft>
+        <a:buClr>
+          <a:schemeClr val="accent1"/>
+        </a:buClr>
+        <a:buSzPct val="80000"/>
+        <a:buFont typeface="Wingdings 3" charset="2"/>
+        <a:buChar char=""/>
+        <a:defRPr sz="1200" kern="1200">
+          <a:solidFill>
+            <a:schemeClr val="tx1">
+              <a:lumMod val="75000"/>
+              <a:lumOff val="25000"/>
+            </a:schemeClr>
+          </a:solidFill>
+          <a:latin typeface="+mn-lt"/>
+          <a:ea typeface="+mn-ea"/>
+          <a:cs typeface="+mn-cs"/>
+        </a:defRPr>
+      </a:lvl5pPr>
+      <a:lvl6pPr marL="2514600" indent="-228600" algn="l" defTabSz="457200" rtl="0" eaLnBrk="1" latinLnBrk="0" hangingPunct="1">
+        <a:spcBef>
+          <a:spcPts val="1000"/>
+        </a:spcBef>
+        <a:spcAft>
+          <a:spcPts val="0"/>
+        </a:spcAft>
+        <a:buClr>
+          <a:schemeClr val="accent1"/>
+        </a:buClr>
+        <a:buSzPct val="80000"/>
+        <a:buFont typeface="Wingdings 3" charset="2"/>
+        <a:buChar char=""/>
+        <a:defRPr sz="1200" kern="1200">
+          <a:solidFill>
+            <a:schemeClr val="tx1">
+              <a:lumMod val="75000"/>
+              <a:lumOff val="25000"/>
+            </a:schemeClr>
+          </a:solidFill>
+          <a:latin typeface="+mn-lt"/>
+          <a:ea typeface="+mn-ea"/>
+          <a:cs typeface="+mn-cs"/>
+        </a:defRPr>
+      </a:lvl6pPr>
+      <a:lvl7pPr marL="2971800" indent="-228600" algn="l" defTabSz="457200" rtl="0" eaLnBrk="1" latinLnBrk="0" hangingPunct="1">
+        <a:spcBef>
+          <a:spcPts val="1000"/>
+        </a:spcBef>
+        <a:spcAft>
+          <a:spcPts val="0"/>
+        </a:spcAft>
+        <a:buClr>
+          <a:schemeClr val="accent1"/>
+        </a:buClr>
+        <a:buSzPct val="80000"/>
+        <a:buFont typeface="Wingdings 3" charset="2"/>
+        <a:buChar char=""/>
+        <a:defRPr sz="1200" kern="1200">
+          <a:solidFill>
+            <a:schemeClr val="tx1">
+              <a:lumMod val="75000"/>
+              <a:lumOff val="25000"/>
+            </a:schemeClr>
+          </a:solidFill>
+          <a:latin typeface="+mn-lt"/>
+          <a:ea typeface="+mn-ea"/>
+          <a:cs typeface="+mn-cs"/>
+        </a:defRPr>
+      </a:lvl7pPr>
+      <a:lvl8pPr marL="3429000" indent="-228600" algn="l" defTabSz="457200" rtl="0" eaLnBrk="1" latinLnBrk="0" hangingPunct="1">
+        <a:spcBef>
+          <a:spcPts val="1000"/>
+        </a:spcBef>
+        <a:spcAft>
+          <a:spcPts val="0"/>
+        </a:spcAft>
+        <a:buClr>
+          <a:schemeClr val="accent1"/>
+        </a:buClr>
+        <a:buSzPct val="80000"/>
+        <a:buFont typeface="Wingdings 3" charset="2"/>
+        <a:buChar char=""/>
+        <a:defRPr sz="1200" kern="1200">
+          <a:solidFill>
+            <a:schemeClr val="tx1">
+              <a:lumMod val="75000"/>
+              <a:lumOff val="25000"/>
+            </a:schemeClr>
+          </a:solidFill>
+          <a:latin typeface="+mn-lt"/>
+          <a:ea typeface="+mn-ea"/>
+          <a:cs typeface="+mn-cs"/>
+        </a:defRPr>
+      </a:lvl8pPr>
+      <a:lvl9pPr marL="3886200" indent="-228600" algn="l" defTabSz="457200" rtl="0" eaLnBrk="1" latinLnBrk="0" hangingPunct="1">
+        <a:spcBef>
+          <a:spcPts val="1000"/>
+        </a:spcBef>
+        <a:spcAft>
+          <a:spcPts val="0"/>
+        </a:spcAft>
+        <a:buClr>
+          <a:schemeClr val="accent1"/>
+        </a:buClr>
+        <a:buSzPct val="80000"/>
+        <a:buFont typeface="Wingdings 3" charset="2"/>
+        <a:buChar char=""/>
+        <a:defRPr sz="1200" kern="1200">
+          <a:solidFill>
+            <a:schemeClr val="tx1">
+              <a:lumMod val="75000"/>
+              <a:lumOff val="25000"/>
+            </a:schemeClr>
+          </a:solidFill>
+          <a:latin typeface="+mn-lt"/>
+          <a:ea typeface="+mn-ea"/>
+          <a:cs typeface="+mn-cs"/>
+        </a:defRPr>
+      </a:lvl9pPr>
+    </p:bodyStyle>
+    <p:otherStyle>
+      <a:defPPr>
+        <a:defRPr lang="en-US"/>
+      </a:defPPr>
+      <a:lvl1pPr marL="0" algn="l" defTabSz="457200" rtl="0" eaLnBrk="1" latinLnBrk="0" hangingPunct="1">
+        <a:defRPr sz="1800" kern="1200">
           <a:solidFill>
             <a:schemeClr val="tx1"/>
           </a:solidFill>
@@ -3715,16 +6340,8 @@
           <a:cs typeface="+mn-cs"/>
         </a:defRPr>
       </a:lvl1pPr>
-      <a:lvl2pPr marL="685800" indent="-228600" algn="l" defTabSz="914400" rtl="0" eaLnBrk="1" latinLnBrk="0" hangingPunct="1">
-        <a:lnSpc>
-          <a:spcPct val="90000"/>
-        </a:lnSpc>
-        <a:spcBef>
-          <a:spcPts val="500"/>
-        </a:spcBef>
-        <a:buFont typeface="Arial" panose="020B0604020202020204" pitchFamily="34" charset="0"/>
-        <a:buChar char="•"/>
-        <a:defRPr sz="2400" kern="1200">
+      <a:lvl2pPr marL="457200" algn="l" defTabSz="457200" rtl="0" eaLnBrk="1" latinLnBrk="0" hangingPunct="1">
+        <a:defRPr sz="1800" kern="1200">
           <a:solidFill>
             <a:schemeClr val="tx1"/>
           </a:solidFill>
@@ -3733,16 +6350,8 @@
           <a:cs typeface="+mn-cs"/>
         </a:defRPr>
       </a:lvl2pPr>
-      <a:lvl3pPr marL="1143000" indent="-228600" algn="l" defTabSz="914400" rtl="0" eaLnBrk="1" latinLnBrk="0" hangingPunct="1">
-        <a:lnSpc>
-          <a:spcPct val="90000"/>
-        </a:lnSpc>
-        <a:spcBef>
-          <a:spcPts val="500"/>
-        </a:spcBef>
-        <a:buFont typeface="Arial" panose="020B0604020202020204" pitchFamily="34" charset="0"/>
-        <a:buChar char="•"/>
-        <a:defRPr sz="2000" kern="1200">
+      <a:lvl3pPr marL="914400" algn="l" defTabSz="457200" rtl="0" eaLnBrk="1" latinLnBrk="0" hangingPunct="1">
+        <a:defRPr sz="1800" kern="1200">
           <a:solidFill>
             <a:schemeClr val="tx1"/>
           </a:solidFill>
@@ -3751,15 +6360,7 @@
           <a:cs typeface="+mn-cs"/>
         </a:defRPr>
       </a:lvl3pPr>
-      <a:lvl4pPr marL="1600200" indent="-228600" algn="l" defTabSz="914400" rtl="0" eaLnBrk="1" latinLnBrk="0" hangingPunct="1">
-        <a:lnSpc>
-          <a:spcPct val="90000"/>
-        </a:lnSpc>
-        <a:spcBef>
-          <a:spcPts val="500"/>
-        </a:spcBef>
-        <a:buFont typeface="Arial" panose="020B0604020202020204" pitchFamily="34" charset="0"/>
-        <a:buChar char="•"/>
+      <a:lvl4pPr marL="1371600" algn="l" defTabSz="457200" rtl="0" eaLnBrk="1" latinLnBrk="0" hangingPunct="1">
         <a:defRPr sz="1800" kern="1200">
           <a:solidFill>
             <a:schemeClr val="tx1"/>
@@ -3769,15 +6370,7 @@
           <a:cs typeface="+mn-cs"/>
         </a:defRPr>
       </a:lvl4pPr>
-      <a:lvl5pPr marL="2057400" indent="-228600" algn="l" defTabSz="914400" rtl="0" eaLnBrk="1" latinLnBrk="0" hangingPunct="1">
-        <a:lnSpc>
-          <a:spcPct val="90000"/>
-        </a:lnSpc>
-        <a:spcBef>
-          <a:spcPts val="500"/>
-        </a:spcBef>
-        <a:buFont typeface="Arial" panose="020B0604020202020204" pitchFamily="34" charset="0"/>
-        <a:buChar char="•"/>
+      <a:lvl5pPr marL="1828800" algn="l" defTabSz="457200" rtl="0" eaLnBrk="1" latinLnBrk="0" hangingPunct="1">
         <a:defRPr sz="1800" kern="1200">
           <a:solidFill>
             <a:schemeClr val="tx1"/>
@@ -3787,15 +6380,7 @@
           <a:cs typeface="+mn-cs"/>
         </a:defRPr>
       </a:lvl5pPr>
-      <a:lvl6pPr marL="2514600" indent="-228600" algn="l" defTabSz="914400" rtl="0" eaLnBrk="1" latinLnBrk="0" hangingPunct="1">
-        <a:lnSpc>
-          <a:spcPct val="90000"/>
-        </a:lnSpc>
-        <a:spcBef>
-          <a:spcPts val="500"/>
-        </a:spcBef>
-        <a:buFont typeface="Arial" panose="020B0604020202020204" pitchFamily="34" charset="0"/>
-        <a:buChar char="•"/>
+      <a:lvl6pPr marL="2286000" algn="l" defTabSz="457200" rtl="0" eaLnBrk="1" latinLnBrk="0" hangingPunct="1">
         <a:defRPr sz="1800" kern="1200">
           <a:solidFill>
             <a:schemeClr val="tx1"/>
@@ -3805,15 +6390,7 @@
           <a:cs typeface="+mn-cs"/>
         </a:defRPr>
       </a:lvl6pPr>
-      <a:lvl7pPr marL="2971800" indent="-228600" algn="l" defTabSz="914400" rtl="0" eaLnBrk="1" latinLnBrk="0" hangingPunct="1">
-        <a:lnSpc>
-          <a:spcPct val="90000"/>
-        </a:lnSpc>
-        <a:spcBef>
-          <a:spcPts val="500"/>
-        </a:spcBef>
-        <a:buFont typeface="Arial" panose="020B0604020202020204" pitchFamily="34" charset="0"/>
-        <a:buChar char="•"/>
+      <a:lvl7pPr marL="2743200" algn="l" defTabSz="457200" rtl="0" eaLnBrk="1" latinLnBrk="0" hangingPunct="1">
         <a:defRPr sz="1800" kern="1200">
           <a:solidFill>
             <a:schemeClr val="tx1"/>
@@ -3823,15 +6400,7 @@
           <a:cs typeface="+mn-cs"/>
         </a:defRPr>
       </a:lvl7pPr>
-      <a:lvl8pPr marL="3429000" indent="-228600" algn="l" defTabSz="914400" rtl="0" eaLnBrk="1" latinLnBrk="0" hangingPunct="1">
-        <a:lnSpc>
-          <a:spcPct val="90000"/>
-        </a:lnSpc>
-        <a:spcBef>
-          <a:spcPts val="500"/>
-        </a:spcBef>
-        <a:buFont typeface="Arial" panose="020B0604020202020204" pitchFamily="34" charset="0"/>
-        <a:buChar char="•"/>
+      <a:lvl8pPr marL="3200400" algn="l" defTabSz="457200" rtl="0" eaLnBrk="1" latinLnBrk="0" hangingPunct="1">
         <a:defRPr sz="1800" kern="1200">
           <a:solidFill>
             <a:schemeClr val="tx1"/>
@@ -3841,110 +6410,7 @@
           <a:cs typeface="+mn-cs"/>
         </a:defRPr>
       </a:lvl8pPr>
-      <a:lvl9pPr marL="3886200" indent="-228600" algn="l" defTabSz="914400" rtl="0" eaLnBrk="1" latinLnBrk="0" hangingPunct="1">
-        <a:lnSpc>
-          <a:spcPct val="90000"/>
-        </a:lnSpc>
-        <a:spcBef>
-          <a:spcPts val="500"/>
-        </a:spcBef>
-        <a:buFont typeface="Arial" panose="020B0604020202020204" pitchFamily="34" charset="0"/>
-        <a:buChar char="•"/>
-        <a:defRPr sz="1800" kern="1200">
-          <a:solidFill>
-            <a:schemeClr val="tx1"/>
-          </a:solidFill>
-          <a:latin typeface="+mn-lt"/>
-          <a:ea typeface="+mn-ea"/>
-          <a:cs typeface="+mn-cs"/>
-        </a:defRPr>
-      </a:lvl9pPr>
-    </p:bodyStyle>
-    <p:otherStyle>
-      <a:defPPr>
-        <a:defRPr lang="nl-BE"/>
-      </a:defPPr>
-      <a:lvl1pPr marL="0" algn="l" defTabSz="914400" rtl="0" eaLnBrk="1" latinLnBrk="0" hangingPunct="1">
-        <a:defRPr sz="1800" kern="1200">
-          <a:solidFill>
-            <a:schemeClr val="tx1"/>
-          </a:solidFill>
-          <a:latin typeface="+mn-lt"/>
-          <a:ea typeface="+mn-ea"/>
-          <a:cs typeface="+mn-cs"/>
-        </a:defRPr>
-      </a:lvl1pPr>
-      <a:lvl2pPr marL="457200" algn="l" defTabSz="914400" rtl="0" eaLnBrk="1" latinLnBrk="0" hangingPunct="1">
-        <a:defRPr sz="1800" kern="1200">
-          <a:solidFill>
-            <a:schemeClr val="tx1"/>
-          </a:solidFill>
-          <a:latin typeface="+mn-lt"/>
-          <a:ea typeface="+mn-ea"/>
-          <a:cs typeface="+mn-cs"/>
-        </a:defRPr>
-      </a:lvl2pPr>
-      <a:lvl3pPr marL="914400" algn="l" defTabSz="914400" rtl="0" eaLnBrk="1" latinLnBrk="0" hangingPunct="1">
-        <a:defRPr sz="1800" kern="1200">
-          <a:solidFill>
-            <a:schemeClr val="tx1"/>
-          </a:solidFill>
-          <a:latin typeface="+mn-lt"/>
-          <a:ea typeface="+mn-ea"/>
-          <a:cs typeface="+mn-cs"/>
-        </a:defRPr>
-      </a:lvl3pPr>
-      <a:lvl4pPr marL="1371600" algn="l" defTabSz="914400" rtl="0" eaLnBrk="1" latinLnBrk="0" hangingPunct="1">
-        <a:defRPr sz="1800" kern="1200">
-          <a:solidFill>
-            <a:schemeClr val="tx1"/>
-          </a:solidFill>
-          <a:latin typeface="+mn-lt"/>
-          <a:ea typeface="+mn-ea"/>
-          <a:cs typeface="+mn-cs"/>
-        </a:defRPr>
-      </a:lvl4pPr>
-      <a:lvl5pPr marL="1828800" algn="l" defTabSz="914400" rtl="0" eaLnBrk="1" latinLnBrk="0" hangingPunct="1">
-        <a:defRPr sz="1800" kern="1200">
-          <a:solidFill>
-            <a:schemeClr val="tx1"/>
-          </a:solidFill>
-          <a:latin typeface="+mn-lt"/>
-          <a:ea typeface="+mn-ea"/>
-          <a:cs typeface="+mn-cs"/>
-        </a:defRPr>
-      </a:lvl5pPr>
-      <a:lvl6pPr marL="2286000" algn="l" defTabSz="914400" rtl="0" eaLnBrk="1" latinLnBrk="0" hangingPunct="1">
-        <a:defRPr sz="1800" kern="1200">
-          <a:solidFill>
-            <a:schemeClr val="tx1"/>
-          </a:solidFill>
-          <a:latin typeface="+mn-lt"/>
-          <a:ea typeface="+mn-ea"/>
-          <a:cs typeface="+mn-cs"/>
-        </a:defRPr>
-      </a:lvl6pPr>
-      <a:lvl7pPr marL="2743200" algn="l" defTabSz="914400" rtl="0" eaLnBrk="1" latinLnBrk="0" hangingPunct="1">
-        <a:defRPr sz="1800" kern="1200">
-          <a:solidFill>
-            <a:schemeClr val="tx1"/>
-          </a:solidFill>
-          <a:latin typeface="+mn-lt"/>
-          <a:ea typeface="+mn-ea"/>
-          <a:cs typeface="+mn-cs"/>
-        </a:defRPr>
-      </a:lvl7pPr>
-      <a:lvl8pPr marL="3200400" algn="l" defTabSz="914400" rtl="0" eaLnBrk="1" latinLnBrk="0" hangingPunct="1">
-        <a:defRPr sz="1800" kern="1200">
-          <a:solidFill>
-            <a:schemeClr val="tx1"/>
-          </a:solidFill>
-          <a:latin typeface="+mn-lt"/>
-          <a:ea typeface="+mn-ea"/>
-          <a:cs typeface="+mn-cs"/>
-        </a:defRPr>
-      </a:lvl8pPr>
-      <a:lvl9pPr marL="3657600" algn="l" defTabSz="914400" rtl="0" eaLnBrk="1" latinLnBrk="0" hangingPunct="1">
+      <a:lvl9pPr marL="3657600" algn="l" defTabSz="457200" rtl="0" eaLnBrk="1" latinLnBrk="0" hangingPunct="1">
         <a:defRPr sz="1800" kern="1200">
           <a:solidFill>
             <a:schemeClr val="tx1"/>
@@ -3962,6 +6428,14 @@
 <file path=ppt/slides/slide1.xml><?xml version="1.0" encoding="utf-8"?>
 <p:sld xmlns:a="http://schemas.openxmlformats.org/drawingml/2006/main" xmlns:r="http://schemas.openxmlformats.org/officeDocument/2006/relationships" xmlns:p="http://schemas.openxmlformats.org/presentationml/2006/main">
   <p:cSld>
+    <p:bg>
+      <p:bgPr>
+        <a:solidFill>
+          <a:schemeClr val="bg2"/>
+        </a:solidFill>
+        <a:effectLst/>
+      </p:bgPr>
+    </p:bg>
     <p:spTree>
       <p:nvGrpSpPr>
         <p:cNvPr id="1" name=""/>
@@ -3976,6 +6450,103 @@
           <a:chExt cx="0" cy="0"/>
         </a:xfrm>
       </p:grpSpPr>
+      <p:pic>
+        <p:nvPicPr>
+          <p:cNvPr id="6" name="Picture 5">
+            <a:extLst>
+              <a:ext uri="{FF2B5EF4-FFF2-40B4-BE49-F238E27FC236}">
+                <a16:creationId xmlns:a16="http://schemas.microsoft.com/office/drawing/2014/main" id="{A42577F5-F8B2-478E-A7EF-BD92B6211A1D}"/>
+              </a:ext>
+            </a:extLst>
+          </p:cNvPr>
+          <p:cNvPicPr>
+            <a:picLocks noChangeAspect="1"/>
+          </p:cNvPicPr>
+          <p:nvPr/>
+        </p:nvPicPr>
+        <p:blipFill rotWithShape="1">
+          <a:blip r:embed="rId2"/>
+          <a:srcRect r="1" b="4643"/>
+          <a:stretch/>
+        </p:blipFill>
+        <p:spPr>
+          <a:xfrm>
+            <a:off x="4384227" y="1"/>
+            <a:ext cx="4831627" cy="4520011"/>
+          </a:xfrm>
+          <a:custGeom>
+            <a:avLst/>
+            <a:gdLst/>
+            <a:ahLst/>
+            <a:cxnLst/>
+            <a:rect l="l" t="t" r="r" b="b"/>
+            <a:pathLst>
+              <a:path w="4831627" h="4520011">
+                <a:moveTo>
+                  <a:pt x="0" y="0"/>
+                </a:moveTo>
+                <a:lnTo>
+                  <a:pt x="4831627" y="0"/>
+                </a:lnTo>
+                <a:lnTo>
+                  <a:pt x="1416677" y="4520011"/>
+                </a:lnTo>
+                <a:close/>
+              </a:path>
+            </a:pathLst>
+          </a:custGeom>
+        </p:spPr>
+      </p:pic>
+      <p:pic>
+        <p:nvPicPr>
+          <p:cNvPr id="4" name="Picture 3" descr="Graphical user interface&#10;&#10;Description automatically generated">
+            <a:extLst>
+              <a:ext uri="{FF2B5EF4-FFF2-40B4-BE49-F238E27FC236}">
+                <a16:creationId xmlns:a16="http://schemas.microsoft.com/office/drawing/2014/main" id="{898D098D-DA05-4738-8DD5-8630471261FD}"/>
+              </a:ext>
+            </a:extLst>
+          </p:cNvPr>
+          <p:cNvPicPr>
+            <a:picLocks noChangeAspect="1"/>
+          </p:cNvPicPr>
+          <p:nvPr/>
+        </p:nvPicPr>
+        <p:blipFill rotWithShape="1">
+          <a:blip r:embed="rId3"/>
+          <a:srcRect l="31031" r="36924"/>
+          <a:stretch/>
+        </p:blipFill>
+        <p:spPr>
+          <a:xfrm>
+            <a:off x="4041994" y="10"/>
+            <a:ext cx="8139373" cy="6857990"/>
+          </a:xfrm>
+          <a:custGeom>
+            <a:avLst/>
+            <a:gdLst/>
+            <a:ahLst/>
+            <a:cxnLst/>
+            <a:rect l="l" t="t" r="r" b="b"/>
+            <a:pathLst>
+              <a:path w="8139373" h="6858000">
+                <a:moveTo>
+                  <a:pt x="5181344" y="0"/>
+                </a:moveTo>
+                <a:lnTo>
+                  <a:pt x="8139373" y="0"/>
+                </a:lnTo>
+                <a:lnTo>
+                  <a:pt x="8139373" y="6858000"/>
+                </a:lnTo>
+                <a:lnTo>
+                  <a:pt x="0" y="6858000"/>
+                </a:lnTo>
+                <a:close/>
+              </a:path>
+            </a:pathLst>
+          </a:custGeom>
+        </p:spPr>
+      </p:pic>
       <p:sp>
         <p:nvSpPr>
           <p:cNvPr id="2" name="Title 1">
@@ -3992,20 +6563,23 @@
             <p:ph type="ctrTitle"/>
           </p:nvPr>
         </p:nvSpPr>
-        <p:spPr/>
-        <p:txBody>
-          <a:bodyPr/>
-          <a:lstStyle/>
-          <a:p>
-            <a:r>
-              <a:rPr lang="en-US" dirty="0" err="1"/>
-              <a:t>Tetrimination</a:t>
-            </a:r>
-            <a:r>
-              <a:rPr lang="en-US" dirty="0"/>
-              <a:t> Pitch</a:t>
-            </a:r>
-            <a:endParaRPr lang="nl-BE" dirty="0"/>
+        <p:spPr>
+          <a:xfrm>
+            <a:off x="677335" y="2404534"/>
+            <a:ext cx="4015442" cy="1646302"/>
+          </a:xfrm>
+        </p:spPr>
+        <p:txBody>
+          <a:bodyPr>
+            <a:normAutofit/>
+          </a:bodyPr>
+          <a:lstStyle/>
+          <a:p>
+            <a:r>
+              <a:rPr lang="en-US" sz="4800"/>
+              <a:t>Tetrimination Pitch</a:t>
+            </a:r>
+            <a:endParaRPr lang="nl-BE" sz="4800" dirty="0"/>
           </a:p>
         </p:txBody>
       </p:sp>
@@ -4025,12 +6599,19 @@
             <p:ph type="subTitle" idx="1"/>
           </p:nvPr>
         </p:nvSpPr>
-        <p:spPr/>
-        <p:txBody>
-          <a:bodyPr/>
-          <a:lstStyle/>
-          <a:p>
-            <a:endParaRPr lang="nl-BE"/>
+        <p:spPr>
+          <a:xfrm>
+            <a:off x="677335" y="4050833"/>
+            <a:ext cx="4015442" cy="1096899"/>
+          </a:xfrm>
+        </p:spPr>
+        <p:txBody>
+          <a:bodyPr>
+            <a:normAutofit/>
+          </a:bodyPr>
+          <a:lstStyle/>
+          <a:p>
+            <a:endParaRPr lang="nl-BE" sz="1600" dirty="0"/>
           </a:p>
         </p:txBody>
       </p:sp>
@@ -5212,9 +7793,9 @@
 </file>
 
 <file path=ppt/theme/theme1.xml><?xml version="1.0" encoding="utf-8"?>
-<a:theme xmlns:a="http://schemas.openxmlformats.org/drawingml/2006/main" name="Office Theme">
+<a:theme xmlns:a="http://schemas.openxmlformats.org/drawingml/2006/main" name="Facet">
   <a:themeElements>
-    <a:clrScheme name="Office">
+    <a:clrScheme name="Red">
       <a:dk1>
         <a:sysClr val="windowText" lastClr="000000"/>
       </a:dk1>
@@ -5222,52 +7803,52 @@
         <a:sysClr val="window" lastClr="FFFFFF"/>
       </a:lt1>
       <a:dk2>
-        <a:srgbClr val="44546A"/>
+        <a:srgbClr val="323232"/>
       </a:dk2>
       <a:lt2>
-        <a:srgbClr val="E7E6E6"/>
+        <a:srgbClr val="E5C243"/>
       </a:lt2>
       <a:accent1>
-        <a:srgbClr val="4472C4"/>
+        <a:srgbClr val="A5300F"/>
       </a:accent1>
       <a:accent2>
-        <a:srgbClr val="ED7D31"/>
+        <a:srgbClr val="D55816"/>
       </a:accent2>
       <a:accent3>
-        <a:srgbClr val="A5A5A5"/>
+        <a:srgbClr val="E19825"/>
       </a:accent3>
       <a:accent4>
-        <a:srgbClr val="FFC000"/>
+        <a:srgbClr val="B19C7D"/>
       </a:accent4>
       <a:accent5>
-        <a:srgbClr val="5B9BD5"/>
+        <a:srgbClr val="7F5F52"/>
       </a:accent5>
       <a:accent6>
-        <a:srgbClr val="70AD47"/>
+        <a:srgbClr val="B27D49"/>
       </a:accent6>
       <a:hlink>
-        <a:srgbClr val="0563C1"/>
+        <a:srgbClr val="6B9F25"/>
       </a:hlink>
       <a:folHlink>
-        <a:srgbClr val="954F72"/>
+        <a:srgbClr val="B26B02"/>
       </a:folHlink>
     </a:clrScheme>
-    <a:fontScheme name="Office">
+    <a:fontScheme name="Facet">
       <a:majorFont>
-        <a:latin typeface="Calibri Light" panose="020F0302020204030204"/>
+        <a:latin typeface="Trebuchet MS" panose="020B0603020202020204"/>
         <a:ea typeface=""/>
         <a:cs typeface=""/>
-        <a:font script="Jpan" typeface="游ゴシック Light"/>
+        <a:font script="Jpan" typeface="メイリオ"/>
         <a:font script="Hang" typeface="맑은 고딕"/>
-        <a:font script="Hans" typeface="等线 Light"/>
-        <a:font script="Hant" typeface="新細明體"/>
-        <a:font script="Arab" typeface="Times New Roman"/>
-        <a:font script="Hebr" typeface="Times New Roman"/>
-        <a:font script="Thai" typeface="Angsana New"/>
+        <a:font script="Hans" typeface="方正姚体"/>
+        <a:font script="Hant" typeface="微軟正黑體"/>
+        <a:font script="Arab" typeface="Tahoma"/>
+        <a:font script="Hebr" typeface="Arial"/>
+        <a:font script="Thai" typeface="Cordia New"/>
         <a:font script="Ethi" typeface="Nyala"/>
         <a:font script="Beng" typeface="Vrinda"/>
         <a:font script="Gujr" typeface="Shruti"/>
-        <a:font script="Khmr" typeface="MoolBoran"/>
+        <a:font script="Khmr" typeface="DaunPenh"/>
         <a:font script="Knda" typeface="Tunga"/>
         <a:font script="Guru" typeface="Raavi"/>
         <a:font script="Cans" typeface="Euphemia"/>
@@ -5284,38 +7865,21 @@
         <a:font script="Laoo" typeface="DokChampa"/>
         <a:font script="Sinh" typeface="Iskoola Pota"/>
         <a:font script="Mong" typeface="Mongolian Baiti"/>
-        <a:font script="Viet" typeface="Times New Roman"/>
+        <a:font script="Viet" typeface="Tahoma"/>
         <a:font script="Uigh" typeface="Microsoft Uighur"/>
         <a:font script="Geor" typeface="Sylfaen"/>
-        <a:font script="Armn" typeface="Arial"/>
-        <a:font script="Bugi" typeface="Leelawadee UI"/>
-        <a:font script="Bopo" typeface="Microsoft JhengHei"/>
-        <a:font script="Java" typeface="Javanese Text"/>
-        <a:font script="Lisu" typeface="Segoe UI"/>
-        <a:font script="Mymr" typeface="Myanmar Text"/>
-        <a:font script="Nkoo" typeface="Ebrima"/>
-        <a:font script="Olck" typeface="Nirmala UI"/>
-        <a:font script="Osma" typeface="Ebrima"/>
-        <a:font script="Phag" typeface="Phagspa"/>
-        <a:font script="Syrn" typeface="Estrangelo Edessa"/>
-        <a:font script="Syrj" typeface="Estrangelo Edessa"/>
-        <a:font script="Syre" typeface="Estrangelo Edessa"/>
-        <a:font script="Sora" typeface="Nirmala UI"/>
-        <a:font script="Tale" typeface="Microsoft Tai Le"/>
-        <a:font script="Talu" typeface="Microsoft New Tai Lue"/>
-        <a:font script="Tfng" typeface="Ebrima"/>
       </a:majorFont>
       <a:minorFont>
-        <a:latin typeface="Calibri" panose="020F0502020204030204"/>
+        <a:latin typeface="Trebuchet MS" panose="020B0603020202020204"/>
         <a:ea typeface=""/>
         <a:cs typeface=""/>
-        <a:font script="Jpan" typeface="游ゴシック"/>
-        <a:font script="Hang" typeface="맑은 고딕"/>
-        <a:font script="Hans" typeface="等线"/>
-        <a:font script="Hant" typeface="新細明體"/>
-        <a:font script="Arab" typeface="Arial"/>
-        <a:font script="Hebr" typeface="Arial"/>
-        <a:font script="Thai" typeface="Cordia New"/>
+        <a:font script="Jpan" typeface="メイリオ"/>
+        <a:font script="Hang" typeface="HY그래픽M"/>
+        <a:font script="Hans" typeface="华文新魏"/>
+        <a:font script="Hant" typeface="微軟正黑體"/>
+        <a:font script="Arab" typeface="Tahoma"/>
+        <a:font script="Hebr" typeface="Gisha"/>
+        <a:font script="Thai" typeface="IrisUPC"/>
         <a:font script="Ethi" typeface="Nyala"/>
         <a:font script="Beng" typeface="Vrinda"/>
         <a:font script="Gujr" typeface="Shruti"/>
@@ -5339,26 +7903,9 @@
         <a:font script="Viet" typeface="Arial"/>
         <a:font script="Uigh" typeface="Microsoft Uighur"/>
         <a:font script="Geor" typeface="Sylfaen"/>
-        <a:font script="Armn" typeface="Arial"/>
-        <a:font script="Bugi" typeface="Leelawadee UI"/>
-        <a:font script="Bopo" typeface="Microsoft JhengHei"/>
-        <a:font script="Java" typeface="Javanese Text"/>
-        <a:font script="Lisu" typeface="Segoe UI"/>
-        <a:font script="Mymr" typeface="Myanmar Text"/>
-        <a:font script="Nkoo" typeface="Ebrima"/>
-        <a:font script="Olck" typeface="Nirmala UI"/>
-        <a:font script="Osma" typeface="Ebrima"/>
-        <a:font script="Phag" typeface="Phagspa"/>
-        <a:font script="Syrn" typeface="Estrangelo Edessa"/>
-        <a:font script="Syrj" typeface="Estrangelo Edessa"/>
-        <a:font script="Syre" typeface="Estrangelo Edessa"/>
-        <a:font script="Sora" typeface="Nirmala UI"/>
-        <a:font script="Tale" typeface="Microsoft Tai Le"/>
-        <a:font script="Talu" typeface="Microsoft New Tai Lue"/>
-        <a:font script="Tfng" typeface="Ebrima"/>
       </a:minorFont>
     </a:fontScheme>
-    <a:fmtScheme name="Office">
+    <a:fmtScheme name="Facet">
       <a:fillStyleLst>
         <a:solidFill>
           <a:schemeClr val="phClr"/>
@@ -5367,23 +7914,13 @@
           <a:gsLst>
             <a:gs pos="0">
               <a:schemeClr val="phClr">
+                <a:tint val="65000"/>
                 <a:lumMod val="110000"/>
-                <a:satMod val="105000"/>
-                <a:tint val="67000"/>
               </a:schemeClr>
             </a:gs>
-            <a:gs pos="50000">
+            <a:gs pos="88000">
               <a:schemeClr val="phClr">
-                <a:lumMod val="105000"/>
-                <a:satMod val="103000"/>
-                <a:tint val="73000"/>
-              </a:schemeClr>
-            </a:gs>
-            <a:gs pos="100000">
-              <a:schemeClr val="phClr">
-                <a:lumMod val="105000"/>
-                <a:satMod val="109000"/>
-                <a:tint val="81000"/>
+                <a:tint val="90000"/>
               </a:schemeClr>
             </a:gs>
           </a:gsLst>
@@ -5393,23 +7930,14 @@
           <a:gsLst>
             <a:gs pos="0">
               <a:schemeClr val="phClr">
-                <a:satMod val="103000"/>
-                <a:lumMod val="102000"/>
-                <a:tint val="94000"/>
+                <a:tint val="96000"/>
+                <a:lumMod val="100000"/>
               </a:schemeClr>
             </a:gs>
-            <a:gs pos="50000">
+            <a:gs pos="78000">
               <a:schemeClr val="phClr">
-                <a:satMod val="110000"/>
-                <a:lumMod val="100000"/>
-                <a:shade val="100000"/>
-              </a:schemeClr>
-            </a:gs>
-            <a:gs pos="100000">
-              <a:schemeClr val="phClr">
-                <a:lumMod val="99000"/>
-                <a:satMod val="120000"/>
-                <a:shade val="78000"/>
+                <a:shade val="94000"/>
+                <a:lumMod val="94000"/>
               </a:schemeClr>
             </a:gs>
           </a:gsLst>
@@ -5417,26 +7945,23 @@
         </a:gradFill>
       </a:fillStyleLst>
       <a:lnStyleLst>
-        <a:ln w="6350" cap="flat" cmpd="sng" algn="ctr">
+        <a:ln w="12700" cap="rnd" cmpd="sng" algn="ctr">
           <a:solidFill>
             <a:schemeClr val="phClr"/>
           </a:solidFill>
           <a:prstDash val="solid"/>
-          <a:miter lim="800000"/>
         </a:ln>
-        <a:ln w="12700" cap="flat" cmpd="sng" algn="ctr">
+        <a:ln w="19050" cap="rnd" cmpd="sng" algn="ctr">
           <a:solidFill>
             <a:schemeClr val="phClr"/>
           </a:solidFill>
           <a:prstDash val="solid"/>
-          <a:miter lim="800000"/>
         </a:ln>
-        <a:ln w="19050" cap="flat" cmpd="sng" algn="ctr">
+        <a:ln w="25400" cap="rnd" cmpd="sng" algn="ctr">
           <a:solidFill>
             <a:schemeClr val="phClr"/>
           </a:solidFill>
           <a:prstDash val="solid"/>
-          <a:miter lim="800000"/>
         </a:ln>
       </a:lnStyleLst>
       <a:effectStyleLst>
@@ -5444,54 +7969,72 @@
           <a:effectLst/>
         </a:effectStyle>
         <a:effectStyle>
-          <a:effectLst/>
+          <a:effectLst>
+            <a:outerShdw blurRad="38100" dist="25400" dir="5400000" rotWithShape="0">
+              <a:srgbClr val="000000">
+                <a:alpha val="35000"/>
+              </a:srgbClr>
+            </a:outerShdw>
+          </a:effectLst>
         </a:effectStyle>
         <a:effectStyle>
           <a:effectLst>
-            <a:outerShdw blurRad="57150" dist="19050" dir="5400000" algn="ctr" rotWithShape="0">
+            <a:outerShdw blurRad="50800" dist="38100" dir="5400000" rotWithShape="0">
               <a:srgbClr val="000000">
-                <a:alpha val="63000"/>
+                <a:alpha val="35000"/>
               </a:srgbClr>
             </a:outerShdw>
           </a:effectLst>
+          <a:scene3d>
+            <a:camera prst="orthographicFront">
+              <a:rot lat="0" lon="0" rev="0"/>
+            </a:camera>
+            <a:lightRig rig="threePt" dir="tl"/>
+          </a:scene3d>
+          <a:sp3d prstMaterial="plastic">
+            <a:bevelT w="0" h="0"/>
+          </a:sp3d>
         </a:effectStyle>
       </a:effectStyleLst>
       <a:bgFillStyleLst>
         <a:solidFill>
           <a:schemeClr val="phClr"/>
         </a:solidFill>
-        <a:solidFill>
-          <a:schemeClr val="phClr">
-            <a:tint val="95000"/>
-            <a:satMod val="170000"/>
-          </a:schemeClr>
-        </a:solidFill>
         <a:gradFill rotWithShape="1">
           <a:gsLst>
             <a:gs pos="0">
               <a:schemeClr val="phClr">
-                <a:tint val="93000"/>
-                <a:satMod val="150000"/>
-                <a:shade val="98000"/>
-                <a:lumMod val="102000"/>
+                <a:tint val="90000"/>
+                <a:lumMod val="104000"/>
               </a:schemeClr>
             </a:gs>
-            <a:gs pos="50000">
+            <a:gs pos="94000">
               <a:schemeClr val="phClr">
-                <a:tint val="98000"/>
-                <a:satMod val="130000"/>
-                <a:shade val="90000"/>
-                <a:lumMod val="103000"/>
+                <a:shade val="96000"/>
+                <a:lumMod val="82000"/>
+              </a:schemeClr>
+            </a:gs>
+          </a:gsLst>
+          <a:lin ang="5400000" scaled="0"/>
+        </a:gradFill>
+        <a:gradFill rotWithShape="1">
+          <a:gsLst>
+            <a:gs pos="0">
+              <a:schemeClr val="phClr">
+                <a:tint val="90000"/>
+                <a:lumMod val="110000"/>
               </a:schemeClr>
             </a:gs>
             <a:gs pos="100000">
               <a:schemeClr val="phClr">
-                <a:shade val="63000"/>
-                <a:satMod val="120000"/>
+                <a:shade val="94000"/>
+                <a:lumMod val="96000"/>
               </a:schemeClr>
             </a:gs>
           </a:gsLst>
-          <a:lin ang="5400000" scaled="0"/>
+          <a:path path="circle">
+            <a:fillToRect l="50000" t="50000" r="100000" b="100000"/>
+          </a:path>
         </a:gradFill>
       </a:bgFillStyleLst>
     </a:fmtScheme>
@@ -5500,7 +8043,7 @@
   <a:extraClrSchemeLst/>
   <a:extLst>
     <a:ext uri="{05A4C25C-085E-4340-85A3-A5531E510DB2}">
-      <thm15:themeFamily xmlns:thm15="http://schemas.microsoft.com/office/thememl/2012/main" name="Office Theme" id="{62F939B6-93AF-4DB8-9C6B-D6C7DFDC589F}" vid="{4A3C46E8-61CC-4603-A589-7422A47A8E4A}"/>
+      <thm15:themeFamily xmlns:thm15="http://schemas.microsoft.com/office/thememl/2012/main" name="Facet" id="{C0C680CD-088A-49FC-A102-D699147F32B2}" vid="{8C59B386-999D-4CB6-B907-9F3997C027CC}"/>
     </a:ext>
   </a:extLst>
 </a:theme>
